--- a/Mibrary.pptx
+++ b/Mibrary.pptx
@@ -6,7 +6,12 @@
   </p:sldMasterIdLst>
   <p:sldIdLst>
     <p:sldId id="256" r:id="rId2"/>
-    <p:sldId id="257" r:id="rId3"/>
+    <p:sldId id="258" r:id="rId3"/>
+    <p:sldId id="257" r:id="rId4"/>
+    <p:sldId id="259" r:id="rId5"/>
+    <p:sldId id="262" r:id="rId6"/>
+    <p:sldId id="260" r:id="rId7"/>
+    <p:sldId id="261" r:id="rId8"/>
   </p:sldIdLst>
   <p:sldSz cx="12192000" cy="6858000"/>
   <p:notesSz cx="6858000" cy="9144000"/>
@@ -105,6 +110,11 @@
       </a:defRPr>
     </a:lvl9pPr>
   </p:defaultTextStyle>
+  <p:extLst>
+    <p:ext uri="{EFAFB233-063F-42B5-8137-9DF3F51BA10A}">
+      <p15:sldGuideLst xmlns:p15="http://schemas.microsoft.com/office/powerpoint/2012/main"/>
+    </p:ext>
+  </p:extLst>
 </p:presentation>
 </file>
 
@@ -3482,7 +3492,7 @@
           <p:cNvPr id="2" name="Title 1">
             <a:extLst>
               <a:ext uri="{FF2B5EF4-FFF2-40B4-BE49-F238E27FC236}">
-                <a16:creationId xmlns:a16="http://schemas.microsoft.com/office/drawing/2014/main" id="{42CA8A91-249F-4B92-ABB2-C02E6FFD84A3}"/>
+                <a16:creationId xmlns:a16="http://schemas.microsoft.com/office/drawing/2014/main" id="{EF05A1CC-BF64-42E9-BAD4-228E2E0B5162}"/>
               </a:ext>
             </a:extLst>
           </p:cNvPr>
@@ -3498,24 +3508,257 @@
           <a:bodyPr/>
           <a:lstStyle/>
           <a:p>
+            <a:r>
+              <a:rPr lang="en-US" dirty="0"/>
+              <a:t>Overview of Contributions</a:t>
+            </a:r>
+          </a:p>
+        </p:txBody>
+      </p:sp>
+      <p:sp>
+        <p:nvSpPr>
+          <p:cNvPr id="3" name="Content Placeholder 2">
+            <a:extLst>
+              <a:ext uri="{FF2B5EF4-FFF2-40B4-BE49-F238E27FC236}">
+                <a16:creationId xmlns:a16="http://schemas.microsoft.com/office/drawing/2014/main" id="{45D66238-906F-40F4-AC80-474376A51A3C}"/>
+              </a:ext>
+            </a:extLst>
+          </p:cNvPr>
+          <p:cNvSpPr>
+            <a:spLocks noGrp="1"/>
+          </p:cNvSpPr>
+          <p:nvPr>
+            <p:ph idx="1"/>
+          </p:nvPr>
+        </p:nvSpPr>
+        <p:spPr/>
+        <p:txBody>
+          <a:bodyPr>
+            <a:normAutofit fontScale="70000" lnSpcReduction="20000"/>
+          </a:bodyPr>
+          <a:lstStyle/>
+          <a:p>
+            <a:r>
+              <a:rPr lang="en-US" dirty="0"/>
+              <a:t>Edwin Xeon Gutierrez</a:t>
+            </a:r>
+          </a:p>
+          <a:p>
+            <a:pPr lvl="1"/>
+            <a:r>
+              <a:rPr lang="en-US" dirty="0"/>
+              <a:t>React Frontend</a:t>
+            </a:r>
+          </a:p>
+          <a:p>
+            <a:pPr lvl="1"/>
+            <a:r>
+              <a:rPr lang="en-US" dirty="0"/>
+              <a:t>Sorting and Filtering</a:t>
+            </a:r>
+          </a:p>
+          <a:p>
+            <a:pPr lvl="1"/>
+            <a:r>
+              <a:rPr lang="en-US" dirty="0"/>
+              <a:t>Detail Pages</a:t>
+            </a:r>
+          </a:p>
+          <a:p>
+            <a:pPr lvl="1"/>
+            <a:r>
+              <a:rPr lang="en-US" dirty="0"/>
+              <a:t>Visualizations</a:t>
+            </a:r>
+          </a:p>
+          <a:p>
+            <a:r>
+              <a:rPr lang="en-US" dirty="0" err="1"/>
+              <a:t>Debarshi</a:t>
+            </a:r>
+            <a:r>
+              <a:rPr lang="en-US" dirty="0"/>
+              <a:t> Kundu</a:t>
+            </a:r>
+          </a:p>
+          <a:p>
+            <a:r>
+              <a:rPr lang="en-US" dirty="0"/>
+              <a:t>Lucy Liu</a:t>
+            </a:r>
+          </a:p>
+          <a:p>
+            <a:pPr lvl="1"/>
+            <a:r>
+              <a:rPr lang="en-US" dirty="0"/>
+              <a:t>React Frontend</a:t>
+            </a:r>
+          </a:p>
+          <a:p>
+            <a:pPr lvl="1"/>
+            <a:r>
+              <a:rPr lang="en-US" dirty="0"/>
+              <a:t>Searching</a:t>
+            </a:r>
+          </a:p>
+          <a:p>
+            <a:pPr lvl="1"/>
+            <a:r>
+              <a:rPr lang="en-US" dirty="0"/>
+              <a:t>Model Page Prettiness</a:t>
+            </a:r>
+          </a:p>
+          <a:p>
+            <a:r>
+              <a:rPr lang="en-US" dirty="0"/>
+              <a:t>Austin </a:t>
+            </a:r>
+            <a:r>
+              <a:rPr lang="en-US" dirty="0" err="1"/>
+              <a:t>Mager</a:t>
+            </a:r>
             <a:endParaRPr lang="en-US" dirty="0"/>
           </a:p>
-        </p:txBody>
-      </p:sp>
-      <p:sp>
-        <p:nvSpPr>
-          <p:cNvPr id="3" name="Content Placeholder 2">
-            <a:extLst>
-              <a:ext uri="{FF2B5EF4-FFF2-40B4-BE49-F238E27FC236}">
-                <a16:creationId xmlns:a16="http://schemas.microsoft.com/office/drawing/2014/main" id="{E4C3B6BE-152D-45C9-A840-FE658CBA9BCB}"/>
-              </a:ext>
-            </a:extLst>
-          </p:cNvPr>
-          <p:cNvSpPr>
-            <a:spLocks noGrp="1"/>
-          </p:cNvSpPr>
-          <p:nvPr>
-            <p:ph idx="1"/>
+          <a:p>
+            <a:r>
+              <a:rPr lang="en-US" dirty="0" err="1"/>
+              <a:t>Diemi</a:t>
+            </a:r>
+            <a:r>
+              <a:rPr lang="en-US" dirty="0"/>
+              <a:t> Pham</a:t>
+            </a:r>
+          </a:p>
+          <a:p>
+            <a:pPr lvl="1"/>
+            <a:r>
+              <a:rPr lang="en-US" dirty="0"/>
+              <a:t>Flask API Backend</a:t>
+            </a:r>
+          </a:p>
+          <a:p>
+            <a:r>
+              <a:rPr lang="en-US" dirty="0"/>
+              <a:t>Aaron </a:t>
+            </a:r>
+            <a:r>
+              <a:rPr lang="en-US" dirty="0" err="1"/>
+              <a:t>Salda</a:t>
+            </a:r>
+            <a:r>
+              <a:rPr lang="es-MX" dirty="0" err="1"/>
+              <a:t>ña</a:t>
+            </a:r>
+            <a:endParaRPr lang="es-MX" dirty="0"/>
+          </a:p>
+          <a:p>
+            <a:pPr lvl="1"/>
+            <a:r>
+              <a:rPr lang="es-MX" dirty="0" err="1"/>
+              <a:t>Database</a:t>
+            </a:r>
+            <a:endParaRPr lang="en-US" dirty="0"/>
+          </a:p>
+          <a:p>
+            <a:endParaRPr lang="en-US" dirty="0"/>
+          </a:p>
+        </p:txBody>
+      </p:sp>
+    </p:spTree>
+    <p:extLst>
+      <p:ext uri="{BB962C8B-B14F-4D97-AF65-F5344CB8AC3E}">
+        <p14:creationId xmlns:p14="http://schemas.microsoft.com/office/powerpoint/2010/main" val="3626648166"/>
+      </p:ext>
+    </p:extLst>
+  </p:cSld>
+  <p:clrMapOvr>
+    <a:masterClrMapping/>
+  </p:clrMapOvr>
+</p:sld>
+</file>
+
+<file path=ppt/slides/slide3.xml><?xml version="1.0" encoding="utf-8"?>
+<p:sld xmlns:a="http://schemas.openxmlformats.org/drawingml/2006/main" xmlns:r="http://schemas.openxmlformats.org/officeDocument/2006/relationships" xmlns:p="http://schemas.openxmlformats.org/presentationml/2006/main">
+  <p:cSld>
+    <p:spTree>
+      <p:nvGrpSpPr>
+        <p:cNvPr id="1" name=""/>
+        <p:cNvGrpSpPr/>
+        <p:nvPr/>
+      </p:nvGrpSpPr>
+      <p:grpSpPr>
+        <a:xfrm>
+          <a:off x="0" y="0"/>
+          <a:ext cx="0" cy="0"/>
+          <a:chOff x="0" y="0"/>
+          <a:chExt cx="0" cy="0"/>
+        </a:xfrm>
+      </p:grpSpPr>
+      <p:sp>
+        <p:nvSpPr>
+          <p:cNvPr id="4" name="Title 3">
+            <a:extLst>
+              <a:ext uri="{FF2B5EF4-FFF2-40B4-BE49-F238E27FC236}">
+                <a16:creationId xmlns:a16="http://schemas.microsoft.com/office/drawing/2014/main" id="{C8EAF5CB-4AF5-4A3F-B6E7-8E442B76EE59}"/>
+              </a:ext>
+            </a:extLst>
+          </p:cNvPr>
+          <p:cNvSpPr>
+            <a:spLocks noGrp="1"/>
+          </p:cNvSpPr>
+          <p:nvPr>
+            <p:ph type="title"/>
+          </p:nvPr>
+        </p:nvSpPr>
+        <p:spPr/>
+        <p:txBody>
+          <a:bodyPr>
+            <a:normAutofit fontScale="90000"/>
+          </a:bodyPr>
+          <a:lstStyle/>
+          <a:p>
+            <a:r>
+              <a:rPr lang="en-US" dirty="0"/>
+              <a:t>Show About Page</a:t>
+            </a:r>
+            <a:br>
+              <a:rPr lang="en-US" dirty="0"/>
+            </a:br>
+            <a:r>
+              <a:rPr lang="en-US" dirty="0"/>
+              <a:t>Navigate Site</a:t>
+            </a:r>
+            <a:br>
+              <a:rPr lang="en-US" dirty="0"/>
+            </a:br>
+            <a:r>
+              <a:rPr lang="en-US" dirty="0"/>
+              <a:t>Search/sorting/filtering</a:t>
+            </a:r>
+            <a:br>
+              <a:rPr lang="en-US" dirty="0"/>
+            </a:br>
+            <a:r>
+              <a:rPr lang="en-US" dirty="0"/>
+              <a:t>Visualizations</a:t>
+            </a:r>
+          </a:p>
+        </p:txBody>
+      </p:sp>
+      <p:sp>
+        <p:nvSpPr>
+          <p:cNvPr id="5" name="Text Placeholder 4">
+            <a:extLst>
+              <a:ext uri="{FF2B5EF4-FFF2-40B4-BE49-F238E27FC236}">
+                <a16:creationId xmlns:a16="http://schemas.microsoft.com/office/drawing/2014/main" id="{6CE079CB-73F1-4B17-8D60-914BD9BBF2EF}"/>
+              </a:ext>
+            </a:extLst>
+          </p:cNvPr>
+          <p:cNvSpPr>
+            <a:spLocks noGrp="1"/>
+          </p:cNvSpPr>
+          <p:nvPr>
+            <p:ph type="body" idx="1"/>
           </p:nvPr>
         </p:nvSpPr>
         <p:spPr/>
@@ -3531,6 +3774,504 @@
     <p:extLst>
       <p:ext uri="{BB962C8B-B14F-4D97-AF65-F5344CB8AC3E}">
         <p14:creationId xmlns:p14="http://schemas.microsoft.com/office/powerpoint/2010/main" val="3497277453"/>
+      </p:ext>
+    </p:extLst>
+  </p:cSld>
+  <p:clrMapOvr>
+    <a:masterClrMapping/>
+  </p:clrMapOvr>
+</p:sld>
+</file>
+
+<file path=ppt/slides/slide4.xml><?xml version="1.0" encoding="utf-8"?>
+<p:sld xmlns:a="http://schemas.openxmlformats.org/drawingml/2006/main" xmlns:r="http://schemas.openxmlformats.org/officeDocument/2006/relationships" xmlns:p="http://schemas.openxmlformats.org/presentationml/2006/main">
+  <p:cSld>
+    <p:spTree>
+      <p:nvGrpSpPr>
+        <p:cNvPr id="1" name=""/>
+        <p:cNvGrpSpPr/>
+        <p:nvPr/>
+      </p:nvGrpSpPr>
+      <p:grpSpPr>
+        <a:xfrm>
+          <a:off x="0" y="0"/>
+          <a:ext cx="0" cy="0"/>
+          <a:chOff x="0" y="0"/>
+          <a:chExt cx="0" cy="0"/>
+        </a:xfrm>
+      </p:grpSpPr>
+      <p:sp>
+        <p:nvSpPr>
+          <p:cNvPr id="2" name="Title 1">
+            <a:extLst>
+              <a:ext uri="{FF2B5EF4-FFF2-40B4-BE49-F238E27FC236}">
+                <a16:creationId xmlns:a16="http://schemas.microsoft.com/office/drawing/2014/main" id="{DD60DF3B-03A9-4BE0-8C97-E8D471FD2B2D}"/>
+              </a:ext>
+            </a:extLst>
+          </p:cNvPr>
+          <p:cNvSpPr>
+            <a:spLocks noGrp="1"/>
+          </p:cNvSpPr>
+          <p:nvPr>
+            <p:ph type="title"/>
+          </p:nvPr>
+        </p:nvSpPr>
+        <p:spPr/>
+        <p:txBody>
+          <a:bodyPr/>
+          <a:lstStyle/>
+          <a:p>
+            <a:r>
+              <a:rPr lang="en-US" dirty="0"/>
+              <a:t>Self Critique</a:t>
+            </a:r>
+          </a:p>
+        </p:txBody>
+      </p:sp>
+      <p:sp>
+        <p:nvSpPr>
+          <p:cNvPr id="3" name="Content Placeholder 2">
+            <a:extLst>
+              <a:ext uri="{FF2B5EF4-FFF2-40B4-BE49-F238E27FC236}">
+                <a16:creationId xmlns:a16="http://schemas.microsoft.com/office/drawing/2014/main" id="{9C427DA5-2B80-4445-A3AD-345280D4BC3A}"/>
+              </a:ext>
+            </a:extLst>
+          </p:cNvPr>
+          <p:cNvSpPr>
+            <a:spLocks noGrp="1"/>
+          </p:cNvSpPr>
+          <p:nvPr>
+            <p:ph idx="1"/>
+          </p:nvPr>
+        </p:nvSpPr>
+        <p:spPr/>
+        <p:txBody>
+          <a:bodyPr/>
+          <a:lstStyle/>
+          <a:p>
+            <a:r>
+              <a:rPr lang="en-US" dirty="0"/>
+              <a:t>What did we do well?</a:t>
+            </a:r>
+          </a:p>
+          <a:p>
+            <a:pPr lvl="1"/>
+            <a:r>
+              <a:rPr lang="en-US" dirty="0"/>
+              <a:t>Searching: pretty and highlight search term, smart </a:t>
+            </a:r>
+          </a:p>
+          <a:p>
+            <a:pPr lvl="1"/>
+            <a:r>
+              <a:rPr lang="en-US" dirty="0"/>
+              <a:t>Pagination</a:t>
+            </a:r>
+          </a:p>
+          <a:p>
+            <a:r>
+              <a:rPr lang="en-US" dirty="0"/>
+              <a:t>What did we learn?</a:t>
+            </a:r>
+          </a:p>
+          <a:p>
+            <a:pPr lvl="1"/>
+            <a:r>
+              <a:rPr lang="en-US" dirty="0"/>
+              <a:t>Tools required in CS industry</a:t>
+            </a:r>
+          </a:p>
+        </p:txBody>
+      </p:sp>
+    </p:spTree>
+    <p:extLst>
+      <p:ext uri="{BB962C8B-B14F-4D97-AF65-F5344CB8AC3E}">
+        <p14:creationId xmlns:p14="http://schemas.microsoft.com/office/powerpoint/2010/main" val="1487313002"/>
+      </p:ext>
+    </p:extLst>
+  </p:cSld>
+  <p:clrMapOvr>
+    <a:masterClrMapping/>
+  </p:clrMapOvr>
+</p:sld>
+</file>
+
+<file path=ppt/slides/slide5.xml><?xml version="1.0" encoding="utf-8"?>
+<p:sld xmlns:a="http://schemas.openxmlformats.org/drawingml/2006/main" xmlns:r="http://schemas.openxmlformats.org/officeDocument/2006/relationships" xmlns:p="http://schemas.openxmlformats.org/presentationml/2006/main">
+  <p:cSld>
+    <p:spTree>
+      <p:nvGrpSpPr>
+        <p:cNvPr id="1" name=""/>
+        <p:cNvGrpSpPr/>
+        <p:nvPr/>
+      </p:nvGrpSpPr>
+      <p:grpSpPr>
+        <a:xfrm>
+          <a:off x="0" y="0"/>
+          <a:ext cx="0" cy="0"/>
+          <a:chOff x="0" y="0"/>
+          <a:chExt cx="0" cy="0"/>
+        </a:xfrm>
+      </p:grpSpPr>
+      <p:sp>
+        <p:nvSpPr>
+          <p:cNvPr id="2" name="Title 1">
+            <a:extLst>
+              <a:ext uri="{FF2B5EF4-FFF2-40B4-BE49-F238E27FC236}">
+                <a16:creationId xmlns:a16="http://schemas.microsoft.com/office/drawing/2014/main" id="{8DE600F6-7DF4-4BA1-B365-6A4E575410DA}"/>
+              </a:ext>
+            </a:extLst>
+          </p:cNvPr>
+          <p:cNvSpPr>
+            <a:spLocks noGrp="1"/>
+          </p:cNvSpPr>
+          <p:nvPr>
+            <p:ph type="title"/>
+          </p:nvPr>
+        </p:nvSpPr>
+        <p:spPr/>
+        <p:txBody>
+          <a:bodyPr/>
+          <a:lstStyle/>
+          <a:p>
+            <a:r>
+              <a:rPr lang="en-US" dirty="0"/>
+              <a:t>Self Critique</a:t>
+            </a:r>
+          </a:p>
+        </p:txBody>
+      </p:sp>
+      <p:sp>
+        <p:nvSpPr>
+          <p:cNvPr id="3" name="Content Placeholder 2">
+            <a:extLst>
+              <a:ext uri="{FF2B5EF4-FFF2-40B4-BE49-F238E27FC236}">
+                <a16:creationId xmlns:a16="http://schemas.microsoft.com/office/drawing/2014/main" id="{B3D5762A-D50B-4780-8055-552AE1ED9BC0}"/>
+              </a:ext>
+            </a:extLst>
+          </p:cNvPr>
+          <p:cNvSpPr>
+            <a:spLocks noGrp="1"/>
+          </p:cNvSpPr>
+          <p:nvPr>
+            <p:ph idx="1"/>
+          </p:nvPr>
+        </p:nvSpPr>
+        <p:spPr/>
+        <p:txBody>
+          <a:bodyPr/>
+          <a:lstStyle/>
+          <a:p>
+            <a:r>
+              <a:rPr lang="en-US" dirty="0"/>
+              <a:t>What can we do better?</a:t>
+            </a:r>
+          </a:p>
+          <a:p>
+            <a:pPr lvl="1"/>
+            <a:r>
+              <a:rPr lang="en-US" dirty="0"/>
+              <a:t>Organization</a:t>
+            </a:r>
+          </a:p>
+          <a:p>
+            <a:r>
+              <a:rPr lang="en-US" dirty="0"/>
+              <a:t>What puzzles us?</a:t>
+            </a:r>
+          </a:p>
+          <a:p>
+            <a:endParaRPr lang="en-US" dirty="0"/>
+          </a:p>
+        </p:txBody>
+      </p:sp>
+    </p:spTree>
+    <p:extLst>
+      <p:ext uri="{BB962C8B-B14F-4D97-AF65-F5344CB8AC3E}">
+        <p14:creationId xmlns:p14="http://schemas.microsoft.com/office/powerpoint/2010/main" val="1584163850"/>
+      </p:ext>
+    </p:extLst>
+  </p:cSld>
+  <p:clrMapOvr>
+    <a:masterClrMapping/>
+  </p:clrMapOvr>
+</p:sld>
+</file>
+
+<file path=ppt/slides/slide6.xml><?xml version="1.0" encoding="utf-8"?>
+<p:sld xmlns:a="http://schemas.openxmlformats.org/drawingml/2006/main" xmlns:r="http://schemas.openxmlformats.org/officeDocument/2006/relationships" xmlns:p="http://schemas.openxmlformats.org/presentationml/2006/main">
+  <p:cSld>
+    <p:spTree>
+      <p:nvGrpSpPr>
+        <p:cNvPr id="1" name=""/>
+        <p:cNvGrpSpPr/>
+        <p:nvPr/>
+      </p:nvGrpSpPr>
+      <p:grpSpPr>
+        <a:xfrm>
+          <a:off x="0" y="0"/>
+          <a:ext cx="0" cy="0"/>
+          <a:chOff x="0" y="0"/>
+          <a:chExt cx="0" cy="0"/>
+        </a:xfrm>
+      </p:grpSpPr>
+      <p:sp>
+        <p:nvSpPr>
+          <p:cNvPr id="2" name="Title 1">
+            <a:extLst>
+              <a:ext uri="{FF2B5EF4-FFF2-40B4-BE49-F238E27FC236}">
+                <a16:creationId xmlns:a16="http://schemas.microsoft.com/office/drawing/2014/main" id="{84C5B7F2-1186-462C-8C03-0866B01F7090}"/>
+              </a:ext>
+            </a:extLst>
+          </p:cNvPr>
+          <p:cNvSpPr>
+            <a:spLocks noGrp="1"/>
+          </p:cNvSpPr>
+          <p:nvPr>
+            <p:ph type="title"/>
+          </p:nvPr>
+        </p:nvSpPr>
+        <p:spPr/>
+        <p:txBody>
+          <a:bodyPr/>
+          <a:lstStyle/>
+          <a:p>
+            <a:r>
+              <a:rPr lang="en-US" dirty="0"/>
+              <a:t>Other Critique</a:t>
+            </a:r>
+          </a:p>
+        </p:txBody>
+      </p:sp>
+      <p:sp>
+        <p:nvSpPr>
+          <p:cNvPr id="3" name="Content Placeholder 2">
+            <a:extLst>
+              <a:ext uri="{FF2B5EF4-FFF2-40B4-BE49-F238E27FC236}">
+                <a16:creationId xmlns:a16="http://schemas.microsoft.com/office/drawing/2014/main" id="{CA44053A-0E3F-4DF9-B58E-89D81F3619CC}"/>
+              </a:ext>
+            </a:extLst>
+          </p:cNvPr>
+          <p:cNvSpPr>
+            <a:spLocks noGrp="1"/>
+          </p:cNvSpPr>
+          <p:nvPr>
+            <p:ph idx="1"/>
+          </p:nvPr>
+        </p:nvSpPr>
+        <p:spPr/>
+        <p:txBody>
+          <a:bodyPr>
+            <a:normAutofit fontScale="92500" lnSpcReduction="10000"/>
+          </a:bodyPr>
+          <a:lstStyle/>
+          <a:p>
+            <a:r>
+              <a:rPr lang="en-US" dirty="0"/>
+              <a:t>What did they do well?</a:t>
+            </a:r>
+          </a:p>
+          <a:p>
+            <a:pPr lvl="1"/>
+            <a:r>
+              <a:rPr lang="en-US" dirty="0"/>
+              <a:t>Frontpage is pretty with a picture carousel</a:t>
+            </a:r>
+          </a:p>
+          <a:p>
+            <a:pPr lvl="1"/>
+            <a:r>
+              <a:rPr lang="en-US" dirty="0"/>
+              <a:t>Detailed detail pages</a:t>
+            </a:r>
+          </a:p>
+          <a:p>
+            <a:pPr lvl="1"/>
+            <a:r>
+              <a:rPr lang="en-US" dirty="0"/>
+              <a:t>Website filter and sort and page numbers are pretty</a:t>
+            </a:r>
+          </a:p>
+          <a:p>
+            <a:pPr lvl="1"/>
+            <a:r>
+              <a:rPr lang="en-US" dirty="0"/>
+              <a:t>Visualizations look nice</a:t>
+            </a:r>
+          </a:p>
+          <a:p>
+            <a:pPr lvl="1"/>
+            <a:r>
+              <a:rPr lang="en-US" dirty="0"/>
+              <a:t>Fetch random tree button, learn about new trees</a:t>
+            </a:r>
+          </a:p>
+          <a:p>
+            <a:r>
+              <a:rPr lang="en-US" dirty="0"/>
+              <a:t>What did we learn from their website?</a:t>
+            </a:r>
+          </a:p>
+          <a:p>
+            <a:pPr lvl="1"/>
+            <a:r>
+              <a:rPr lang="en-US" dirty="0"/>
+              <a:t>Learned about what type of trees can be grown here</a:t>
+            </a:r>
+          </a:p>
+          <a:p>
+            <a:pPr lvl="1"/>
+            <a:r>
+              <a:rPr lang="en-US" dirty="0"/>
+              <a:t>Learned about problems growing trees, and details about them to find the most appealing tree</a:t>
+            </a:r>
+          </a:p>
+          <a:p>
+            <a:pPr lvl="1"/>
+            <a:r>
+              <a:rPr lang="en-US" dirty="0"/>
+              <a:t>Events nearby us about trees</a:t>
+            </a:r>
+          </a:p>
+          <a:p>
+            <a:pPr lvl="1"/>
+            <a:r>
+              <a:rPr lang="en-US" dirty="0"/>
+              <a:t>Parks, stores and their ratings</a:t>
+            </a:r>
+          </a:p>
+          <a:p>
+            <a:pPr lvl="1"/>
+            <a:endParaRPr lang="en-US" dirty="0"/>
+          </a:p>
+          <a:p>
+            <a:pPr marL="0" indent="0">
+              <a:buNone/>
+            </a:pPr>
+            <a:endParaRPr lang="en-US" dirty="0"/>
+          </a:p>
+        </p:txBody>
+      </p:sp>
+    </p:spTree>
+    <p:extLst>
+      <p:ext uri="{BB962C8B-B14F-4D97-AF65-F5344CB8AC3E}">
+        <p14:creationId xmlns:p14="http://schemas.microsoft.com/office/powerpoint/2010/main" val="573781708"/>
+      </p:ext>
+    </p:extLst>
+  </p:cSld>
+  <p:clrMapOvr>
+    <a:masterClrMapping/>
+  </p:clrMapOvr>
+</p:sld>
+</file>
+
+<file path=ppt/slides/slide7.xml><?xml version="1.0" encoding="utf-8"?>
+<p:sld xmlns:a="http://schemas.openxmlformats.org/drawingml/2006/main" xmlns:r="http://schemas.openxmlformats.org/officeDocument/2006/relationships" xmlns:p="http://schemas.openxmlformats.org/presentationml/2006/main">
+  <p:cSld>
+    <p:spTree>
+      <p:nvGrpSpPr>
+        <p:cNvPr id="1" name=""/>
+        <p:cNvGrpSpPr/>
+        <p:nvPr/>
+      </p:nvGrpSpPr>
+      <p:grpSpPr>
+        <a:xfrm>
+          <a:off x="0" y="0"/>
+          <a:ext cx="0" cy="0"/>
+          <a:chOff x="0" y="0"/>
+          <a:chExt cx="0" cy="0"/>
+        </a:xfrm>
+      </p:grpSpPr>
+      <p:sp>
+        <p:nvSpPr>
+          <p:cNvPr id="2" name="Title 1">
+            <a:extLst>
+              <a:ext uri="{FF2B5EF4-FFF2-40B4-BE49-F238E27FC236}">
+                <a16:creationId xmlns:a16="http://schemas.microsoft.com/office/drawing/2014/main" id="{B377813D-E960-4662-8488-D952ECAC0E82}"/>
+              </a:ext>
+            </a:extLst>
+          </p:cNvPr>
+          <p:cNvSpPr>
+            <a:spLocks noGrp="1"/>
+          </p:cNvSpPr>
+          <p:nvPr>
+            <p:ph type="title"/>
+          </p:nvPr>
+        </p:nvSpPr>
+        <p:spPr/>
+        <p:txBody>
+          <a:bodyPr/>
+          <a:lstStyle/>
+          <a:p>
+            <a:r>
+              <a:rPr lang="en-US" dirty="0"/>
+              <a:t>Other Critique</a:t>
+            </a:r>
+          </a:p>
+        </p:txBody>
+      </p:sp>
+      <p:sp>
+        <p:nvSpPr>
+          <p:cNvPr id="3" name="Content Placeholder 2">
+            <a:extLst>
+              <a:ext uri="{FF2B5EF4-FFF2-40B4-BE49-F238E27FC236}">
+                <a16:creationId xmlns:a16="http://schemas.microsoft.com/office/drawing/2014/main" id="{D155C54A-495C-430C-B738-A968B1599768}"/>
+              </a:ext>
+            </a:extLst>
+          </p:cNvPr>
+          <p:cNvSpPr>
+            <a:spLocks noGrp="1"/>
+          </p:cNvSpPr>
+          <p:nvPr>
+            <p:ph idx="1"/>
+          </p:nvPr>
+        </p:nvSpPr>
+        <p:spPr/>
+        <p:txBody>
+          <a:bodyPr/>
+          <a:lstStyle/>
+          <a:p>
+            <a:r>
+              <a:rPr lang="en-US" dirty="0"/>
+              <a:t>What can they do better?</a:t>
+            </a:r>
+          </a:p>
+          <a:p>
+            <a:pPr lvl="1"/>
+            <a:r>
+              <a:rPr lang="en-US" dirty="0"/>
+              <a:t>Some functionality bugs</a:t>
+            </a:r>
+          </a:p>
+          <a:p>
+            <a:pPr lvl="2"/>
+            <a:r>
+              <a:rPr lang="en-US" dirty="0"/>
+              <a:t>Search is a little glitchy: doesn’t search as you type until after you have searched for the first time</a:t>
+            </a:r>
+          </a:p>
+          <a:p>
+            <a:pPr lvl="2"/>
+            <a:r>
+              <a:rPr lang="en-US" dirty="0"/>
+              <a:t>Model page search links back to homepage</a:t>
+            </a:r>
+          </a:p>
+          <a:p>
+            <a:r>
+              <a:rPr lang="en-US" dirty="0"/>
+              <a:t>What puzzles us about their website?</a:t>
+            </a:r>
+          </a:p>
+          <a:p>
+            <a:endParaRPr lang="en-US" dirty="0"/>
+          </a:p>
+        </p:txBody>
+      </p:sp>
+    </p:spTree>
+    <p:extLst>
+      <p:ext uri="{BB962C8B-B14F-4D97-AF65-F5344CB8AC3E}">
+        <p14:creationId xmlns:p14="http://schemas.microsoft.com/office/powerpoint/2010/main" val="895901992"/>
       </p:ext>
     </p:extLst>
   </p:cSld>

--- a/Mibrary.pptx
+++ b/Mibrary.pptx
@@ -265,7 +265,7 @@
           <a:p>
             <a:fld id="{CBA1FD25-B74C-499F-B05D-EFCBCFE2C8CB}" type="datetimeFigureOut">
               <a:rPr lang="en-US" smtClean="0"/>
-              <a:t>7/26/2018</a:t>
+              <a:t>7/26/18</a:t>
             </a:fld>
             <a:endParaRPr lang="en-US"/>
           </a:p>
@@ -463,7 +463,7 @@
           <a:p>
             <a:fld id="{CBA1FD25-B74C-499F-B05D-EFCBCFE2C8CB}" type="datetimeFigureOut">
               <a:rPr lang="en-US" smtClean="0"/>
-              <a:t>7/26/2018</a:t>
+              <a:t>7/26/18</a:t>
             </a:fld>
             <a:endParaRPr lang="en-US"/>
           </a:p>
@@ -671,7 +671,7 @@
           <a:p>
             <a:fld id="{CBA1FD25-B74C-499F-B05D-EFCBCFE2C8CB}" type="datetimeFigureOut">
               <a:rPr lang="en-US" smtClean="0"/>
-              <a:t>7/26/2018</a:t>
+              <a:t>7/26/18</a:t>
             </a:fld>
             <a:endParaRPr lang="en-US"/>
           </a:p>
@@ -869,7 +869,7 @@
           <a:p>
             <a:fld id="{CBA1FD25-B74C-499F-B05D-EFCBCFE2C8CB}" type="datetimeFigureOut">
               <a:rPr lang="en-US" smtClean="0"/>
-              <a:t>7/26/2018</a:t>
+              <a:t>7/26/18</a:t>
             </a:fld>
             <a:endParaRPr lang="en-US"/>
           </a:p>
@@ -1144,7 +1144,7 @@
           <a:p>
             <a:fld id="{CBA1FD25-B74C-499F-B05D-EFCBCFE2C8CB}" type="datetimeFigureOut">
               <a:rPr lang="en-US" smtClean="0"/>
-              <a:t>7/26/2018</a:t>
+              <a:t>7/26/18</a:t>
             </a:fld>
             <a:endParaRPr lang="en-US"/>
           </a:p>
@@ -1409,7 +1409,7 @@
           <a:p>
             <a:fld id="{CBA1FD25-B74C-499F-B05D-EFCBCFE2C8CB}" type="datetimeFigureOut">
               <a:rPr lang="en-US" smtClean="0"/>
-              <a:t>7/26/2018</a:t>
+              <a:t>7/26/18</a:t>
             </a:fld>
             <a:endParaRPr lang="en-US"/>
           </a:p>
@@ -1821,7 +1821,7 @@
           <a:p>
             <a:fld id="{CBA1FD25-B74C-499F-B05D-EFCBCFE2C8CB}" type="datetimeFigureOut">
               <a:rPr lang="en-US" smtClean="0"/>
-              <a:t>7/26/2018</a:t>
+              <a:t>7/26/18</a:t>
             </a:fld>
             <a:endParaRPr lang="en-US"/>
           </a:p>
@@ -1962,7 +1962,7 @@
           <a:p>
             <a:fld id="{CBA1FD25-B74C-499F-B05D-EFCBCFE2C8CB}" type="datetimeFigureOut">
               <a:rPr lang="en-US" smtClean="0"/>
-              <a:t>7/26/2018</a:t>
+              <a:t>7/26/18</a:t>
             </a:fld>
             <a:endParaRPr lang="en-US"/>
           </a:p>
@@ -2075,7 +2075,7 @@
           <a:p>
             <a:fld id="{CBA1FD25-B74C-499F-B05D-EFCBCFE2C8CB}" type="datetimeFigureOut">
               <a:rPr lang="en-US" smtClean="0"/>
-              <a:t>7/26/2018</a:t>
+              <a:t>7/26/18</a:t>
             </a:fld>
             <a:endParaRPr lang="en-US"/>
           </a:p>
@@ -2386,7 +2386,7 @@
           <a:p>
             <a:fld id="{CBA1FD25-B74C-499F-B05D-EFCBCFE2C8CB}" type="datetimeFigureOut">
               <a:rPr lang="en-US" smtClean="0"/>
-              <a:t>7/26/2018</a:t>
+              <a:t>7/26/18</a:t>
             </a:fld>
             <a:endParaRPr lang="en-US"/>
           </a:p>
@@ -2674,7 +2674,7 @@
           <a:p>
             <a:fld id="{CBA1FD25-B74C-499F-B05D-EFCBCFE2C8CB}" type="datetimeFigureOut">
               <a:rPr lang="en-US" smtClean="0"/>
-              <a:t>7/26/2018</a:t>
+              <a:t>7/26/18</a:t>
             </a:fld>
             <a:endParaRPr lang="en-US"/>
           </a:p>
@@ -2915,7 +2915,7 @@
           <a:p>
             <a:fld id="{CBA1FD25-B74C-499F-B05D-EFCBCFE2C8CB}" type="datetimeFigureOut">
               <a:rPr lang="en-US" smtClean="0"/>
-              <a:t>7/26/2018</a:t>
+              <a:t>7/26/18</a:t>
             </a:fld>
             <a:endParaRPr lang="en-US"/>
           </a:p>
@@ -3534,7 +3534,7 @@
         <p:spPr/>
         <p:txBody>
           <a:bodyPr>
-            <a:normAutofit fontScale="70000" lnSpcReduction="20000"/>
+            <a:normAutofit fontScale="55000" lnSpcReduction="20000"/>
           </a:bodyPr>
           <a:lstStyle/>
           <a:p>
@@ -3573,12 +3573,29 @@
           </a:p>
           <a:p>
             <a:r>
-              <a:rPr lang="en-US" dirty="0" err="1"/>
-              <a:t>Debarshi</a:t>
-            </a:r>
-            <a:r>
-              <a:rPr lang="en-US" dirty="0"/>
-              <a:t> Kundu</a:t>
+              <a:rPr lang="en-US" dirty="0"/>
+              <a:t>Debarshi Kundu</a:t>
+            </a:r>
+          </a:p>
+          <a:p>
+            <a:pPr lvl="1"/>
+            <a:r>
+              <a:rPr lang="en-US" dirty="0"/>
+              <a:t>User Models </a:t>
+            </a:r>
+          </a:p>
+          <a:p>
+            <a:pPr lvl="1"/>
+            <a:r>
+              <a:rPr lang="en-US" dirty="0"/>
+              <a:t>Visualization refineries</a:t>
+            </a:r>
+          </a:p>
+          <a:p>
+            <a:pPr lvl="1"/>
+            <a:r>
+              <a:rPr lang="en-US" dirty="0"/>
+              <a:t>Implementing Bootstrap	</a:t>
             </a:r>
           </a:p>
           <a:p>

--- a/Mibrary.pptx
+++ b/Mibrary.pptx
@@ -265,7 +265,7 @@
           <a:p>
             <a:fld id="{CBA1FD25-B74C-499F-B05D-EFCBCFE2C8CB}" type="datetimeFigureOut">
               <a:rPr lang="en-US" smtClean="0"/>
-              <a:t>7/26/18</a:t>
+              <a:t>7/27/18</a:t>
             </a:fld>
             <a:endParaRPr lang="en-US"/>
           </a:p>
@@ -463,7 +463,7 @@
           <a:p>
             <a:fld id="{CBA1FD25-B74C-499F-B05D-EFCBCFE2C8CB}" type="datetimeFigureOut">
               <a:rPr lang="en-US" smtClean="0"/>
-              <a:t>7/26/18</a:t>
+              <a:t>7/27/18</a:t>
             </a:fld>
             <a:endParaRPr lang="en-US"/>
           </a:p>
@@ -671,7 +671,7 @@
           <a:p>
             <a:fld id="{CBA1FD25-B74C-499F-B05D-EFCBCFE2C8CB}" type="datetimeFigureOut">
               <a:rPr lang="en-US" smtClean="0"/>
-              <a:t>7/26/18</a:t>
+              <a:t>7/27/18</a:t>
             </a:fld>
             <a:endParaRPr lang="en-US"/>
           </a:p>
@@ -869,7 +869,7 @@
           <a:p>
             <a:fld id="{CBA1FD25-B74C-499F-B05D-EFCBCFE2C8CB}" type="datetimeFigureOut">
               <a:rPr lang="en-US" smtClean="0"/>
-              <a:t>7/26/18</a:t>
+              <a:t>7/27/18</a:t>
             </a:fld>
             <a:endParaRPr lang="en-US"/>
           </a:p>
@@ -1144,7 +1144,7 @@
           <a:p>
             <a:fld id="{CBA1FD25-B74C-499F-B05D-EFCBCFE2C8CB}" type="datetimeFigureOut">
               <a:rPr lang="en-US" smtClean="0"/>
-              <a:t>7/26/18</a:t>
+              <a:t>7/27/18</a:t>
             </a:fld>
             <a:endParaRPr lang="en-US"/>
           </a:p>
@@ -1409,7 +1409,7 @@
           <a:p>
             <a:fld id="{CBA1FD25-B74C-499F-B05D-EFCBCFE2C8CB}" type="datetimeFigureOut">
               <a:rPr lang="en-US" smtClean="0"/>
-              <a:t>7/26/18</a:t>
+              <a:t>7/27/18</a:t>
             </a:fld>
             <a:endParaRPr lang="en-US"/>
           </a:p>
@@ -1821,7 +1821,7 @@
           <a:p>
             <a:fld id="{CBA1FD25-B74C-499F-B05D-EFCBCFE2C8CB}" type="datetimeFigureOut">
               <a:rPr lang="en-US" smtClean="0"/>
-              <a:t>7/26/18</a:t>
+              <a:t>7/27/18</a:t>
             </a:fld>
             <a:endParaRPr lang="en-US"/>
           </a:p>
@@ -1962,7 +1962,7 @@
           <a:p>
             <a:fld id="{CBA1FD25-B74C-499F-B05D-EFCBCFE2C8CB}" type="datetimeFigureOut">
               <a:rPr lang="en-US" smtClean="0"/>
-              <a:t>7/26/18</a:t>
+              <a:t>7/27/18</a:t>
             </a:fld>
             <a:endParaRPr lang="en-US"/>
           </a:p>
@@ -2075,7 +2075,7 @@
           <a:p>
             <a:fld id="{CBA1FD25-B74C-499F-B05D-EFCBCFE2C8CB}" type="datetimeFigureOut">
               <a:rPr lang="en-US" smtClean="0"/>
-              <a:t>7/26/18</a:t>
+              <a:t>7/27/18</a:t>
             </a:fld>
             <a:endParaRPr lang="en-US"/>
           </a:p>
@@ -2386,7 +2386,7 @@
           <a:p>
             <a:fld id="{CBA1FD25-B74C-499F-B05D-EFCBCFE2C8CB}" type="datetimeFigureOut">
               <a:rPr lang="en-US" smtClean="0"/>
-              <a:t>7/26/18</a:t>
+              <a:t>7/27/18</a:t>
             </a:fld>
             <a:endParaRPr lang="en-US"/>
           </a:p>
@@ -2674,7 +2674,7 @@
           <a:p>
             <a:fld id="{CBA1FD25-B74C-499F-B05D-EFCBCFE2C8CB}" type="datetimeFigureOut">
               <a:rPr lang="en-US" smtClean="0"/>
-              <a:t>7/26/18</a:t>
+              <a:t>7/27/18</a:t>
             </a:fld>
             <a:endParaRPr lang="en-US"/>
           </a:p>
@@ -2915,7 +2915,7 @@
           <a:p>
             <a:fld id="{CBA1FD25-B74C-499F-B05D-EFCBCFE2C8CB}" type="datetimeFigureOut">
               <a:rPr lang="en-US" smtClean="0"/>
-              <a:t>7/26/18</a:t>
+              <a:t>7/27/18</a:t>
             </a:fld>
             <a:endParaRPr lang="en-US"/>
           </a:p>
@@ -3992,12 +3992,22 @@
             </a:r>
           </a:p>
           <a:p>
+            <a:pPr lvl="1"/>
+            <a:r>
+              <a:rPr lang="en-US" dirty="0"/>
+              <a:t>Time Management</a:t>
+            </a:r>
+          </a:p>
+          <a:p>
             <a:r>
               <a:rPr lang="en-US" dirty="0"/>
               <a:t>What puzzles us?</a:t>
             </a:r>
           </a:p>
           <a:p>
+            <a:pPr marL="0" indent="0">
+              <a:buNone/>
+            </a:pPr>
             <a:endParaRPr lang="en-US" dirty="0"/>
           </a:p>
         </p:txBody>
@@ -4277,8 +4287,18 @@
           <a:p>
             <a:r>
               <a:rPr lang="en-US" dirty="0"/>
-              <a:t>What puzzles us about their website?</a:t>
-            </a:r>
+              <a:t>What puzzles us about their </a:t>
+            </a:r>
+            <a:r>
+              <a:rPr lang="en-US"/>
+              <a:t>website?</a:t>
+            </a:r>
+          </a:p>
+          <a:p>
+            <a:pPr marL="0" indent="0">
+              <a:buNone/>
+            </a:pPr>
+            <a:endParaRPr lang="en-US" dirty="0"/>
           </a:p>
           <a:p>
             <a:endParaRPr lang="en-US" dirty="0"/>

--- a/Mibrary.pptx
+++ b/Mibrary.pptx
@@ -173,7 +173,7 @@
           <a:noFill/>
           <a:extLst>
             <a:ext uri="{909E8E84-426E-40dd-AFC4-6F175D3DCCD1}">
-              <a14:hiddenFill xmlns="" xmlns:a14="http://schemas.microsoft.com/office/drawing/2010/main">
+              <a14:hiddenFill xmlns:a14="http://schemas.microsoft.com/office/drawing/2010/main" xmlns="">
                 <a:solidFill>
                   <a:srgbClr val="FFFFFF"/>
                 </a:solidFill>
@@ -233,7 +233,7 @@
             </a:ln>
             <a:extLst>
               <a:ext uri="{91240B29-F687-4f45-9708-019B960494DF}">
-                <a14:hiddenLine xmlns="" xmlns:a14="http://schemas.microsoft.com/office/drawing/2010/main" w="9525">
+                <a14:hiddenLine xmlns:a14="http://schemas.microsoft.com/office/drawing/2010/main" xmlns="" w="9525">
                   <a:solidFill>
                     <a:srgbClr val="000000"/>
                   </a:solidFill>
@@ -323,7 +323,7 @@
             </a:ln>
             <a:extLst>
               <a:ext uri="{91240B29-F687-4f45-9708-019B960494DF}">
-                <a14:hiddenLine xmlns="" xmlns:a14="http://schemas.microsoft.com/office/drawing/2010/main" w="9525">
+                <a14:hiddenLine xmlns:a14="http://schemas.microsoft.com/office/drawing/2010/main" xmlns="" w="9525">
                   <a:solidFill>
                     <a:srgbClr val="000000"/>
                   </a:solidFill>
@@ -413,7 +413,7 @@
             </a:ln>
             <a:extLst>
               <a:ext uri="{91240B29-F687-4f45-9708-019B960494DF}">
-                <a14:hiddenLine xmlns="" xmlns:a14="http://schemas.microsoft.com/office/drawing/2010/main" w="9525">
+                <a14:hiddenLine xmlns:a14="http://schemas.microsoft.com/office/drawing/2010/main" xmlns="" w="9525">
                   <a:solidFill>
                     <a:srgbClr val="000000"/>
                   </a:solidFill>
@@ -447,7 +447,7 @@
             </a:ln>
             <a:extLst>
               <a:ext uri="{91240B29-F687-4f45-9708-019B960494DF}">
-                <a14:hiddenLine xmlns="" xmlns:a14="http://schemas.microsoft.com/office/drawing/2010/main" w="9525">
+                <a14:hiddenLine xmlns:a14="http://schemas.microsoft.com/office/drawing/2010/main" xmlns="" w="9525">
                   <a:solidFill>
                     <a:srgbClr val="000000"/>
                   </a:solidFill>
@@ -537,7 +537,7 @@
             </a:ln>
             <a:extLst>
               <a:ext uri="{91240B29-F687-4f45-9708-019B960494DF}">
-                <a14:hiddenLine xmlns="" xmlns:a14="http://schemas.microsoft.com/office/drawing/2010/main" w="9525">
+                <a14:hiddenLine xmlns:a14="http://schemas.microsoft.com/office/drawing/2010/main" xmlns="" w="9525">
                   <a:solidFill>
                     <a:srgbClr val="000000"/>
                   </a:solidFill>
@@ -599,7 +599,7 @@
             </a:ln>
             <a:extLst>
               <a:ext uri="{91240B29-F687-4f45-9708-019B960494DF}">
-                <a14:hiddenLine xmlns="" xmlns:a14="http://schemas.microsoft.com/office/drawing/2010/main" w="9525">
+                <a14:hiddenLine xmlns:a14="http://schemas.microsoft.com/office/drawing/2010/main" xmlns="" w="9525">
                   <a:solidFill>
                     <a:srgbClr val="000000"/>
                   </a:solidFill>
@@ -661,7 +661,7 @@
             </a:ln>
             <a:extLst>
               <a:ext uri="{91240B29-F687-4f45-9708-019B960494DF}">
-                <a14:hiddenLine xmlns="" xmlns:a14="http://schemas.microsoft.com/office/drawing/2010/main" w="9525">
+                <a14:hiddenLine xmlns:a14="http://schemas.microsoft.com/office/drawing/2010/main" xmlns="" w="9525">
                   <a:solidFill>
                     <a:srgbClr val="000000"/>
                   </a:solidFill>
@@ -751,7 +751,7 @@
             </a:ln>
             <a:extLst>
               <a:ext uri="{91240B29-F687-4f45-9708-019B960494DF}">
-                <a14:hiddenLine xmlns="" xmlns:a14="http://schemas.microsoft.com/office/drawing/2010/main" w="9525">
+                <a14:hiddenLine xmlns:a14="http://schemas.microsoft.com/office/drawing/2010/main" xmlns="" w="9525">
                   <a:solidFill>
                     <a:srgbClr val="000000"/>
                   </a:solidFill>
@@ -813,7 +813,7 @@
             </a:ln>
             <a:extLst>
               <a:ext uri="{91240B29-F687-4f45-9708-019B960494DF}">
-                <a14:hiddenLine xmlns="" xmlns:a14="http://schemas.microsoft.com/office/drawing/2010/main" w="9525">
+                <a14:hiddenLine xmlns:a14="http://schemas.microsoft.com/office/drawing/2010/main" xmlns="" w="9525">
                   <a:solidFill>
                     <a:srgbClr val="000000"/>
                   </a:solidFill>
@@ -875,7 +875,7 @@
             </a:ln>
             <a:extLst>
               <a:ext uri="{91240B29-F687-4f45-9708-019B960494DF}">
-                <a14:hiddenLine xmlns="" xmlns:a14="http://schemas.microsoft.com/office/drawing/2010/main" w="9525">
+                <a14:hiddenLine xmlns:a14="http://schemas.microsoft.com/office/drawing/2010/main" xmlns="" w="9525">
                   <a:solidFill>
                     <a:srgbClr val="000000"/>
                   </a:solidFill>
@@ -965,7 +965,7 @@
             </a:ln>
             <a:extLst>
               <a:ext uri="{91240B29-F687-4f45-9708-019B960494DF}">
-                <a14:hiddenLine xmlns="" xmlns:a14="http://schemas.microsoft.com/office/drawing/2010/main" w="9525">
+                <a14:hiddenLine xmlns:a14="http://schemas.microsoft.com/office/drawing/2010/main" xmlns="" w="9525">
                   <a:solidFill>
                     <a:srgbClr val="000000"/>
                   </a:solidFill>
@@ -1055,7 +1055,7 @@
             </a:ln>
             <a:extLst>
               <a:ext uri="{91240B29-F687-4f45-9708-019B960494DF}">
-                <a14:hiddenLine xmlns="" xmlns:a14="http://schemas.microsoft.com/office/drawing/2010/main" w="9525">
+                <a14:hiddenLine xmlns:a14="http://schemas.microsoft.com/office/drawing/2010/main" xmlns="" w="9525">
                   <a:solidFill>
                     <a:srgbClr val="000000"/>
                   </a:solidFill>
@@ -1117,7 +1117,7 @@
             </a:ln>
             <a:extLst>
               <a:ext uri="{91240B29-F687-4f45-9708-019B960494DF}">
-                <a14:hiddenLine xmlns="" xmlns:a14="http://schemas.microsoft.com/office/drawing/2010/main" w="9525">
+                <a14:hiddenLine xmlns:a14="http://schemas.microsoft.com/office/drawing/2010/main" xmlns="" w="9525">
                   <a:solidFill>
                     <a:srgbClr val="000000"/>
                   </a:solidFill>
@@ -1227,7 +1227,7 @@
             </a:ln>
             <a:extLst>
               <a:ext uri="{91240B29-F687-4f45-9708-019B960494DF}">
-                <a14:hiddenLine xmlns="" xmlns:a14="http://schemas.microsoft.com/office/drawing/2010/main" w="9525">
+                <a14:hiddenLine xmlns:a14="http://schemas.microsoft.com/office/drawing/2010/main" xmlns="" w="9525">
                   <a:solidFill>
                     <a:srgbClr val="000000"/>
                   </a:solidFill>
@@ -1289,7 +1289,7 @@
             </a:ln>
             <a:extLst>
               <a:ext uri="{91240B29-F687-4f45-9708-019B960494DF}">
-                <a14:hiddenLine xmlns="" xmlns:a14="http://schemas.microsoft.com/office/drawing/2010/main" w="9525">
+                <a14:hiddenLine xmlns:a14="http://schemas.microsoft.com/office/drawing/2010/main" xmlns="" w="9525">
                   <a:solidFill>
                     <a:srgbClr val="000000"/>
                   </a:solidFill>
@@ -1379,7 +1379,7 @@
             </a:ln>
             <a:extLst>
               <a:ext uri="{91240B29-F687-4f45-9708-019B960494DF}">
-                <a14:hiddenLine xmlns="" xmlns:a14="http://schemas.microsoft.com/office/drawing/2010/main" w="9525">
+                <a14:hiddenLine xmlns:a14="http://schemas.microsoft.com/office/drawing/2010/main" xmlns="" w="9525">
                   <a:solidFill>
                     <a:srgbClr val="000000"/>
                   </a:solidFill>
@@ -1469,7 +1469,7 @@
             </a:ln>
             <a:extLst>
               <a:ext uri="{91240B29-F687-4f45-9708-019B960494DF}">
-                <a14:hiddenLine xmlns="" xmlns:a14="http://schemas.microsoft.com/office/drawing/2010/main" w="9525">
+                <a14:hiddenLine xmlns:a14="http://schemas.microsoft.com/office/drawing/2010/main" xmlns="" w="9525">
                   <a:solidFill>
                     <a:srgbClr val="000000"/>
                   </a:solidFill>
@@ -1531,7 +1531,7 @@
             </a:ln>
             <a:extLst>
               <a:ext uri="{91240B29-F687-4f45-9708-019B960494DF}">
-                <a14:hiddenLine xmlns="" xmlns:a14="http://schemas.microsoft.com/office/drawing/2010/main" w="9525">
+                <a14:hiddenLine xmlns:a14="http://schemas.microsoft.com/office/drawing/2010/main" xmlns="" w="9525">
                   <a:solidFill>
                     <a:srgbClr val="000000"/>
                   </a:solidFill>
@@ -1621,7 +1621,7 @@
             </a:ln>
             <a:extLst>
               <a:ext uri="{91240B29-F687-4f45-9708-019B960494DF}">
-                <a14:hiddenLine xmlns="" xmlns:a14="http://schemas.microsoft.com/office/drawing/2010/main" w="9525">
+                <a14:hiddenLine xmlns:a14="http://schemas.microsoft.com/office/drawing/2010/main" xmlns="" w="9525">
                   <a:solidFill>
                     <a:srgbClr val="000000"/>
                   </a:solidFill>
@@ -1711,7 +1711,7 @@
             </a:ln>
             <a:extLst>
               <a:ext uri="{91240B29-F687-4f45-9708-019B960494DF}">
-                <a14:hiddenLine xmlns="" xmlns:a14="http://schemas.microsoft.com/office/drawing/2010/main" w="9525">
+                <a14:hiddenLine xmlns:a14="http://schemas.microsoft.com/office/drawing/2010/main" xmlns="" w="9525">
                   <a:solidFill>
                     <a:srgbClr val="000000"/>
                   </a:solidFill>
@@ -1767,7 +1767,7 @@
             </a:ln>
             <a:extLst>
               <a:ext uri="{91240B29-F687-4f45-9708-019B960494DF}">
-                <a14:hiddenLine xmlns="" xmlns:a14="http://schemas.microsoft.com/office/drawing/2010/main" w="9525">
+                <a14:hiddenLine xmlns:a14="http://schemas.microsoft.com/office/drawing/2010/main" xmlns="" w="9525">
                   <a:solidFill>
                     <a:srgbClr val="000000"/>
                   </a:solidFill>
@@ -1857,7 +1857,7 @@
             </a:ln>
             <a:extLst>
               <a:ext uri="{91240B29-F687-4f45-9708-019B960494DF}">
-                <a14:hiddenLine xmlns="" xmlns:a14="http://schemas.microsoft.com/office/drawing/2010/main" w="9525">
+                <a14:hiddenLine xmlns:a14="http://schemas.microsoft.com/office/drawing/2010/main" xmlns="" w="9525">
                   <a:solidFill>
                     <a:srgbClr val="000000"/>
                   </a:solidFill>
@@ -1913,7 +1913,7 @@
             </a:ln>
             <a:extLst>
               <a:ext uri="{91240B29-F687-4f45-9708-019B960494DF}">
-                <a14:hiddenLine xmlns="" xmlns:a14="http://schemas.microsoft.com/office/drawing/2010/main" w="9525">
+                <a14:hiddenLine xmlns:a14="http://schemas.microsoft.com/office/drawing/2010/main" xmlns="" w="9525">
                   <a:solidFill>
                     <a:srgbClr val="000000"/>
                   </a:solidFill>
@@ -2003,7 +2003,7 @@
             </a:ln>
             <a:extLst>
               <a:ext uri="{91240B29-F687-4f45-9708-019B960494DF}">
-                <a14:hiddenLine xmlns="" xmlns:a14="http://schemas.microsoft.com/office/drawing/2010/main" w="9525">
+                <a14:hiddenLine xmlns:a14="http://schemas.microsoft.com/office/drawing/2010/main" xmlns="" w="9525">
                   <a:solidFill>
                     <a:srgbClr val="000000"/>
                   </a:solidFill>
@@ -2071,7 +2071,7 @@
             </a:ln>
             <a:extLst>
               <a:ext uri="{91240B29-F687-4f45-9708-019B960494DF}">
-                <a14:hiddenLine xmlns="" xmlns:a14="http://schemas.microsoft.com/office/drawing/2010/main" w="9525">
+                <a14:hiddenLine xmlns:a14="http://schemas.microsoft.com/office/drawing/2010/main" xmlns="" w="9525">
                   <a:solidFill>
                     <a:srgbClr val="000000"/>
                   </a:solidFill>
@@ -2161,7 +2161,7 @@
             </a:ln>
             <a:extLst>
               <a:ext uri="{91240B29-F687-4f45-9708-019B960494DF}">
-                <a14:hiddenLine xmlns="" xmlns:a14="http://schemas.microsoft.com/office/drawing/2010/main" w="9525">
+                <a14:hiddenLine xmlns:a14="http://schemas.microsoft.com/office/drawing/2010/main" xmlns="" w="9525">
                   <a:solidFill>
                     <a:srgbClr val="000000"/>
                   </a:solidFill>
@@ -2229,7 +2229,7 @@
             </a:ln>
             <a:extLst>
               <a:ext uri="{91240B29-F687-4f45-9708-019B960494DF}">
-                <a14:hiddenLine xmlns="" xmlns:a14="http://schemas.microsoft.com/office/drawing/2010/main" w="9525">
+                <a14:hiddenLine xmlns:a14="http://schemas.microsoft.com/office/drawing/2010/main" xmlns="" w="9525">
                   <a:solidFill>
                     <a:srgbClr val="000000"/>
                   </a:solidFill>
@@ -2319,7 +2319,7 @@
             </a:ln>
             <a:extLst>
               <a:ext uri="{91240B29-F687-4f45-9708-019B960494DF}">
-                <a14:hiddenLine xmlns="" xmlns:a14="http://schemas.microsoft.com/office/drawing/2010/main" w="9525">
+                <a14:hiddenLine xmlns:a14="http://schemas.microsoft.com/office/drawing/2010/main" xmlns="" w="9525">
                   <a:solidFill>
                     <a:srgbClr val="000000"/>
                   </a:solidFill>
@@ -2353,7 +2353,7 @@
             </a:ln>
             <a:extLst>
               <a:ext uri="{91240B29-F687-4f45-9708-019B960494DF}">
-                <a14:hiddenLine xmlns="" xmlns:a14="http://schemas.microsoft.com/office/drawing/2010/main" w="9525">
+                <a14:hiddenLine xmlns:a14="http://schemas.microsoft.com/office/drawing/2010/main" xmlns="" w="9525">
                   <a:solidFill>
                     <a:srgbClr val="000000"/>
                   </a:solidFill>
@@ -2443,7 +2443,7 @@
             </a:ln>
             <a:extLst>
               <a:ext uri="{91240B29-F687-4f45-9708-019B960494DF}">
-                <a14:hiddenLine xmlns="" xmlns:a14="http://schemas.microsoft.com/office/drawing/2010/main" w="9525">
+                <a14:hiddenLine xmlns:a14="http://schemas.microsoft.com/office/drawing/2010/main" xmlns="" w="9525">
                   <a:solidFill>
                     <a:srgbClr val="000000"/>
                   </a:solidFill>
@@ -2505,7 +2505,7 @@
             </a:ln>
             <a:extLst>
               <a:ext uri="{91240B29-F687-4f45-9708-019B960494DF}">
-                <a14:hiddenLine xmlns="" xmlns:a14="http://schemas.microsoft.com/office/drawing/2010/main" w="9525">
+                <a14:hiddenLine xmlns:a14="http://schemas.microsoft.com/office/drawing/2010/main" xmlns="" w="9525">
                   <a:solidFill>
                     <a:srgbClr val="000000"/>
                   </a:solidFill>
@@ -2567,7 +2567,7 @@
             </a:ln>
             <a:extLst>
               <a:ext uri="{91240B29-F687-4f45-9708-019B960494DF}">
-                <a14:hiddenLine xmlns="" xmlns:a14="http://schemas.microsoft.com/office/drawing/2010/main" w="9525">
+                <a14:hiddenLine xmlns:a14="http://schemas.microsoft.com/office/drawing/2010/main" xmlns="" w="9525">
                   <a:solidFill>
                     <a:srgbClr val="000000"/>
                   </a:solidFill>
@@ -2657,7 +2657,7 @@
             </a:ln>
             <a:extLst>
               <a:ext uri="{91240B29-F687-4f45-9708-019B960494DF}">
-                <a14:hiddenLine xmlns="" xmlns:a14="http://schemas.microsoft.com/office/drawing/2010/main" w="9525">
+                <a14:hiddenLine xmlns:a14="http://schemas.microsoft.com/office/drawing/2010/main" xmlns="" w="9525">
                   <a:solidFill>
                     <a:srgbClr val="000000"/>
                   </a:solidFill>
@@ -2725,7 +2725,7 @@
             </a:ln>
             <a:extLst>
               <a:ext uri="{91240B29-F687-4f45-9708-019B960494DF}">
-                <a14:hiddenLine xmlns="" xmlns:a14="http://schemas.microsoft.com/office/drawing/2010/main" w="9525">
+                <a14:hiddenLine xmlns:a14="http://schemas.microsoft.com/office/drawing/2010/main" xmlns="" w="9525">
                   <a:solidFill>
                     <a:srgbClr val="000000"/>
                   </a:solidFill>
@@ -2787,7 +2787,7 @@
             </a:ln>
             <a:extLst>
               <a:ext uri="{91240B29-F687-4f45-9708-019B960494DF}">
-                <a14:hiddenLine xmlns="" xmlns:a14="http://schemas.microsoft.com/office/drawing/2010/main" w="9525">
+                <a14:hiddenLine xmlns:a14="http://schemas.microsoft.com/office/drawing/2010/main" xmlns="" w="9525">
                   <a:solidFill>
                     <a:srgbClr val="000000"/>
                   </a:solidFill>
@@ -2877,7 +2877,7 @@
             </a:ln>
             <a:extLst>
               <a:ext uri="{91240B29-F687-4f45-9708-019B960494DF}">
-                <a14:hiddenLine xmlns="" xmlns:a14="http://schemas.microsoft.com/office/drawing/2010/main" w="9525">
+                <a14:hiddenLine xmlns:a14="http://schemas.microsoft.com/office/drawing/2010/main" xmlns="" w="9525">
                   <a:solidFill>
                     <a:srgbClr val="000000"/>
                   </a:solidFill>
@@ -2939,7 +2939,7 @@
             </a:ln>
             <a:extLst>
               <a:ext uri="{91240B29-F687-4f45-9708-019B960494DF}">
-                <a14:hiddenLine xmlns="" xmlns:a14="http://schemas.microsoft.com/office/drawing/2010/main" w="9525">
+                <a14:hiddenLine xmlns:a14="http://schemas.microsoft.com/office/drawing/2010/main" xmlns="" w="9525">
                   <a:solidFill>
                     <a:srgbClr val="000000"/>
                   </a:solidFill>
@@ -3029,7 +3029,7 @@
             </a:ln>
             <a:extLst>
               <a:ext uri="{91240B29-F687-4f45-9708-019B960494DF}">
-                <a14:hiddenLine xmlns="" xmlns:a14="http://schemas.microsoft.com/office/drawing/2010/main" w="9525">
+                <a14:hiddenLine xmlns:a14="http://schemas.microsoft.com/office/drawing/2010/main" xmlns="" w="9525">
                   <a:solidFill>
                     <a:srgbClr val="000000"/>
                   </a:solidFill>
@@ -3091,7 +3091,7 @@
             </a:ln>
             <a:extLst>
               <a:ext uri="{91240B29-F687-4f45-9708-019B960494DF}">
-                <a14:hiddenLine xmlns="" xmlns:a14="http://schemas.microsoft.com/office/drawing/2010/main" w="9525">
+                <a14:hiddenLine xmlns:a14="http://schemas.microsoft.com/office/drawing/2010/main" xmlns="" w="9525">
                   <a:solidFill>
                     <a:srgbClr val="000000"/>
                   </a:solidFill>
@@ -3181,7 +3181,7 @@
             </a:ln>
             <a:extLst>
               <a:ext uri="{91240B29-F687-4f45-9708-019B960494DF}">
-                <a14:hiddenLine xmlns="" xmlns:a14="http://schemas.microsoft.com/office/drawing/2010/main" w="9525">
+                <a14:hiddenLine xmlns:a14="http://schemas.microsoft.com/office/drawing/2010/main" xmlns="" w="9525">
                   <a:solidFill>
                     <a:srgbClr val="000000"/>
                   </a:solidFill>
@@ -3215,7 +3215,7 @@
             </a:ln>
             <a:extLst>
               <a:ext uri="{91240B29-F687-4f45-9708-019B960494DF}">
-                <a14:hiddenLine xmlns="" xmlns:a14="http://schemas.microsoft.com/office/drawing/2010/main" w="9525">
+                <a14:hiddenLine xmlns:a14="http://schemas.microsoft.com/office/drawing/2010/main" xmlns="" w="9525">
                   <a:solidFill>
                     <a:srgbClr val="000000"/>
                   </a:solidFill>
@@ -3280,7 +3280,7 @@
             </a:ln>
             <a:extLst>
               <a:ext uri="{91240B29-F687-4f45-9708-019B960494DF}">
-                <a14:hiddenLine xmlns="" xmlns:a14="http://schemas.microsoft.com/office/drawing/2010/main" w="9525">
+                <a14:hiddenLine xmlns:a14="http://schemas.microsoft.com/office/drawing/2010/main" xmlns="" w="9525">
                   <a:solidFill>
                     <a:srgbClr val="000000"/>
                   </a:solidFill>
@@ -3370,7 +3370,7 @@
             </a:ln>
             <a:extLst>
               <a:ext uri="{91240B29-F687-4f45-9708-019B960494DF}">
-                <a14:hiddenLine xmlns="" xmlns:a14="http://schemas.microsoft.com/office/drawing/2010/main" w="9525">
+                <a14:hiddenLine xmlns:a14="http://schemas.microsoft.com/office/drawing/2010/main" xmlns="" w="9525">
                   <a:solidFill>
                     <a:srgbClr val="000000"/>
                   </a:solidFill>
@@ -3432,7 +3432,7 @@
             </a:ln>
             <a:extLst>
               <a:ext uri="{91240B29-F687-4f45-9708-019B960494DF}">
-                <a14:hiddenLine xmlns="" xmlns:a14="http://schemas.microsoft.com/office/drawing/2010/main" w="9525">
+                <a14:hiddenLine xmlns:a14="http://schemas.microsoft.com/office/drawing/2010/main" xmlns="" w="9525">
                   <a:solidFill>
                     <a:srgbClr val="000000"/>
                   </a:solidFill>
@@ -3522,7 +3522,7 @@
             </a:ln>
             <a:extLst>
               <a:ext uri="{91240B29-F687-4f45-9708-019B960494DF}">
-                <a14:hiddenLine xmlns="" xmlns:a14="http://schemas.microsoft.com/office/drawing/2010/main" w="9525">
+                <a14:hiddenLine xmlns:a14="http://schemas.microsoft.com/office/drawing/2010/main" xmlns="" w="9525">
                   <a:solidFill>
                     <a:srgbClr val="000000"/>
                   </a:solidFill>
@@ -3612,7 +3612,7 @@
             </a:ln>
             <a:extLst>
               <a:ext uri="{91240B29-F687-4f45-9708-019B960494DF}">
-                <a14:hiddenLine xmlns="" xmlns:a14="http://schemas.microsoft.com/office/drawing/2010/main" w="9525">
+                <a14:hiddenLine xmlns:a14="http://schemas.microsoft.com/office/drawing/2010/main" xmlns="" w="9525">
                   <a:solidFill>
                     <a:srgbClr val="000000"/>
                   </a:solidFill>
@@ -3677,7 +3677,7 @@
             </a:ln>
             <a:extLst>
               <a:ext uri="{91240B29-F687-4f45-9708-019B960494DF}">
-                <a14:hiddenLine xmlns="" xmlns:a14="http://schemas.microsoft.com/office/drawing/2010/main" w="9525">
+                <a14:hiddenLine xmlns:a14="http://schemas.microsoft.com/office/drawing/2010/main" xmlns="" w="9525">
                   <a:solidFill>
                     <a:srgbClr val="000000"/>
                   </a:solidFill>
@@ -3739,7 +3739,7 @@
             </a:ln>
             <a:extLst>
               <a:ext uri="{91240B29-F687-4f45-9708-019B960494DF}">
-                <a14:hiddenLine xmlns="" xmlns:a14="http://schemas.microsoft.com/office/drawing/2010/main" w="9525">
+                <a14:hiddenLine xmlns:a14="http://schemas.microsoft.com/office/drawing/2010/main" xmlns="" w="9525">
                   <a:solidFill>
                     <a:srgbClr val="000000"/>
                   </a:solidFill>
@@ -3829,7 +3829,7 @@
             </a:ln>
             <a:extLst>
               <a:ext uri="{91240B29-F687-4f45-9708-019B960494DF}">
-                <a14:hiddenLine xmlns="" xmlns:a14="http://schemas.microsoft.com/office/drawing/2010/main" w="9525">
+                <a14:hiddenLine xmlns:a14="http://schemas.microsoft.com/office/drawing/2010/main" xmlns="" w="9525">
                   <a:solidFill>
                     <a:srgbClr val="000000"/>
                   </a:solidFill>
@@ -3919,7 +3919,7 @@
             </a:ln>
             <a:extLst>
               <a:ext uri="{91240B29-F687-4f45-9708-019B960494DF}">
-                <a14:hiddenLine xmlns="" xmlns:a14="http://schemas.microsoft.com/office/drawing/2010/main" w="9525">
+                <a14:hiddenLine xmlns:a14="http://schemas.microsoft.com/office/drawing/2010/main" xmlns="" w="9525">
                   <a:solidFill>
                     <a:srgbClr val="000000"/>
                   </a:solidFill>
@@ -3981,7 +3981,7 @@
             </a:ln>
             <a:extLst>
               <a:ext uri="{91240B29-F687-4f45-9708-019B960494DF}">
-                <a14:hiddenLine xmlns="" xmlns:a14="http://schemas.microsoft.com/office/drawing/2010/main" w="9525">
+                <a14:hiddenLine xmlns:a14="http://schemas.microsoft.com/office/drawing/2010/main" xmlns="" w="9525">
                   <a:solidFill>
                     <a:srgbClr val="000000"/>
                   </a:solidFill>
@@ -4101,7 +4101,7 @@
             </a:ln>
             <a:extLst>
               <a:ext uri="{91240B29-F687-4f45-9708-019B960494DF}">
-                <a14:hiddenLine xmlns="" xmlns:a14="http://schemas.microsoft.com/office/drawing/2010/main" w="9525">
+                <a14:hiddenLine xmlns:a14="http://schemas.microsoft.com/office/drawing/2010/main" xmlns="" w="9525">
                   <a:solidFill>
                     <a:srgbClr val="000000"/>
                   </a:solidFill>
@@ -4169,7 +4169,7 @@
             </a:ln>
             <a:extLst>
               <a:ext uri="{91240B29-F687-4f45-9708-019B960494DF}">
-                <a14:hiddenLine xmlns="" xmlns:a14="http://schemas.microsoft.com/office/drawing/2010/main" w="9525">
+                <a14:hiddenLine xmlns:a14="http://schemas.microsoft.com/office/drawing/2010/main" xmlns="" w="9525">
                   <a:solidFill>
                     <a:srgbClr val="000000"/>
                   </a:solidFill>
@@ -4259,7 +4259,7 @@
             </a:ln>
             <a:extLst>
               <a:ext uri="{91240B29-F687-4f45-9708-019B960494DF}">
-                <a14:hiddenLine xmlns="" xmlns:a14="http://schemas.microsoft.com/office/drawing/2010/main" w="9525">
+                <a14:hiddenLine xmlns:a14="http://schemas.microsoft.com/office/drawing/2010/main" xmlns="" w="9525">
                   <a:solidFill>
                     <a:srgbClr val="000000"/>
                   </a:solidFill>
@@ -9066,7 +9066,7 @@
           <a:noFill/>
           <a:extLst>
             <a:ext uri="{909E8E84-426E-40dd-AFC4-6F175D3DCCD1}">
-              <a14:hiddenFill xmlns="" xmlns:a14="http://schemas.microsoft.com/office/drawing/2010/main">
+              <a14:hiddenFill xmlns:a14="http://schemas.microsoft.com/office/drawing/2010/main" xmlns="">
                 <a:solidFill>
                   <a:srgbClr val="FFFFFF"/>
                 </a:solidFill>
@@ -9140,7 +9140,7 @@
               </a:ln>
               <a:extLst>
                 <a:ext uri="{91240B29-F687-4f45-9708-019B960494DF}">
-                  <a14:hiddenLine xmlns="" xmlns:a14="http://schemas.microsoft.com/office/drawing/2010/main" w="9525">
+                  <a14:hiddenLine xmlns:a14="http://schemas.microsoft.com/office/drawing/2010/main" xmlns="" w="9525">
                     <a:solidFill>
                       <a:srgbClr val="000000"/>
                     </a:solidFill>
@@ -9230,7 +9230,7 @@
               </a:ln>
               <a:extLst>
                 <a:ext uri="{91240B29-F687-4f45-9708-019B960494DF}">
-                  <a14:hiddenLine xmlns="" xmlns:a14="http://schemas.microsoft.com/office/drawing/2010/main" w="9525">
+                  <a14:hiddenLine xmlns:a14="http://schemas.microsoft.com/office/drawing/2010/main" xmlns="" w="9525">
                     <a:solidFill>
                       <a:srgbClr val="000000"/>
                     </a:solidFill>
@@ -9320,7 +9320,7 @@
               </a:ln>
               <a:extLst>
                 <a:ext uri="{91240B29-F687-4f45-9708-019B960494DF}">
-                  <a14:hiddenLine xmlns="" xmlns:a14="http://schemas.microsoft.com/office/drawing/2010/main" w="9525">
+                  <a14:hiddenLine xmlns:a14="http://schemas.microsoft.com/office/drawing/2010/main" xmlns="" w="9525">
                     <a:solidFill>
                       <a:srgbClr val="000000"/>
                     </a:solidFill>
@@ -9382,7 +9382,7 @@
               </a:ln>
               <a:extLst>
                 <a:ext uri="{91240B29-F687-4f45-9708-019B960494DF}">
-                  <a14:hiddenLine xmlns="" xmlns:a14="http://schemas.microsoft.com/office/drawing/2010/main" w="9525">
+                  <a14:hiddenLine xmlns:a14="http://schemas.microsoft.com/office/drawing/2010/main" xmlns="" w="9525">
                     <a:solidFill>
                       <a:srgbClr val="000000"/>
                     </a:solidFill>
@@ -9472,7 +9472,7 @@
               </a:ln>
               <a:extLst>
                 <a:ext uri="{91240B29-F687-4f45-9708-019B960494DF}">
-                  <a14:hiddenLine xmlns="" xmlns:a14="http://schemas.microsoft.com/office/drawing/2010/main" w="9525">
+                  <a14:hiddenLine xmlns:a14="http://schemas.microsoft.com/office/drawing/2010/main" xmlns="" w="9525">
                     <a:solidFill>
                       <a:srgbClr val="000000"/>
                     </a:solidFill>
@@ -9534,7 +9534,7 @@
               </a:ln>
               <a:extLst>
                 <a:ext uri="{91240B29-F687-4f45-9708-019B960494DF}">
-                  <a14:hiddenLine xmlns="" xmlns:a14="http://schemas.microsoft.com/office/drawing/2010/main" w="9525">
+                  <a14:hiddenLine xmlns:a14="http://schemas.microsoft.com/office/drawing/2010/main" xmlns="" w="9525">
                     <a:solidFill>
                       <a:srgbClr val="000000"/>
                     </a:solidFill>
@@ -9596,7 +9596,7 @@
               </a:ln>
               <a:extLst>
                 <a:ext uri="{91240B29-F687-4f45-9708-019B960494DF}">
-                  <a14:hiddenLine xmlns="" xmlns:a14="http://schemas.microsoft.com/office/drawing/2010/main" w="9525">
+                  <a14:hiddenLine xmlns:a14="http://schemas.microsoft.com/office/drawing/2010/main" xmlns="" w="9525">
                     <a:solidFill>
                       <a:srgbClr val="000000"/>
                     </a:solidFill>
@@ -9686,7 +9686,7 @@
               </a:ln>
               <a:extLst>
                 <a:ext uri="{91240B29-F687-4f45-9708-019B960494DF}">
-                  <a14:hiddenLine xmlns="" xmlns:a14="http://schemas.microsoft.com/office/drawing/2010/main" w="9525">
+                  <a14:hiddenLine xmlns:a14="http://schemas.microsoft.com/office/drawing/2010/main" xmlns="" w="9525">
                     <a:solidFill>
                       <a:srgbClr val="000000"/>
                     </a:solidFill>
@@ -9776,7 +9776,7 @@
               </a:ln>
               <a:extLst>
                 <a:ext uri="{91240B29-F687-4f45-9708-019B960494DF}">
-                  <a14:hiddenLine xmlns="" xmlns:a14="http://schemas.microsoft.com/office/drawing/2010/main" w="9525">
+                  <a14:hiddenLine xmlns:a14="http://schemas.microsoft.com/office/drawing/2010/main" xmlns="" w="9525">
                     <a:solidFill>
                       <a:srgbClr val="000000"/>
                     </a:solidFill>
@@ -9838,7 +9838,7 @@
               </a:ln>
               <a:extLst>
                 <a:ext uri="{91240B29-F687-4f45-9708-019B960494DF}">
-                  <a14:hiddenLine xmlns="" xmlns:a14="http://schemas.microsoft.com/office/drawing/2010/main" w="9525">
+                  <a14:hiddenLine xmlns:a14="http://schemas.microsoft.com/office/drawing/2010/main" xmlns="" w="9525">
                     <a:solidFill>
                       <a:srgbClr val="000000"/>
                     </a:solidFill>
@@ -9948,7 +9948,7 @@
               </a:ln>
               <a:extLst>
                 <a:ext uri="{91240B29-F687-4f45-9708-019B960494DF}">
-                  <a14:hiddenLine xmlns="" xmlns:a14="http://schemas.microsoft.com/office/drawing/2010/main" w="9525">
+                  <a14:hiddenLine xmlns:a14="http://schemas.microsoft.com/office/drawing/2010/main" xmlns="" w="9525">
                     <a:solidFill>
                       <a:srgbClr val="000000"/>
                     </a:solidFill>
@@ -10032,7 +10032,7 @@
               </a:ln>
               <a:extLst>
                 <a:ext uri="{91240B29-F687-4f45-9708-019B960494DF}">
-                  <a14:hiddenLine xmlns="" xmlns:a14="http://schemas.microsoft.com/office/drawing/2010/main" w="9525">
+                  <a14:hiddenLine xmlns:a14="http://schemas.microsoft.com/office/drawing/2010/main" xmlns="" w="9525">
                     <a:solidFill>
                       <a:srgbClr val="000000"/>
                     </a:solidFill>
@@ -10094,7 +10094,7 @@
               </a:ln>
               <a:extLst>
                 <a:ext uri="{91240B29-F687-4f45-9708-019B960494DF}">
-                  <a14:hiddenLine xmlns="" xmlns:a14="http://schemas.microsoft.com/office/drawing/2010/main" w="9525">
+                  <a14:hiddenLine xmlns:a14="http://schemas.microsoft.com/office/drawing/2010/main" xmlns="" w="9525">
                     <a:solidFill>
                       <a:srgbClr val="000000"/>
                     </a:solidFill>
@@ -10156,7 +10156,7 @@
               </a:ln>
               <a:extLst>
                 <a:ext uri="{91240B29-F687-4f45-9708-019B960494DF}">
-                  <a14:hiddenLine xmlns="" xmlns:a14="http://schemas.microsoft.com/office/drawing/2010/main" w="9525">
+                  <a14:hiddenLine xmlns:a14="http://schemas.microsoft.com/office/drawing/2010/main" xmlns="" w="9525">
                     <a:solidFill>
                       <a:srgbClr val="000000"/>
                     </a:solidFill>
@@ -10246,7 +10246,7 @@
               </a:ln>
               <a:extLst>
                 <a:ext uri="{91240B29-F687-4f45-9708-019B960494DF}">
-                  <a14:hiddenLine xmlns="" xmlns:a14="http://schemas.microsoft.com/office/drawing/2010/main" w="9525">
+                  <a14:hiddenLine xmlns:a14="http://schemas.microsoft.com/office/drawing/2010/main" xmlns="" w="9525">
                     <a:solidFill>
                       <a:srgbClr val="000000"/>
                     </a:solidFill>
@@ -10280,7 +10280,7 @@
               </a:ln>
               <a:extLst>
                 <a:ext uri="{91240B29-F687-4f45-9708-019B960494DF}">
-                  <a14:hiddenLine xmlns="" xmlns:a14="http://schemas.microsoft.com/office/drawing/2010/main" w="9525">
+                  <a14:hiddenLine xmlns:a14="http://schemas.microsoft.com/office/drawing/2010/main" xmlns="" w="9525">
                     <a:solidFill>
                       <a:srgbClr val="000000"/>
                     </a:solidFill>
@@ -10345,7 +10345,7 @@
               </a:ln>
               <a:extLst>
                 <a:ext uri="{91240B29-F687-4f45-9708-019B960494DF}">
-                  <a14:hiddenLine xmlns="" xmlns:a14="http://schemas.microsoft.com/office/drawing/2010/main" w="9525">
+                  <a14:hiddenLine xmlns:a14="http://schemas.microsoft.com/office/drawing/2010/main" xmlns="" w="9525">
                     <a:solidFill>
                       <a:srgbClr val="000000"/>
                     </a:solidFill>
@@ -10435,7 +10435,7 @@
               </a:ln>
               <a:extLst>
                 <a:ext uri="{91240B29-F687-4f45-9708-019B960494DF}">
-                  <a14:hiddenLine xmlns="" xmlns:a14="http://schemas.microsoft.com/office/drawing/2010/main" w="9525">
+                  <a14:hiddenLine xmlns:a14="http://schemas.microsoft.com/office/drawing/2010/main" xmlns="" w="9525">
                     <a:solidFill>
                       <a:srgbClr val="000000"/>
                     </a:solidFill>
@@ -10497,7 +10497,7 @@
               </a:ln>
               <a:extLst>
                 <a:ext uri="{91240B29-F687-4f45-9708-019B960494DF}">
-                  <a14:hiddenLine xmlns="" xmlns:a14="http://schemas.microsoft.com/office/drawing/2010/main" w="9525">
+                  <a14:hiddenLine xmlns:a14="http://schemas.microsoft.com/office/drawing/2010/main" xmlns="" w="9525">
                     <a:solidFill>
                       <a:srgbClr val="000000"/>
                     </a:solidFill>
@@ -10587,7 +10587,7 @@
               </a:ln>
               <a:extLst>
                 <a:ext uri="{91240B29-F687-4f45-9708-019B960494DF}">
-                  <a14:hiddenLine xmlns="" xmlns:a14="http://schemas.microsoft.com/office/drawing/2010/main" w="9525">
+                  <a14:hiddenLine xmlns:a14="http://schemas.microsoft.com/office/drawing/2010/main" xmlns="" w="9525">
                     <a:solidFill>
                       <a:srgbClr val="000000"/>
                     </a:solidFill>
@@ -10652,7 +10652,7 @@
               </a:ln>
               <a:extLst>
                 <a:ext uri="{91240B29-F687-4f45-9708-019B960494DF}">
-                  <a14:hiddenLine xmlns="" xmlns:a14="http://schemas.microsoft.com/office/drawing/2010/main" w="9525">
+                  <a14:hiddenLine xmlns:a14="http://schemas.microsoft.com/office/drawing/2010/main" xmlns="" w="9525">
                     <a:solidFill>
                       <a:srgbClr val="000000"/>
                     </a:solidFill>
@@ -10714,7 +10714,7 @@
               </a:ln>
               <a:extLst>
                 <a:ext uri="{91240B29-F687-4f45-9708-019B960494DF}">
-                  <a14:hiddenLine xmlns="" xmlns:a14="http://schemas.microsoft.com/office/drawing/2010/main" w="9525">
+                  <a14:hiddenLine xmlns:a14="http://schemas.microsoft.com/office/drawing/2010/main" xmlns="" w="9525">
                     <a:solidFill>
                       <a:srgbClr val="000000"/>
                     </a:solidFill>
@@ -10804,7 +10804,7 @@
               </a:ln>
               <a:extLst>
                 <a:ext uri="{91240B29-F687-4f45-9708-019B960494DF}">
-                  <a14:hiddenLine xmlns="" xmlns:a14="http://schemas.microsoft.com/office/drawing/2010/main" w="9525">
+                  <a14:hiddenLine xmlns:a14="http://schemas.microsoft.com/office/drawing/2010/main" xmlns="" w="9525">
                     <a:solidFill>
                       <a:srgbClr val="000000"/>
                     </a:solidFill>
@@ -10894,7 +10894,7 @@
               </a:ln>
               <a:extLst>
                 <a:ext uri="{91240B29-F687-4f45-9708-019B960494DF}">
-                  <a14:hiddenLine xmlns="" xmlns:a14="http://schemas.microsoft.com/office/drawing/2010/main" w="9525">
+                  <a14:hiddenLine xmlns:a14="http://schemas.microsoft.com/office/drawing/2010/main" xmlns="" w="9525">
                     <a:solidFill>
                       <a:srgbClr val="000000"/>
                     </a:solidFill>
@@ -10959,7 +10959,7 @@
               </a:ln>
               <a:extLst>
                 <a:ext uri="{91240B29-F687-4f45-9708-019B960494DF}">
-                  <a14:hiddenLine xmlns="" xmlns:a14="http://schemas.microsoft.com/office/drawing/2010/main" w="9525">
+                  <a14:hiddenLine xmlns:a14="http://schemas.microsoft.com/office/drawing/2010/main" xmlns="" w="9525">
                     <a:solidFill>
                       <a:srgbClr val="000000"/>
                     </a:solidFill>
@@ -11079,7 +11079,7 @@
               </a:ln>
               <a:extLst>
                 <a:ext uri="{91240B29-F687-4f45-9708-019B960494DF}">
-                  <a14:hiddenLine xmlns="" xmlns:a14="http://schemas.microsoft.com/office/drawing/2010/main" w="9525">
+                  <a14:hiddenLine xmlns:a14="http://schemas.microsoft.com/office/drawing/2010/main" xmlns="" w="9525">
                     <a:solidFill>
                       <a:srgbClr val="000000"/>
                     </a:solidFill>
@@ -11177,7 +11177,7 @@
               </a:ln>
               <a:extLst>
                 <a:ext uri="{91240B29-F687-4f45-9708-019B960494DF}">
-                  <a14:hiddenLine xmlns="" xmlns:a14="http://schemas.microsoft.com/office/drawing/2010/main" w="9525">
+                  <a14:hiddenLine xmlns:a14="http://schemas.microsoft.com/office/drawing/2010/main" xmlns="" w="9525">
                     <a:solidFill>
                       <a:srgbClr val="000000"/>
                     </a:solidFill>
@@ -11292,7 +11292,7 @@
               </a:ln>
               <a:extLst>
                 <a:ext uri="{91240B29-F687-4f45-9708-019B960494DF}">
-                  <a14:hiddenLine xmlns="" xmlns:a14="http://schemas.microsoft.com/office/drawing/2010/main" w="9525">
+                  <a14:hiddenLine xmlns:a14="http://schemas.microsoft.com/office/drawing/2010/main" xmlns="" w="9525">
                     <a:solidFill>
                       <a:srgbClr val="000000"/>
                     </a:solidFill>
@@ -11382,7 +11382,7 @@
               </a:ln>
               <a:extLst>
                 <a:ext uri="{91240B29-F687-4f45-9708-019B960494DF}">
-                  <a14:hiddenLine xmlns="" xmlns:a14="http://schemas.microsoft.com/office/drawing/2010/main" w="9525">
+                  <a14:hiddenLine xmlns:a14="http://schemas.microsoft.com/office/drawing/2010/main" xmlns="" w="9525">
                     <a:solidFill>
                       <a:srgbClr val="000000"/>
                     </a:solidFill>
@@ -11447,7 +11447,7 @@
               </a:ln>
               <a:extLst>
                 <a:ext uri="{91240B29-F687-4f45-9708-019B960494DF}">
-                  <a14:hiddenLine xmlns="" xmlns:a14="http://schemas.microsoft.com/office/drawing/2010/main" w="9525">
+                  <a14:hiddenLine xmlns:a14="http://schemas.microsoft.com/office/drawing/2010/main" xmlns="" w="9525">
                     <a:solidFill>
                       <a:srgbClr val="000000"/>
                     </a:solidFill>
@@ -11537,7 +11537,7 @@
               </a:ln>
               <a:extLst>
                 <a:ext uri="{91240B29-F687-4f45-9708-019B960494DF}">
-                  <a14:hiddenLine xmlns="" xmlns:a14="http://schemas.microsoft.com/office/drawing/2010/main" w="9525">
+                  <a14:hiddenLine xmlns:a14="http://schemas.microsoft.com/office/drawing/2010/main" xmlns="" w="9525">
                     <a:solidFill>
                       <a:srgbClr val="000000"/>
                     </a:solidFill>
@@ -11605,7 +11605,7 @@
               </a:ln>
               <a:extLst>
                 <a:ext uri="{91240B29-F687-4f45-9708-019B960494DF}">
-                  <a14:hiddenLine xmlns="" xmlns:a14="http://schemas.microsoft.com/office/drawing/2010/main" w="9525">
+                  <a14:hiddenLine xmlns:a14="http://schemas.microsoft.com/office/drawing/2010/main" xmlns="" w="9525">
                     <a:solidFill>
                       <a:srgbClr val="000000"/>
                     </a:solidFill>
@@ -11695,7 +11695,7 @@
               </a:ln>
               <a:extLst>
                 <a:ext uri="{91240B29-F687-4f45-9708-019B960494DF}">
-                  <a14:hiddenLine xmlns="" xmlns:a14="http://schemas.microsoft.com/office/drawing/2010/main" w="9525">
+                  <a14:hiddenLine xmlns:a14="http://schemas.microsoft.com/office/drawing/2010/main" xmlns="" w="9525">
                     <a:solidFill>
                       <a:srgbClr val="000000"/>
                     </a:solidFill>
@@ -11763,7 +11763,7 @@
               </a:ln>
               <a:extLst>
                 <a:ext uri="{91240B29-F687-4f45-9708-019B960494DF}">
-                  <a14:hiddenLine xmlns="" xmlns:a14="http://schemas.microsoft.com/office/drawing/2010/main" w="9525">
+                  <a14:hiddenLine xmlns:a14="http://schemas.microsoft.com/office/drawing/2010/main" xmlns="" w="9525">
                     <a:solidFill>
                       <a:srgbClr val="000000"/>
                     </a:solidFill>
@@ -11853,7 +11853,7 @@
               </a:ln>
               <a:extLst>
                 <a:ext uri="{91240B29-F687-4f45-9708-019B960494DF}">
-                  <a14:hiddenLine xmlns="" xmlns:a14="http://schemas.microsoft.com/office/drawing/2010/main" w="9525">
+                  <a14:hiddenLine xmlns:a14="http://schemas.microsoft.com/office/drawing/2010/main" xmlns="" w="9525">
                     <a:solidFill>
                       <a:srgbClr val="000000"/>
                     </a:solidFill>
@@ -11887,7 +11887,7 @@
               </a:ln>
               <a:extLst>
                 <a:ext uri="{91240B29-F687-4f45-9708-019B960494DF}">
-                  <a14:hiddenLine xmlns="" xmlns:a14="http://schemas.microsoft.com/office/drawing/2010/main" w="9525">
+                  <a14:hiddenLine xmlns:a14="http://schemas.microsoft.com/office/drawing/2010/main" xmlns="" w="9525">
                     <a:solidFill>
                       <a:srgbClr val="000000"/>
                     </a:solidFill>
@@ -12607,7 +12607,7 @@
             </a:ln>
             <a:extLst>
               <a:ext uri="{91240B29-F687-4f45-9708-019B960494DF}">
-                <a14:hiddenLine xmlns:a14="http://schemas.microsoft.com/office/drawing/2010/main" xmlns:p14="http://schemas.microsoft.com/office/powerpoint/2010/main" xmlns:a16="http://schemas.microsoft.com/office/drawing/2014/main" xmlns="" w="9525">
+                <a14:hiddenLine xmlns="" xmlns:a16="http://schemas.microsoft.com/office/drawing/2014/main" xmlns:p14="http://schemas.microsoft.com/office/powerpoint/2010/main" xmlns:a14="http://schemas.microsoft.com/office/drawing/2010/main" w="9525">
                   <a:solidFill>
                     <a:srgbClr val="000000"/>
                   </a:solidFill>
@@ -12712,7 +12712,7 @@
             </a:ln>
             <a:extLst>
               <a:ext uri="{91240B29-F687-4f45-9708-019B960494DF}">
-                <a14:hiddenLine xmlns:a14="http://schemas.microsoft.com/office/drawing/2010/main" xmlns:p14="http://schemas.microsoft.com/office/powerpoint/2010/main" xmlns:a16="http://schemas.microsoft.com/office/drawing/2014/main" xmlns="" w="9525">
+                <a14:hiddenLine xmlns="" xmlns:a16="http://schemas.microsoft.com/office/drawing/2014/main" xmlns:p14="http://schemas.microsoft.com/office/powerpoint/2010/main" xmlns:a14="http://schemas.microsoft.com/office/drawing/2010/main" w="9525">
                   <a:solidFill>
                     <a:srgbClr val="000000"/>
                   </a:solidFill>
@@ -12817,7 +12817,7 @@
             </a:ln>
             <a:extLst>
               <a:ext uri="{91240B29-F687-4f45-9708-019B960494DF}">
-                <a14:hiddenLine xmlns:a14="http://schemas.microsoft.com/office/drawing/2010/main" xmlns:p14="http://schemas.microsoft.com/office/powerpoint/2010/main" xmlns:a16="http://schemas.microsoft.com/office/drawing/2014/main" xmlns="" w="9525">
+                <a14:hiddenLine xmlns="" xmlns:a16="http://schemas.microsoft.com/office/drawing/2014/main" xmlns:p14="http://schemas.microsoft.com/office/powerpoint/2010/main" xmlns:a14="http://schemas.microsoft.com/office/drawing/2010/main" w="9525">
                   <a:solidFill>
                     <a:srgbClr val="000000"/>
                   </a:solidFill>
@@ -12866,7 +12866,7 @@
             </a:ln>
             <a:extLst>
               <a:ext uri="{91240B29-F687-4f45-9708-019B960494DF}">
-                <a14:hiddenLine xmlns:a14="http://schemas.microsoft.com/office/drawing/2010/main" xmlns:p14="http://schemas.microsoft.com/office/powerpoint/2010/main" xmlns:a16="http://schemas.microsoft.com/office/drawing/2014/main" xmlns="" w="9525">
+                <a14:hiddenLine xmlns="" xmlns:a16="http://schemas.microsoft.com/office/drawing/2014/main" xmlns:p14="http://schemas.microsoft.com/office/powerpoint/2010/main" xmlns:a14="http://schemas.microsoft.com/office/drawing/2010/main" w="9525">
                   <a:solidFill>
                     <a:srgbClr val="000000"/>
                   </a:solidFill>
@@ -12971,7 +12971,7 @@
             </a:ln>
             <a:extLst>
               <a:ext uri="{91240B29-F687-4f45-9708-019B960494DF}">
-                <a14:hiddenLine xmlns:a14="http://schemas.microsoft.com/office/drawing/2010/main" xmlns:p14="http://schemas.microsoft.com/office/powerpoint/2010/main" xmlns:a16="http://schemas.microsoft.com/office/drawing/2014/main" xmlns="" w="9525">
+                <a14:hiddenLine xmlns="" xmlns:a16="http://schemas.microsoft.com/office/drawing/2014/main" xmlns:p14="http://schemas.microsoft.com/office/powerpoint/2010/main" xmlns:a14="http://schemas.microsoft.com/office/drawing/2010/main" w="9525">
                   <a:solidFill>
                     <a:srgbClr val="000000"/>
                   </a:solidFill>
@@ -13048,7 +13048,7 @@
             </a:ln>
             <a:extLst>
               <a:ext uri="{91240B29-F687-4f45-9708-019B960494DF}">
-                <a14:hiddenLine xmlns:a14="http://schemas.microsoft.com/office/drawing/2010/main" xmlns:p14="http://schemas.microsoft.com/office/powerpoint/2010/main" xmlns:a16="http://schemas.microsoft.com/office/drawing/2014/main" xmlns="" w="9525">
+                <a14:hiddenLine xmlns="" xmlns:a16="http://schemas.microsoft.com/office/drawing/2014/main" xmlns:p14="http://schemas.microsoft.com/office/powerpoint/2010/main" xmlns:a14="http://schemas.microsoft.com/office/drawing/2010/main" w="9525">
                   <a:solidFill>
                     <a:srgbClr val="000000"/>
                   </a:solidFill>
@@ -13125,7 +13125,7 @@
             </a:ln>
             <a:extLst>
               <a:ext uri="{91240B29-F687-4f45-9708-019B960494DF}">
-                <a14:hiddenLine xmlns:a14="http://schemas.microsoft.com/office/drawing/2010/main" xmlns:p14="http://schemas.microsoft.com/office/powerpoint/2010/main" xmlns:a16="http://schemas.microsoft.com/office/drawing/2014/main" xmlns="" w="9525">
+                <a14:hiddenLine xmlns="" xmlns:a16="http://schemas.microsoft.com/office/drawing/2014/main" xmlns:p14="http://schemas.microsoft.com/office/powerpoint/2010/main" xmlns:a14="http://schemas.microsoft.com/office/drawing/2010/main" w="9525">
                   <a:solidFill>
                     <a:srgbClr val="000000"/>
                   </a:solidFill>
@@ -13230,7 +13230,7 @@
             </a:ln>
             <a:extLst>
               <a:ext uri="{91240B29-F687-4f45-9708-019B960494DF}">
-                <a14:hiddenLine xmlns:a14="http://schemas.microsoft.com/office/drawing/2010/main" xmlns:p14="http://schemas.microsoft.com/office/powerpoint/2010/main" xmlns:a16="http://schemas.microsoft.com/office/drawing/2014/main" xmlns="" w="9525">
+                <a14:hiddenLine xmlns="" xmlns:a16="http://schemas.microsoft.com/office/drawing/2014/main" xmlns:p14="http://schemas.microsoft.com/office/powerpoint/2010/main" xmlns:a14="http://schemas.microsoft.com/office/drawing/2010/main" w="9525">
                   <a:solidFill>
                     <a:srgbClr val="000000"/>
                   </a:solidFill>
@@ -13307,7 +13307,7 @@
             </a:ln>
             <a:extLst>
               <a:ext uri="{91240B29-F687-4f45-9708-019B960494DF}">
-                <a14:hiddenLine xmlns:a14="http://schemas.microsoft.com/office/drawing/2010/main" xmlns:p14="http://schemas.microsoft.com/office/powerpoint/2010/main" xmlns:a16="http://schemas.microsoft.com/office/drawing/2014/main" xmlns="" w="9525">
+                <a14:hiddenLine xmlns="" xmlns:a16="http://schemas.microsoft.com/office/drawing/2014/main" xmlns:p14="http://schemas.microsoft.com/office/powerpoint/2010/main" xmlns:a14="http://schemas.microsoft.com/office/drawing/2010/main" w="9525">
                   <a:solidFill>
                     <a:srgbClr val="000000"/>
                   </a:solidFill>
@@ -13384,7 +13384,7 @@
             </a:ln>
             <a:extLst>
               <a:ext uri="{91240B29-F687-4f45-9708-019B960494DF}">
-                <a14:hiddenLine xmlns:a14="http://schemas.microsoft.com/office/drawing/2010/main" xmlns:p14="http://schemas.microsoft.com/office/powerpoint/2010/main" xmlns:a16="http://schemas.microsoft.com/office/drawing/2014/main" xmlns="" w="9525">
+                <a14:hiddenLine xmlns="" xmlns:a16="http://schemas.microsoft.com/office/drawing/2014/main" xmlns:p14="http://schemas.microsoft.com/office/powerpoint/2010/main" xmlns:a14="http://schemas.microsoft.com/office/drawing/2010/main" w="9525">
                   <a:solidFill>
                     <a:srgbClr val="000000"/>
                   </a:solidFill>
@@ -13489,7 +13489,7 @@
             </a:ln>
             <a:extLst>
               <a:ext uri="{91240B29-F687-4f45-9708-019B960494DF}">
-                <a14:hiddenLine xmlns:a14="http://schemas.microsoft.com/office/drawing/2010/main" xmlns:p14="http://schemas.microsoft.com/office/powerpoint/2010/main" xmlns:a16="http://schemas.microsoft.com/office/drawing/2014/main" xmlns="" w="9525">
+                <a14:hiddenLine xmlns="" xmlns:a16="http://schemas.microsoft.com/office/drawing/2014/main" xmlns:p14="http://schemas.microsoft.com/office/powerpoint/2010/main" xmlns:a14="http://schemas.microsoft.com/office/drawing/2010/main" w="9525">
                   <a:solidFill>
                     <a:srgbClr val="000000"/>
                   </a:solidFill>
@@ -13594,7 +13594,7 @@
             </a:ln>
             <a:extLst>
               <a:ext uri="{91240B29-F687-4f45-9708-019B960494DF}">
-                <a14:hiddenLine xmlns:a14="http://schemas.microsoft.com/office/drawing/2010/main" xmlns:p14="http://schemas.microsoft.com/office/powerpoint/2010/main" xmlns:a16="http://schemas.microsoft.com/office/drawing/2014/main" xmlns="" w="9525">
+                <a14:hiddenLine xmlns="" xmlns:a16="http://schemas.microsoft.com/office/drawing/2014/main" xmlns:p14="http://schemas.microsoft.com/office/powerpoint/2010/main" xmlns:a14="http://schemas.microsoft.com/office/drawing/2010/main" w="9525">
                   <a:solidFill>
                     <a:srgbClr val="000000"/>
                   </a:solidFill>
@@ -13671,7 +13671,7 @@
             </a:ln>
             <a:extLst>
               <a:ext uri="{91240B29-F687-4f45-9708-019B960494DF}">
-                <a14:hiddenLine xmlns:a14="http://schemas.microsoft.com/office/drawing/2010/main" xmlns:p14="http://schemas.microsoft.com/office/powerpoint/2010/main" xmlns:a16="http://schemas.microsoft.com/office/drawing/2014/main" xmlns="" w="9525">
+                <a14:hiddenLine xmlns="" xmlns:a16="http://schemas.microsoft.com/office/drawing/2014/main" xmlns:p14="http://schemas.microsoft.com/office/powerpoint/2010/main" xmlns:a14="http://schemas.microsoft.com/office/drawing/2010/main" w="9525">
                   <a:solidFill>
                     <a:srgbClr val="000000"/>
                   </a:solidFill>
@@ -13796,7 +13796,7 @@
             </a:ln>
             <a:extLst>
               <a:ext uri="{91240B29-F687-4f45-9708-019B960494DF}">
-                <a14:hiddenLine xmlns:a14="http://schemas.microsoft.com/office/drawing/2010/main" xmlns:p14="http://schemas.microsoft.com/office/powerpoint/2010/main" xmlns:a16="http://schemas.microsoft.com/office/drawing/2014/main" xmlns="" w="9525">
+                <a14:hiddenLine xmlns="" xmlns:a16="http://schemas.microsoft.com/office/drawing/2014/main" xmlns:p14="http://schemas.microsoft.com/office/powerpoint/2010/main" xmlns:a14="http://schemas.microsoft.com/office/drawing/2010/main" w="9525">
                   <a:solidFill>
                     <a:srgbClr val="000000"/>
                   </a:solidFill>
@@ -13873,7 +13873,7 @@
             </a:ln>
             <a:extLst>
               <a:ext uri="{91240B29-F687-4f45-9708-019B960494DF}">
-                <a14:hiddenLine xmlns:a14="http://schemas.microsoft.com/office/drawing/2010/main" xmlns:p14="http://schemas.microsoft.com/office/powerpoint/2010/main" xmlns:a16="http://schemas.microsoft.com/office/drawing/2014/main" xmlns="" w="9525">
+                <a14:hiddenLine xmlns="" xmlns:a16="http://schemas.microsoft.com/office/drawing/2014/main" xmlns:p14="http://schemas.microsoft.com/office/powerpoint/2010/main" xmlns:a14="http://schemas.microsoft.com/office/drawing/2010/main" w="9525">
                   <a:solidFill>
                     <a:srgbClr val="000000"/>
                   </a:solidFill>
@@ -13978,7 +13978,7 @@
             </a:ln>
             <a:extLst>
               <a:ext uri="{91240B29-F687-4f45-9708-019B960494DF}">
-                <a14:hiddenLine xmlns:a14="http://schemas.microsoft.com/office/drawing/2010/main" xmlns:p14="http://schemas.microsoft.com/office/powerpoint/2010/main" xmlns:a16="http://schemas.microsoft.com/office/drawing/2014/main" xmlns="" w="9525">
+                <a14:hiddenLine xmlns="" xmlns:a16="http://schemas.microsoft.com/office/drawing/2014/main" xmlns:p14="http://schemas.microsoft.com/office/powerpoint/2010/main" xmlns:a14="http://schemas.microsoft.com/office/drawing/2010/main" w="9525">
                   <a:solidFill>
                     <a:srgbClr val="000000"/>
                   </a:solidFill>
@@ -14083,7 +14083,7 @@
             </a:ln>
             <a:extLst>
               <a:ext uri="{91240B29-F687-4f45-9708-019B960494DF}">
-                <a14:hiddenLine xmlns:a14="http://schemas.microsoft.com/office/drawing/2010/main" xmlns:p14="http://schemas.microsoft.com/office/powerpoint/2010/main" xmlns:a16="http://schemas.microsoft.com/office/drawing/2014/main" xmlns="" w="9525">
+                <a14:hiddenLine xmlns="" xmlns:a16="http://schemas.microsoft.com/office/drawing/2014/main" xmlns:p14="http://schemas.microsoft.com/office/powerpoint/2010/main" xmlns:a14="http://schemas.microsoft.com/office/drawing/2010/main" w="9525">
                   <a:solidFill>
                     <a:srgbClr val="000000"/>
                   </a:solidFill>
@@ -14160,7 +14160,7 @@
             </a:ln>
             <a:extLst>
               <a:ext uri="{91240B29-F687-4f45-9708-019B960494DF}">
-                <a14:hiddenLine xmlns:a14="http://schemas.microsoft.com/office/drawing/2010/main" xmlns:p14="http://schemas.microsoft.com/office/powerpoint/2010/main" xmlns:a16="http://schemas.microsoft.com/office/drawing/2014/main" xmlns="" w="9525">
+                <a14:hiddenLine xmlns="" xmlns:a16="http://schemas.microsoft.com/office/drawing/2014/main" xmlns:p14="http://schemas.microsoft.com/office/powerpoint/2010/main" xmlns:a14="http://schemas.microsoft.com/office/drawing/2010/main" w="9525">
                   <a:solidFill>
                     <a:srgbClr val="000000"/>
                   </a:solidFill>
@@ -14265,7 +14265,7 @@
             </a:ln>
             <a:extLst>
               <a:ext uri="{91240B29-F687-4f45-9708-019B960494DF}">
-                <a14:hiddenLine xmlns:a14="http://schemas.microsoft.com/office/drawing/2010/main" xmlns:p14="http://schemas.microsoft.com/office/powerpoint/2010/main" xmlns:a16="http://schemas.microsoft.com/office/drawing/2014/main" xmlns="" w="9525">
+                <a14:hiddenLine xmlns="" xmlns:a16="http://schemas.microsoft.com/office/drawing/2014/main" xmlns:p14="http://schemas.microsoft.com/office/powerpoint/2010/main" xmlns:a14="http://schemas.microsoft.com/office/drawing/2010/main" w="9525">
                   <a:solidFill>
                     <a:srgbClr val="000000"/>
                   </a:solidFill>
@@ -14370,7 +14370,7 @@
             </a:ln>
             <a:extLst>
               <a:ext uri="{91240B29-F687-4f45-9708-019B960494DF}">
-                <a14:hiddenLine xmlns:a14="http://schemas.microsoft.com/office/drawing/2010/main" xmlns:p14="http://schemas.microsoft.com/office/powerpoint/2010/main" xmlns:a16="http://schemas.microsoft.com/office/drawing/2014/main" xmlns="" w="9525">
+                <a14:hiddenLine xmlns="" xmlns:a16="http://schemas.microsoft.com/office/drawing/2014/main" xmlns:p14="http://schemas.microsoft.com/office/powerpoint/2010/main" xmlns:a14="http://schemas.microsoft.com/office/drawing/2010/main" w="9525">
                   <a:solidFill>
                     <a:srgbClr val="000000"/>
                   </a:solidFill>
@@ -14441,7 +14441,7 @@
             </a:ln>
             <a:extLst>
               <a:ext uri="{91240B29-F687-4f45-9708-019B960494DF}">
-                <a14:hiddenLine xmlns:a14="http://schemas.microsoft.com/office/drawing/2010/main" xmlns:p14="http://schemas.microsoft.com/office/powerpoint/2010/main" xmlns:a16="http://schemas.microsoft.com/office/drawing/2014/main" xmlns="" w="9525">
+                <a14:hiddenLine xmlns="" xmlns:a16="http://schemas.microsoft.com/office/drawing/2014/main" xmlns:p14="http://schemas.microsoft.com/office/powerpoint/2010/main" xmlns:a14="http://schemas.microsoft.com/office/drawing/2010/main" w="9525">
                   <a:solidFill>
                     <a:srgbClr val="000000"/>
                   </a:solidFill>
@@ -14546,7 +14546,7 @@
             </a:ln>
             <a:extLst>
               <a:ext uri="{91240B29-F687-4f45-9708-019B960494DF}">
-                <a14:hiddenLine xmlns:a14="http://schemas.microsoft.com/office/drawing/2010/main" xmlns:p14="http://schemas.microsoft.com/office/powerpoint/2010/main" xmlns:a16="http://schemas.microsoft.com/office/drawing/2014/main" xmlns="" w="9525">
+                <a14:hiddenLine xmlns="" xmlns:a16="http://schemas.microsoft.com/office/drawing/2014/main" xmlns:p14="http://schemas.microsoft.com/office/powerpoint/2010/main" xmlns:a14="http://schemas.microsoft.com/office/drawing/2010/main" w="9525">
                   <a:solidFill>
                     <a:srgbClr val="000000"/>
                   </a:solidFill>
@@ -14617,7 +14617,7 @@
             </a:ln>
             <a:extLst>
               <a:ext uri="{91240B29-F687-4f45-9708-019B960494DF}">
-                <a14:hiddenLine xmlns:a14="http://schemas.microsoft.com/office/drawing/2010/main" xmlns:p14="http://schemas.microsoft.com/office/powerpoint/2010/main" xmlns:a16="http://schemas.microsoft.com/office/drawing/2014/main" xmlns="" w="9525">
+                <a14:hiddenLine xmlns="" xmlns:a16="http://schemas.microsoft.com/office/drawing/2014/main" xmlns:p14="http://schemas.microsoft.com/office/powerpoint/2010/main" xmlns:a14="http://schemas.microsoft.com/office/drawing/2010/main" w="9525">
                   <a:solidFill>
                     <a:srgbClr val="000000"/>
                   </a:solidFill>
@@ -14722,7 +14722,7 @@
             </a:ln>
             <a:extLst>
               <a:ext uri="{91240B29-F687-4f45-9708-019B960494DF}">
-                <a14:hiddenLine xmlns:a14="http://schemas.microsoft.com/office/drawing/2010/main" xmlns:p14="http://schemas.microsoft.com/office/powerpoint/2010/main" xmlns:a16="http://schemas.microsoft.com/office/drawing/2014/main" xmlns="" w="9525">
+                <a14:hiddenLine xmlns="" xmlns:a16="http://schemas.microsoft.com/office/drawing/2014/main" xmlns:p14="http://schemas.microsoft.com/office/powerpoint/2010/main" xmlns:a14="http://schemas.microsoft.com/office/drawing/2010/main" w="9525">
                   <a:solidFill>
                     <a:srgbClr val="000000"/>
                   </a:solidFill>
@@ -14805,7 +14805,7 @@
             </a:ln>
             <a:extLst>
               <a:ext uri="{91240B29-F687-4f45-9708-019B960494DF}">
-                <a14:hiddenLine xmlns:a14="http://schemas.microsoft.com/office/drawing/2010/main" xmlns:p14="http://schemas.microsoft.com/office/powerpoint/2010/main" xmlns:a16="http://schemas.microsoft.com/office/drawing/2014/main" xmlns="" w="9525">
+                <a14:hiddenLine xmlns="" xmlns:a16="http://schemas.microsoft.com/office/drawing/2014/main" xmlns:p14="http://schemas.microsoft.com/office/powerpoint/2010/main" xmlns:a14="http://schemas.microsoft.com/office/drawing/2010/main" w="9525">
                   <a:solidFill>
                     <a:srgbClr val="000000"/>
                   </a:solidFill>
@@ -14910,7 +14910,7 @@
             </a:ln>
             <a:extLst>
               <a:ext uri="{91240B29-F687-4f45-9708-019B960494DF}">
-                <a14:hiddenLine xmlns:a14="http://schemas.microsoft.com/office/drawing/2010/main" xmlns:p14="http://schemas.microsoft.com/office/powerpoint/2010/main" xmlns:a16="http://schemas.microsoft.com/office/drawing/2014/main" xmlns="" w="9525">
+                <a14:hiddenLine xmlns="" xmlns:a16="http://schemas.microsoft.com/office/drawing/2014/main" xmlns:p14="http://schemas.microsoft.com/office/powerpoint/2010/main" xmlns:a14="http://schemas.microsoft.com/office/drawing/2010/main" w="9525">
                   <a:solidFill>
                     <a:srgbClr val="000000"/>
                   </a:solidFill>
@@ -14993,7 +14993,7 @@
             </a:ln>
             <a:extLst>
               <a:ext uri="{91240B29-F687-4f45-9708-019B960494DF}">
-                <a14:hiddenLine xmlns:a14="http://schemas.microsoft.com/office/drawing/2010/main" xmlns:p14="http://schemas.microsoft.com/office/powerpoint/2010/main" xmlns:a16="http://schemas.microsoft.com/office/drawing/2014/main" xmlns="" w="9525">
+                <a14:hiddenLine xmlns="" xmlns:a16="http://schemas.microsoft.com/office/drawing/2014/main" xmlns:p14="http://schemas.microsoft.com/office/powerpoint/2010/main" xmlns:a14="http://schemas.microsoft.com/office/drawing/2010/main" w="9525">
                   <a:solidFill>
                     <a:srgbClr val="000000"/>
                   </a:solidFill>
@@ -15098,7 +15098,7 @@
             </a:ln>
             <a:extLst>
               <a:ext uri="{91240B29-F687-4f45-9708-019B960494DF}">
-                <a14:hiddenLine xmlns:a14="http://schemas.microsoft.com/office/drawing/2010/main" xmlns:p14="http://schemas.microsoft.com/office/powerpoint/2010/main" xmlns:a16="http://schemas.microsoft.com/office/drawing/2014/main" xmlns="" w="9525">
+                <a14:hiddenLine xmlns="" xmlns:a16="http://schemas.microsoft.com/office/drawing/2014/main" xmlns:p14="http://schemas.microsoft.com/office/powerpoint/2010/main" xmlns:a14="http://schemas.microsoft.com/office/drawing/2010/main" w="9525">
                   <a:solidFill>
                     <a:srgbClr val="000000"/>
                   </a:solidFill>
@@ -15147,7 +15147,7 @@
             </a:ln>
             <a:extLst>
               <a:ext uri="{91240B29-F687-4f45-9708-019B960494DF}">
-                <a14:hiddenLine xmlns:a14="http://schemas.microsoft.com/office/drawing/2010/main" xmlns:p14="http://schemas.microsoft.com/office/powerpoint/2010/main" xmlns:a16="http://schemas.microsoft.com/office/drawing/2014/main" xmlns="" w="9525">
+                <a14:hiddenLine xmlns="" xmlns:a16="http://schemas.microsoft.com/office/drawing/2014/main" xmlns:p14="http://schemas.microsoft.com/office/powerpoint/2010/main" xmlns:a14="http://schemas.microsoft.com/office/drawing/2010/main" w="9525">
                   <a:solidFill>
                     <a:srgbClr val="000000"/>
                   </a:solidFill>
@@ -15252,7 +15252,7 @@
             </a:ln>
             <a:extLst>
               <a:ext uri="{91240B29-F687-4f45-9708-019B960494DF}">
-                <a14:hiddenLine xmlns:a14="http://schemas.microsoft.com/office/drawing/2010/main" xmlns:p14="http://schemas.microsoft.com/office/powerpoint/2010/main" xmlns:a16="http://schemas.microsoft.com/office/drawing/2014/main" xmlns="" w="9525">
+                <a14:hiddenLine xmlns="" xmlns:a16="http://schemas.microsoft.com/office/drawing/2014/main" xmlns:p14="http://schemas.microsoft.com/office/powerpoint/2010/main" xmlns:a14="http://schemas.microsoft.com/office/drawing/2010/main" w="9525">
                   <a:solidFill>
                     <a:srgbClr val="000000"/>
                   </a:solidFill>
@@ -15329,7 +15329,7 @@
             </a:ln>
             <a:extLst>
               <a:ext uri="{91240B29-F687-4f45-9708-019B960494DF}">
-                <a14:hiddenLine xmlns:a14="http://schemas.microsoft.com/office/drawing/2010/main" xmlns:p14="http://schemas.microsoft.com/office/powerpoint/2010/main" xmlns:a16="http://schemas.microsoft.com/office/drawing/2014/main" xmlns="" w="9525">
+                <a14:hiddenLine xmlns="" xmlns:a16="http://schemas.microsoft.com/office/drawing/2014/main" xmlns:p14="http://schemas.microsoft.com/office/powerpoint/2010/main" xmlns:a14="http://schemas.microsoft.com/office/drawing/2010/main" w="9525">
                   <a:solidFill>
                     <a:srgbClr val="000000"/>
                   </a:solidFill>
@@ -15406,7 +15406,7 @@
             </a:ln>
             <a:extLst>
               <a:ext uri="{91240B29-F687-4f45-9708-019B960494DF}">
-                <a14:hiddenLine xmlns:a14="http://schemas.microsoft.com/office/drawing/2010/main" xmlns:p14="http://schemas.microsoft.com/office/powerpoint/2010/main" xmlns:a16="http://schemas.microsoft.com/office/drawing/2014/main" xmlns="" w="9525">
+                <a14:hiddenLine xmlns="" xmlns:a16="http://schemas.microsoft.com/office/drawing/2014/main" xmlns:p14="http://schemas.microsoft.com/office/powerpoint/2010/main" xmlns:a14="http://schemas.microsoft.com/office/drawing/2010/main" w="9525">
                   <a:solidFill>
                     <a:srgbClr val="000000"/>
                   </a:solidFill>
@@ -15511,7 +15511,7 @@
             </a:ln>
             <a:extLst>
               <a:ext uri="{91240B29-F687-4f45-9708-019B960494DF}">
-                <a14:hiddenLine xmlns:a14="http://schemas.microsoft.com/office/drawing/2010/main" xmlns:p14="http://schemas.microsoft.com/office/powerpoint/2010/main" xmlns:a16="http://schemas.microsoft.com/office/drawing/2014/main" xmlns="" w="9525">
+                <a14:hiddenLine xmlns="" xmlns:a16="http://schemas.microsoft.com/office/drawing/2014/main" xmlns:p14="http://schemas.microsoft.com/office/powerpoint/2010/main" xmlns:a14="http://schemas.microsoft.com/office/drawing/2010/main" w="9525">
                   <a:solidFill>
                     <a:srgbClr val="000000"/>
                   </a:solidFill>
@@ -15594,7 +15594,7 @@
             </a:ln>
             <a:extLst>
               <a:ext uri="{91240B29-F687-4f45-9708-019B960494DF}">
-                <a14:hiddenLine xmlns:a14="http://schemas.microsoft.com/office/drawing/2010/main" xmlns:p14="http://schemas.microsoft.com/office/powerpoint/2010/main" xmlns:a16="http://schemas.microsoft.com/office/drawing/2014/main" xmlns="" w="9525">
+                <a14:hiddenLine xmlns="" xmlns:a16="http://schemas.microsoft.com/office/drawing/2014/main" xmlns:p14="http://schemas.microsoft.com/office/powerpoint/2010/main" xmlns:a14="http://schemas.microsoft.com/office/drawing/2010/main" w="9525">
                   <a:solidFill>
                     <a:srgbClr val="000000"/>
                   </a:solidFill>
@@ -15671,7 +15671,7 @@
             </a:ln>
             <a:extLst>
               <a:ext uri="{91240B29-F687-4f45-9708-019B960494DF}">
-                <a14:hiddenLine xmlns:a14="http://schemas.microsoft.com/office/drawing/2010/main" xmlns:p14="http://schemas.microsoft.com/office/powerpoint/2010/main" xmlns:a16="http://schemas.microsoft.com/office/drawing/2014/main" xmlns="" w="9525">
+                <a14:hiddenLine xmlns="" xmlns:a16="http://schemas.microsoft.com/office/drawing/2014/main" xmlns:p14="http://schemas.microsoft.com/office/powerpoint/2010/main" xmlns:a14="http://schemas.microsoft.com/office/drawing/2010/main" w="9525">
                   <a:solidFill>
                     <a:srgbClr val="000000"/>
                   </a:solidFill>
@@ -15776,7 +15776,7 @@
             </a:ln>
             <a:extLst>
               <a:ext uri="{91240B29-F687-4f45-9708-019B960494DF}">
-                <a14:hiddenLine xmlns:a14="http://schemas.microsoft.com/office/drawing/2010/main" xmlns:p14="http://schemas.microsoft.com/office/powerpoint/2010/main" xmlns:a16="http://schemas.microsoft.com/office/drawing/2014/main" xmlns="" w="9525">
+                <a14:hiddenLine xmlns="" xmlns:a16="http://schemas.microsoft.com/office/drawing/2014/main" xmlns:p14="http://schemas.microsoft.com/office/powerpoint/2010/main" xmlns:a14="http://schemas.microsoft.com/office/drawing/2010/main" w="9525">
                   <a:solidFill>
                     <a:srgbClr val="000000"/>
                   </a:solidFill>
@@ -15853,7 +15853,7 @@
             </a:ln>
             <a:extLst>
               <a:ext uri="{91240B29-F687-4f45-9708-019B960494DF}">
-                <a14:hiddenLine xmlns:a14="http://schemas.microsoft.com/office/drawing/2010/main" xmlns:p14="http://schemas.microsoft.com/office/powerpoint/2010/main" xmlns:a16="http://schemas.microsoft.com/office/drawing/2014/main" xmlns="" w="9525">
+                <a14:hiddenLine xmlns="" xmlns:a16="http://schemas.microsoft.com/office/drawing/2014/main" xmlns:p14="http://schemas.microsoft.com/office/powerpoint/2010/main" xmlns:a14="http://schemas.microsoft.com/office/drawing/2010/main" w="9525">
                   <a:solidFill>
                     <a:srgbClr val="000000"/>
                   </a:solidFill>
@@ -15958,7 +15958,7 @@
             </a:ln>
             <a:extLst>
               <a:ext uri="{91240B29-F687-4f45-9708-019B960494DF}">
-                <a14:hiddenLine xmlns:a14="http://schemas.microsoft.com/office/drawing/2010/main" xmlns:p14="http://schemas.microsoft.com/office/powerpoint/2010/main" xmlns:a16="http://schemas.microsoft.com/office/drawing/2014/main" xmlns="" w="9525">
+                <a14:hiddenLine xmlns="" xmlns:a16="http://schemas.microsoft.com/office/drawing/2014/main" xmlns:p14="http://schemas.microsoft.com/office/powerpoint/2010/main" xmlns:a14="http://schemas.microsoft.com/office/drawing/2010/main" w="9525">
                   <a:solidFill>
                     <a:srgbClr val="000000"/>
                   </a:solidFill>
@@ -16035,7 +16035,7 @@
             </a:ln>
             <a:extLst>
               <a:ext uri="{91240B29-F687-4f45-9708-019B960494DF}">
-                <a14:hiddenLine xmlns:a14="http://schemas.microsoft.com/office/drawing/2010/main" xmlns:p14="http://schemas.microsoft.com/office/powerpoint/2010/main" xmlns:a16="http://schemas.microsoft.com/office/drawing/2014/main" xmlns="" w="9525">
+                <a14:hiddenLine xmlns="" xmlns:a16="http://schemas.microsoft.com/office/drawing/2014/main" xmlns:p14="http://schemas.microsoft.com/office/powerpoint/2010/main" xmlns:a14="http://schemas.microsoft.com/office/drawing/2010/main" w="9525">
                   <a:solidFill>
                     <a:srgbClr val="000000"/>
                   </a:solidFill>
@@ -16140,7 +16140,7 @@
             </a:ln>
             <a:extLst>
               <a:ext uri="{91240B29-F687-4f45-9708-019B960494DF}">
-                <a14:hiddenLine xmlns:a14="http://schemas.microsoft.com/office/drawing/2010/main" xmlns:p14="http://schemas.microsoft.com/office/powerpoint/2010/main" xmlns:a16="http://schemas.microsoft.com/office/drawing/2014/main" xmlns="" w="9525">
+                <a14:hiddenLine xmlns="" xmlns:a16="http://schemas.microsoft.com/office/drawing/2014/main" xmlns:p14="http://schemas.microsoft.com/office/powerpoint/2010/main" xmlns:a14="http://schemas.microsoft.com/office/drawing/2010/main" w="9525">
                   <a:solidFill>
                     <a:srgbClr val="000000"/>
                   </a:solidFill>
@@ -16189,7 +16189,7 @@
             </a:ln>
             <a:extLst>
               <a:ext uri="{91240B29-F687-4f45-9708-019B960494DF}">
-                <a14:hiddenLine xmlns:a14="http://schemas.microsoft.com/office/drawing/2010/main" xmlns:p14="http://schemas.microsoft.com/office/powerpoint/2010/main" xmlns:a16="http://schemas.microsoft.com/office/drawing/2014/main" xmlns="" w="9525">
+                <a14:hiddenLine xmlns="" xmlns:a16="http://schemas.microsoft.com/office/drawing/2014/main" xmlns:p14="http://schemas.microsoft.com/office/powerpoint/2010/main" xmlns:a14="http://schemas.microsoft.com/office/drawing/2010/main" w="9525">
                   <a:solidFill>
                     <a:srgbClr val="000000"/>
                   </a:solidFill>
@@ -16269,7 +16269,7 @@
             </a:ln>
             <a:extLst>
               <a:ext uri="{91240B29-F687-4f45-9708-019B960494DF}">
-                <a14:hiddenLine xmlns:a14="http://schemas.microsoft.com/office/drawing/2010/main" xmlns:p14="http://schemas.microsoft.com/office/powerpoint/2010/main" xmlns:a16="http://schemas.microsoft.com/office/drawing/2014/main" xmlns="" w="9525">
+                <a14:hiddenLine xmlns="" xmlns:a16="http://schemas.microsoft.com/office/drawing/2014/main" xmlns:p14="http://schemas.microsoft.com/office/powerpoint/2010/main" xmlns:a14="http://schemas.microsoft.com/office/drawing/2010/main" w="9525">
                   <a:solidFill>
                     <a:srgbClr val="000000"/>
                   </a:solidFill>
@@ -16374,7 +16374,7 @@
             </a:ln>
             <a:extLst>
               <a:ext uri="{91240B29-F687-4f45-9708-019B960494DF}">
-                <a14:hiddenLine xmlns:a14="http://schemas.microsoft.com/office/drawing/2010/main" xmlns:p14="http://schemas.microsoft.com/office/powerpoint/2010/main" xmlns:a16="http://schemas.microsoft.com/office/drawing/2014/main" xmlns="" w="9525">
+                <a14:hiddenLine xmlns="" xmlns:a16="http://schemas.microsoft.com/office/drawing/2014/main" xmlns:p14="http://schemas.microsoft.com/office/powerpoint/2010/main" xmlns:a14="http://schemas.microsoft.com/office/drawing/2010/main" w="9525">
                   <a:solidFill>
                     <a:srgbClr val="000000"/>
                   </a:solidFill>
@@ -16451,7 +16451,7 @@
             </a:ln>
             <a:extLst>
               <a:ext uri="{91240B29-F687-4f45-9708-019B960494DF}">
-                <a14:hiddenLine xmlns:a14="http://schemas.microsoft.com/office/drawing/2010/main" xmlns:p14="http://schemas.microsoft.com/office/powerpoint/2010/main" xmlns:a16="http://schemas.microsoft.com/office/drawing/2014/main" xmlns="" w="9525">
+                <a14:hiddenLine xmlns="" xmlns:a16="http://schemas.microsoft.com/office/drawing/2014/main" xmlns:p14="http://schemas.microsoft.com/office/powerpoint/2010/main" xmlns:a14="http://schemas.microsoft.com/office/drawing/2010/main" w="9525">
                   <a:solidFill>
                     <a:srgbClr val="000000"/>
                   </a:solidFill>
@@ -16556,7 +16556,7 @@
             </a:ln>
             <a:extLst>
               <a:ext uri="{91240B29-F687-4f45-9708-019B960494DF}">
-                <a14:hiddenLine xmlns:a14="http://schemas.microsoft.com/office/drawing/2010/main" xmlns:p14="http://schemas.microsoft.com/office/powerpoint/2010/main" xmlns:a16="http://schemas.microsoft.com/office/drawing/2014/main" xmlns="" w="9525">
+                <a14:hiddenLine xmlns="" xmlns:a16="http://schemas.microsoft.com/office/drawing/2014/main" xmlns:p14="http://schemas.microsoft.com/office/powerpoint/2010/main" xmlns:a14="http://schemas.microsoft.com/office/drawing/2010/main" w="9525">
                   <a:solidFill>
                     <a:srgbClr val="000000"/>
                   </a:solidFill>
@@ -16661,7 +16661,7 @@
             </a:ln>
             <a:extLst>
               <a:ext uri="{91240B29-F687-4f45-9708-019B960494DF}">
-                <a14:hiddenLine xmlns:a14="http://schemas.microsoft.com/office/drawing/2010/main" xmlns:p14="http://schemas.microsoft.com/office/powerpoint/2010/main" xmlns:a16="http://schemas.microsoft.com/office/drawing/2014/main" xmlns="" w="9525">
+                <a14:hiddenLine xmlns="" xmlns:a16="http://schemas.microsoft.com/office/drawing/2014/main" xmlns:p14="http://schemas.microsoft.com/office/powerpoint/2010/main" xmlns:a14="http://schemas.microsoft.com/office/drawing/2010/main" w="9525">
                   <a:solidFill>
                     <a:srgbClr val="000000"/>
                   </a:solidFill>
@@ -16741,7 +16741,7 @@
             </a:ln>
             <a:extLst>
               <a:ext uri="{91240B29-F687-4f45-9708-019B960494DF}">
-                <a14:hiddenLine xmlns:a14="http://schemas.microsoft.com/office/drawing/2010/main" xmlns:p14="http://schemas.microsoft.com/office/powerpoint/2010/main" xmlns:a16="http://schemas.microsoft.com/office/drawing/2014/main" xmlns="" w="9525">
+                <a14:hiddenLine xmlns="" xmlns:a16="http://schemas.microsoft.com/office/drawing/2014/main" xmlns:p14="http://schemas.microsoft.com/office/powerpoint/2010/main" xmlns:a14="http://schemas.microsoft.com/office/drawing/2010/main" w="9525">
                   <a:solidFill>
                     <a:srgbClr val="000000"/>
                   </a:solidFill>
@@ -16818,7 +16818,7 @@
             </a:ln>
             <a:extLst>
               <a:ext uri="{91240B29-F687-4f45-9708-019B960494DF}">
-                <a14:hiddenLine xmlns:a14="http://schemas.microsoft.com/office/drawing/2010/main" xmlns:p14="http://schemas.microsoft.com/office/powerpoint/2010/main" xmlns:a16="http://schemas.microsoft.com/office/drawing/2014/main" xmlns="" w="9525">
+                <a14:hiddenLine xmlns="" xmlns:a16="http://schemas.microsoft.com/office/drawing/2014/main" xmlns:p14="http://schemas.microsoft.com/office/powerpoint/2010/main" xmlns:a14="http://schemas.microsoft.com/office/drawing/2010/main" w="9525">
                   <a:solidFill>
                     <a:srgbClr val="000000"/>
                   </a:solidFill>
@@ -16923,7 +16923,7 @@
             </a:ln>
             <a:extLst>
               <a:ext uri="{91240B29-F687-4f45-9708-019B960494DF}">
-                <a14:hiddenLine xmlns:a14="http://schemas.microsoft.com/office/drawing/2010/main" xmlns:p14="http://schemas.microsoft.com/office/powerpoint/2010/main" xmlns:a16="http://schemas.microsoft.com/office/drawing/2014/main" xmlns="" w="9525">
+                <a14:hiddenLine xmlns="" xmlns:a16="http://schemas.microsoft.com/office/drawing/2014/main" xmlns:p14="http://schemas.microsoft.com/office/powerpoint/2010/main" xmlns:a14="http://schemas.microsoft.com/office/drawing/2010/main" w="9525">
                   <a:solidFill>
                     <a:srgbClr val="000000"/>
                   </a:solidFill>
@@ -17028,7 +17028,7 @@
             </a:ln>
             <a:extLst>
               <a:ext uri="{91240B29-F687-4f45-9708-019B960494DF}">
-                <a14:hiddenLine xmlns:a14="http://schemas.microsoft.com/office/drawing/2010/main" xmlns:p14="http://schemas.microsoft.com/office/powerpoint/2010/main" xmlns:a16="http://schemas.microsoft.com/office/drawing/2014/main" xmlns="" w="9525">
+                <a14:hiddenLine xmlns="" xmlns:a16="http://schemas.microsoft.com/office/drawing/2014/main" xmlns:p14="http://schemas.microsoft.com/office/powerpoint/2010/main" xmlns:a14="http://schemas.microsoft.com/office/drawing/2010/main" w="9525">
                   <a:solidFill>
                     <a:srgbClr val="000000"/>
                   </a:solidFill>
@@ -17105,7 +17105,7 @@
             </a:ln>
             <a:extLst>
               <a:ext uri="{91240B29-F687-4f45-9708-019B960494DF}">
-                <a14:hiddenLine xmlns:a14="http://schemas.microsoft.com/office/drawing/2010/main" xmlns:p14="http://schemas.microsoft.com/office/powerpoint/2010/main" xmlns:a16="http://schemas.microsoft.com/office/drawing/2014/main" xmlns="" w="9525">
+                <a14:hiddenLine xmlns="" xmlns:a16="http://schemas.microsoft.com/office/drawing/2014/main" xmlns:p14="http://schemas.microsoft.com/office/powerpoint/2010/main" xmlns:a14="http://schemas.microsoft.com/office/drawing/2010/main" w="9525">
                   <a:solidFill>
                     <a:srgbClr val="000000"/>
                   </a:solidFill>
@@ -17240,7 +17240,7 @@
             </a:ln>
             <a:extLst>
               <a:ext uri="{91240B29-F687-4f45-9708-019B960494DF}">
-                <a14:hiddenLine xmlns:a14="http://schemas.microsoft.com/office/drawing/2010/main" xmlns:p14="http://schemas.microsoft.com/office/powerpoint/2010/main" xmlns:a16="http://schemas.microsoft.com/office/drawing/2014/main" xmlns="" w="9525">
+                <a14:hiddenLine xmlns="" xmlns:a16="http://schemas.microsoft.com/office/drawing/2014/main" xmlns:p14="http://schemas.microsoft.com/office/powerpoint/2010/main" xmlns:a14="http://schemas.microsoft.com/office/drawing/2010/main" w="9525">
                   <a:solidFill>
                     <a:srgbClr val="000000"/>
                   </a:solidFill>
@@ -17323,7 +17323,7 @@
             </a:ln>
             <a:extLst>
               <a:ext uri="{91240B29-F687-4f45-9708-019B960494DF}">
-                <a14:hiddenLine xmlns:a14="http://schemas.microsoft.com/office/drawing/2010/main" xmlns:p14="http://schemas.microsoft.com/office/powerpoint/2010/main" xmlns:a16="http://schemas.microsoft.com/office/drawing/2014/main" xmlns="" w="9525">
+                <a14:hiddenLine xmlns="" xmlns:a16="http://schemas.microsoft.com/office/drawing/2014/main" xmlns:p14="http://schemas.microsoft.com/office/powerpoint/2010/main" xmlns:a14="http://schemas.microsoft.com/office/drawing/2010/main" w="9525">
                   <a:solidFill>
                     <a:srgbClr val="000000"/>
                   </a:solidFill>
@@ -17428,7 +17428,7 @@
             </a:ln>
             <a:extLst>
               <a:ext uri="{91240B29-F687-4f45-9708-019B960494DF}">
-                <a14:hiddenLine xmlns:a14="http://schemas.microsoft.com/office/drawing/2010/main" xmlns:p14="http://schemas.microsoft.com/office/powerpoint/2010/main" xmlns:a16="http://schemas.microsoft.com/office/drawing/2014/main" xmlns="" w="9525">
+                <a14:hiddenLine xmlns="" xmlns:a16="http://schemas.microsoft.com/office/drawing/2014/main" xmlns:p14="http://schemas.microsoft.com/office/powerpoint/2010/main" xmlns:a14="http://schemas.microsoft.com/office/drawing/2010/main" w="9525">
                   <a:solidFill>
                     <a:srgbClr val="000000"/>
                   </a:solidFill>
@@ -17496,7 +17496,7 @@
           <a:noFill/>
           <a:extLst>
             <a:ext uri="{909E8E84-426E-40dd-AFC4-6F175D3DCCD1}">
-              <a14:hiddenFill xmlns:a14="http://schemas.microsoft.com/office/drawing/2010/main" xmlns:p14="http://schemas.microsoft.com/office/powerpoint/2010/main" xmlns:a16="http://schemas.microsoft.com/office/drawing/2014/main" xmlns="">
+              <a14:hiddenFill xmlns="" xmlns:a16="http://schemas.microsoft.com/office/drawing/2014/main" xmlns:p14="http://schemas.microsoft.com/office/powerpoint/2010/main" xmlns:a14="http://schemas.microsoft.com/office/drawing/2010/main">
                 <a:solidFill>
                   <a:srgbClr val="FFFFFF"/>
                 </a:solidFill>
@@ -17505,42 +17505,6 @@
           </a:extLst>
         </p:spPr>
       </p:pic>
-      <p:sp>
-        <p:nvSpPr>
-          <p:cNvPr id="2" name="Title 1">
-            <a:extLst>
-              <a:ext uri="{FF2B5EF4-FFF2-40B4-BE49-F238E27FC236}">
-                <a16:creationId xmlns:a16="http://schemas.microsoft.com/office/drawing/2014/main" id="{D429AA7D-C071-46CE-96A7-65D360E1992D}"/>
-              </a:ext>
-            </a:extLst>
-          </p:cNvPr>
-          <p:cNvSpPr>
-            <a:spLocks noGrp="1"/>
-          </p:cNvSpPr>
-          <p:nvPr>
-            <p:ph type="ctrTitle"/>
-          </p:nvPr>
-        </p:nvSpPr>
-        <p:spPr>
-          <a:xfrm>
-            <a:off x="2043113" y="1122363"/>
-            <a:ext cx="4527929" cy="4287836"/>
-          </a:xfrm>
-        </p:spPr>
-        <p:txBody>
-          <a:bodyPr anchor="ctr">
-            <a:normAutofit/>
-          </a:bodyPr>
-          <a:lstStyle/>
-          <a:p>
-            <a:pPr algn="r"/>
-            <a:r>
-              <a:rPr lang="en-US" sz="6000"/>
-              <a:t>Mibrary</a:t>
-            </a:r>
-          </a:p>
-        </p:txBody>
-      </p:sp>
       <p:sp>
         <p:nvSpPr>
           <p:cNvPr id="3" name="Subtitle 2">
@@ -17674,6 +17638,78 @@
           </a:fontRef>
         </p:style>
       </p:cxnSp>
+      <p:pic>
+        <p:nvPicPr>
+          <p:cNvPr id="5" name="Picture 4">
+            <a:extLst>
+              <a:ext uri="{FF2B5EF4-FFF2-40B4-BE49-F238E27FC236}">
+                <a16:creationId xmlns:a16="http://schemas.microsoft.com/office/drawing/2014/main" id="{A01057A5-3985-4CA7-BCF7-8BA6E0651259}"/>
+              </a:ext>
+            </a:extLst>
+          </p:cNvPr>
+          <p:cNvPicPr>
+            <a:picLocks noChangeAspect="1"/>
+          </p:cNvPicPr>
+          <p:nvPr/>
+        </p:nvPicPr>
+        <p:blipFill>
+          <a:blip r:embed="rId3">
+            <a:extLst>
+              <a:ext uri="{28A0092B-C50C-407E-A947-70E740481C1C}">
+                <a14:useLocalDpi xmlns:a14="http://schemas.microsoft.com/office/drawing/2010/main" val="0"/>
+              </a:ext>
+            </a:extLst>
+          </a:blip>
+          <a:stretch>
+            <a:fillRect/>
+          </a:stretch>
+        </p:blipFill>
+        <p:spPr>
+          <a:xfrm>
+            <a:off x="4090839" y="1958308"/>
+            <a:ext cx="1866900" cy="714375"/>
+          </a:xfrm>
+          <a:prstGeom prst="rect">
+            <a:avLst/>
+          </a:prstGeom>
+        </p:spPr>
+      </p:pic>
+      <p:pic>
+        <p:nvPicPr>
+          <p:cNvPr id="7" name="Picture 6">
+            <a:extLst>
+              <a:ext uri="{FF2B5EF4-FFF2-40B4-BE49-F238E27FC236}">
+                <a16:creationId xmlns:a16="http://schemas.microsoft.com/office/drawing/2014/main" id="{13A3899D-32DE-43D5-B2A7-47479629119F}"/>
+              </a:ext>
+            </a:extLst>
+          </p:cNvPr>
+          <p:cNvPicPr>
+            <a:picLocks noChangeAspect="1"/>
+          </p:cNvPicPr>
+          <p:nvPr/>
+        </p:nvPicPr>
+        <p:blipFill>
+          <a:blip r:embed="rId4">
+            <a:extLst>
+              <a:ext uri="{28A0092B-C50C-407E-A947-70E740481C1C}">
+                <a14:useLocalDpi xmlns:a14="http://schemas.microsoft.com/office/drawing/2010/main" val="0"/>
+              </a:ext>
+            </a:extLst>
+          </a:blip>
+          <a:stretch>
+            <a:fillRect/>
+          </a:stretch>
+        </p:blipFill>
+        <p:spPr>
+          <a:xfrm>
+            <a:off x="2455297" y="3663950"/>
+            <a:ext cx="4000500" cy="971550"/>
+          </a:xfrm>
+          <a:prstGeom prst="rect">
+            <a:avLst/>
+          </a:prstGeom>
+        </p:spPr>
+      </p:pic>
     </p:spTree>
     <p:extLst>
       <p:ext uri="{BB962C8B-B14F-4D97-AF65-F5344CB8AC3E}">

--- a/Mibrary.pptx
+++ b/Mibrary.pptx
@@ -173,7 +173,7 @@
           <a:noFill/>
           <a:extLst>
             <a:ext uri="{909E8E84-426E-40dd-AFC4-6F175D3DCCD1}">
-              <a14:hiddenFill xmlns:a14="http://schemas.microsoft.com/office/drawing/2010/main" xmlns="">
+              <a14:hiddenFill xmlns="" xmlns:a14="http://schemas.microsoft.com/office/drawing/2010/main">
                 <a:solidFill>
                   <a:srgbClr val="FFFFFF"/>
                 </a:solidFill>
@@ -233,7 +233,7 @@
             </a:ln>
             <a:extLst>
               <a:ext uri="{91240B29-F687-4f45-9708-019B960494DF}">
-                <a14:hiddenLine xmlns:a14="http://schemas.microsoft.com/office/drawing/2010/main" xmlns="" w="9525">
+                <a14:hiddenLine xmlns="" xmlns:a14="http://schemas.microsoft.com/office/drawing/2010/main" w="9525">
                   <a:solidFill>
                     <a:srgbClr val="000000"/>
                   </a:solidFill>
@@ -323,7 +323,7 @@
             </a:ln>
             <a:extLst>
               <a:ext uri="{91240B29-F687-4f45-9708-019B960494DF}">
-                <a14:hiddenLine xmlns:a14="http://schemas.microsoft.com/office/drawing/2010/main" xmlns="" w="9525">
+                <a14:hiddenLine xmlns="" xmlns:a14="http://schemas.microsoft.com/office/drawing/2010/main" w="9525">
                   <a:solidFill>
                     <a:srgbClr val="000000"/>
                   </a:solidFill>
@@ -413,7 +413,7 @@
             </a:ln>
             <a:extLst>
               <a:ext uri="{91240B29-F687-4f45-9708-019B960494DF}">
-                <a14:hiddenLine xmlns:a14="http://schemas.microsoft.com/office/drawing/2010/main" xmlns="" w="9525">
+                <a14:hiddenLine xmlns="" xmlns:a14="http://schemas.microsoft.com/office/drawing/2010/main" w="9525">
                   <a:solidFill>
                     <a:srgbClr val="000000"/>
                   </a:solidFill>
@@ -447,7 +447,7 @@
             </a:ln>
             <a:extLst>
               <a:ext uri="{91240B29-F687-4f45-9708-019B960494DF}">
-                <a14:hiddenLine xmlns:a14="http://schemas.microsoft.com/office/drawing/2010/main" xmlns="" w="9525">
+                <a14:hiddenLine xmlns="" xmlns:a14="http://schemas.microsoft.com/office/drawing/2010/main" w="9525">
                   <a:solidFill>
                     <a:srgbClr val="000000"/>
                   </a:solidFill>
@@ -537,7 +537,7 @@
             </a:ln>
             <a:extLst>
               <a:ext uri="{91240B29-F687-4f45-9708-019B960494DF}">
-                <a14:hiddenLine xmlns:a14="http://schemas.microsoft.com/office/drawing/2010/main" xmlns="" w="9525">
+                <a14:hiddenLine xmlns="" xmlns:a14="http://schemas.microsoft.com/office/drawing/2010/main" w="9525">
                   <a:solidFill>
                     <a:srgbClr val="000000"/>
                   </a:solidFill>
@@ -599,7 +599,7 @@
             </a:ln>
             <a:extLst>
               <a:ext uri="{91240B29-F687-4f45-9708-019B960494DF}">
-                <a14:hiddenLine xmlns:a14="http://schemas.microsoft.com/office/drawing/2010/main" xmlns="" w="9525">
+                <a14:hiddenLine xmlns="" xmlns:a14="http://schemas.microsoft.com/office/drawing/2010/main" w="9525">
                   <a:solidFill>
                     <a:srgbClr val="000000"/>
                   </a:solidFill>
@@ -661,7 +661,7 @@
             </a:ln>
             <a:extLst>
               <a:ext uri="{91240B29-F687-4f45-9708-019B960494DF}">
-                <a14:hiddenLine xmlns:a14="http://schemas.microsoft.com/office/drawing/2010/main" xmlns="" w="9525">
+                <a14:hiddenLine xmlns="" xmlns:a14="http://schemas.microsoft.com/office/drawing/2010/main" w="9525">
                   <a:solidFill>
                     <a:srgbClr val="000000"/>
                   </a:solidFill>
@@ -751,7 +751,7 @@
             </a:ln>
             <a:extLst>
               <a:ext uri="{91240B29-F687-4f45-9708-019B960494DF}">
-                <a14:hiddenLine xmlns:a14="http://schemas.microsoft.com/office/drawing/2010/main" xmlns="" w="9525">
+                <a14:hiddenLine xmlns="" xmlns:a14="http://schemas.microsoft.com/office/drawing/2010/main" w="9525">
                   <a:solidFill>
                     <a:srgbClr val="000000"/>
                   </a:solidFill>
@@ -813,7 +813,7 @@
             </a:ln>
             <a:extLst>
               <a:ext uri="{91240B29-F687-4f45-9708-019B960494DF}">
-                <a14:hiddenLine xmlns:a14="http://schemas.microsoft.com/office/drawing/2010/main" xmlns="" w="9525">
+                <a14:hiddenLine xmlns="" xmlns:a14="http://schemas.microsoft.com/office/drawing/2010/main" w="9525">
                   <a:solidFill>
                     <a:srgbClr val="000000"/>
                   </a:solidFill>
@@ -875,7 +875,7 @@
             </a:ln>
             <a:extLst>
               <a:ext uri="{91240B29-F687-4f45-9708-019B960494DF}">
-                <a14:hiddenLine xmlns:a14="http://schemas.microsoft.com/office/drawing/2010/main" xmlns="" w="9525">
+                <a14:hiddenLine xmlns="" xmlns:a14="http://schemas.microsoft.com/office/drawing/2010/main" w="9525">
                   <a:solidFill>
                     <a:srgbClr val="000000"/>
                   </a:solidFill>
@@ -965,7 +965,7 @@
             </a:ln>
             <a:extLst>
               <a:ext uri="{91240B29-F687-4f45-9708-019B960494DF}">
-                <a14:hiddenLine xmlns:a14="http://schemas.microsoft.com/office/drawing/2010/main" xmlns="" w="9525">
+                <a14:hiddenLine xmlns="" xmlns:a14="http://schemas.microsoft.com/office/drawing/2010/main" w="9525">
                   <a:solidFill>
                     <a:srgbClr val="000000"/>
                   </a:solidFill>
@@ -1055,7 +1055,7 @@
             </a:ln>
             <a:extLst>
               <a:ext uri="{91240B29-F687-4f45-9708-019B960494DF}">
-                <a14:hiddenLine xmlns:a14="http://schemas.microsoft.com/office/drawing/2010/main" xmlns="" w="9525">
+                <a14:hiddenLine xmlns="" xmlns:a14="http://schemas.microsoft.com/office/drawing/2010/main" w="9525">
                   <a:solidFill>
                     <a:srgbClr val="000000"/>
                   </a:solidFill>
@@ -1117,7 +1117,7 @@
             </a:ln>
             <a:extLst>
               <a:ext uri="{91240B29-F687-4f45-9708-019B960494DF}">
-                <a14:hiddenLine xmlns:a14="http://schemas.microsoft.com/office/drawing/2010/main" xmlns="" w="9525">
+                <a14:hiddenLine xmlns="" xmlns:a14="http://schemas.microsoft.com/office/drawing/2010/main" w="9525">
                   <a:solidFill>
                     <a:srgbClr val="000000"/>
                   </a:solidFill>
@@ -1227,7 +1227,7 @@
             </a:ln>
             <a:extLst>
               <a:ext uri="{91240B29-F687-4f45-9708-019B960494DF}">
-                <a14:hiddenLine xmlns:a14="http://schemas.microsoft.com/office/drawing/2010/main" xmlns="" w="9525">
+                <a14:hiddenLine xmlns="" xmlns:a14="http://schemas.microsoft.com/office/drawing/2010/main" w="9525">
                   <a:solidFill>
                     <a:srgbClr val="000000"/>
                   </a:solidFill>
@@ -1289,7 +1289,7 @@
             </a:ln>
             <a:extLst>
               <a:ext uri="{91240B29-F687-4f45-9708-019B960494DF}">
-                <a14:hiddenLine xmlns:a14="http://schemas.microsoft.com/office/drawing/2010/main" xmlns="" w="9525">
+                <a14:hiddenLine xmlns="" xmlns:a14="http://schemas.microsoft.com/office/drawing/2010/main" w="9525">
                   <a:solidFill>
                     <a:srgbClr val="000000"/>
                   </a:solidFill>
@@ -1379,7 +1379,7 @@
             </a:ln>
             <a:extLst>
               <a:ext uri="{91240B29-F687-4f45-9708-019B960494DF}">
-                <a14:hiddenLine xmlns:a14="http://schemas.microsoft.com/office/drawing/2010/main" xmlns="" w="9525">
+                <a14:hiddenLine xmlns="" xmlns:a14="http://schemas.microsoft.com/office/drawing/2010/main" w="9525">
                   <a:solidFill>
                     <a:srgbClr val="000000"/>
                   </a:solidFill>
@@ -1469,7 +1469,7 @@
             </a:ln>
             <a:extLst>
               <a:ext uri="{91240B29-F687-4f45-9708-019B960494DF}">
-                <a14:hiddenLine xmlns:a14="http://schemas.microsoft.com/office/drawing/2010/main" xmlns="" w="9525">
+                <a14:hiddenLine xmlns="" xmlns:a14="http://schemas.microsoft.com/office/drawing/2010/main" w="9525">
                   <a:solidFill>
                     <a:srgbClr val="000000"/>
                   </a:solidFill>
@@ -1531,7 +1531,7 @@
             </a:ln>
             <a:extLst>
               <a:ext uri="{91240B29-F687-4f45-9708-019B960494DF}">
-                <a14:hiddenLine xmlns:a14="http://schemas.microsoft.com/office/drawing/2010/main" xmlns="" w="9525">
+                <a14:hiddenLine xmlns="" xmlns:a14="http://schemas.microsoft.com/office/drawing/2010/main" w="9525">
                   <a:solidFill>
                     <a:srgbClr val="000000"/>
                   </a:solidFill>
@@ -1621,7 +1621,7 @@
             </a:ln>
             <a:extLst>
               <a:ext uri="{91240B29-F687-4f45-9708-019B960494DF}">
-                <a14:hiddenLine xmlns:a14="http://schemas.microsoft.com/office/drawing/2010/main" xmlns="" w="9525">
+                <a14:hiddenLine xmlns="" xmlns:a14="http://schemas.microsoft.com/office/drawing/2010/main" w="9525">
                   <a:solidFill>
                     <a:srgbClr val="000000"/>
                   </a:solidFill>
@@ -1711,7 +1711,7 @@
             </a:ln>
             <a:extLst>
               <a:ext uri="{91240B29-F687-4f45-9708-019B960494DF}">
-                <a14:hiddenLine xmlns:a14="http://schemas.microsoft.com/office/drawing/2010/main" xmlns="" w="9525">
+                <a14:hiddenLine xmlns="" xmlns:a14="http://schemas.microsoft.com/office/drawing/2010/main" w="9525">
                   <a:solidFill>
                     <a:srgbClr val="000000"/>
                   </a:solidFill>
@@ -1767,7 +1767,7 @@
             </a:ln>
             <a:extLst>
               <a:ext uri="{91240B29-F687-4f45-9708-019B960494DF}">
-                <a14:hiddenLine xmlns:a14="http://schemas.microsoft.com/office/drawing/2010/main" xmlns="" w="9525">
+                <a14:hiddenLine xmlns="" xmlns:a14="http://schemas.microsoft.com/office/drawing/2010/main" w="9525">
                   <a:solidFill>
                     <a:srgbClr val="000000"/>
                   </a:solidFill>
@@ -1857,7 +1857,7 @@
             </a:ln>
             <a:extLst>
               <a:ext uri="{91240B29-F687-4f45-9708-019B960494DF}">
-                <a14:hiddenLine xmlns:a14="http://schemas.microsoft.com/office/drawing/2010/main" xmlns="" w="9525">
+                <a14:hiddenLine xmlns="" xmlns:a14="http://schemas.microsoft.com/office/drawing/2010/main" w="9525">
                   <a:solidFill>
                     <a:srgbClr val="000000"/>
                   </a:solidFill>
@@ -1913,7 +1913,7 @@
             </a:ln>
             <a:extLst>
               <a:ext uri="{91240B29-F687-4f45-9708-019B960494DF}">
-                <a14:hiddenLine xmlns:a14="http://schemas.microsoft.com/office/drawing/2010/main" xmlns="" w="9525">
+                <a14:hiddenLine xmlns="" xmlns:a14="http://schemas.microsoft.com/office/drawing/2010/main" w="9525">
                   <a:solidFill>
                     <a:srgbClr val="000000"/>
                   </a:solidFill>
@@ -2003,7 +2003,7 @@
             </a:ln>
             <a:extLst>
               <a:ext uri="{91240B29-F687-4f45-9708-019B960494DF}">
-                <a14:hiddenLine xmlns:a14="http://schemas.microsoft.com/office/drawing/2010/main" xmlns="" w="9525">
+                <a14:hiddenLine xmlns="" xmlns:a14="http://schemas.microsoft.com/office/drawing/2010/main" w="9525">
                   <a:solidFill>
                     <a:srgbClr val="000000"/>
                   </a:solidFill>
@@ -2071,7 +2071,7 @@
             </a:ln>
             <a:extLst>
               <a:ext uri="{91240B29-F687-4f45-9708-019B960494DF}">
-                <a14:hiddenLine xmlns:a14="http://schemas.microsoft.com/office/drawing/2010/main" xmlns="" w="9525">
+                <a14:hiddenLine xmlns="" xmlns:a14="http://schemas.microsoft.com/office/drawing/2010/main" w="9525">
                   <a:solidFill>
                     <a:srgbClr val="000000"/>
                   </a:solidFill>
@@ -2161,7 +2161,7 @@
             </a:ln>
             <a:extLst>
               <a:ext uri="{91240B29-F687-4f45-9708-019B960494DF}">
-                <a14:hiddenLine xmlns:a14="http://schemas.microsoft.com/office/drawing/2010/main" xmlns="" w="9525">
+                <a14:hiddenLine xmlns="" xmlns:a14="http://schemas.microsoft.com/office/drawing/2010/main" w="9525">
                   <a:solidFill>
                     <a:srgbClr val="000000"/>
                   </a:solidFill>
@@ -2229,7 +2229,7 @@
             </a:ln>
             <a:extLst>
               <a:ext uri="{91240B29-F687-4f45-9708-019B960494DF}">
-                <a14:hiddenLine xmlns:a14="http://schemas.microsoft.com/office/drawing/2010/main" xmlns="" w="9525">
+                <a14:hiddenLine xmlns="" xmlns:a14="http://schemas.microsoft.com/office/drawing/2010/main" w="9525">
                   <a:solidFill>
                     <a:srgbClr val="000000"/>
                   </a:solidFill>
@@ -2319,7 +2319,7 @@
             </a:ln>
             <a:extLst>
               <a:ext uri="{91240B29-F687-4f45-9708-019B960494DF}">
-                <a14:hiddenLine xmlns:a14="http://schemas.microsoft.com/office/drawing/2010/main" xmlns="" w="9525">
+                <a14:hiddenLine xmlns="" xmlns:a14="http://schemas.microsoft.com/office/drawing/2010/main" w="9525">
                   <a:solidFill>
                     <a:srgbClr val="000000"/>
                   </a:solidFill>
@@ -2353,7 +2353,7 @@
             </a:ln>
             <a:extLst>
               <a:ext uri="{91240B29-F687-4f45-9708-019B960494DF}">
-                <a14:hiddenLine xmlns:a14="http://schemas.microsoft.com/office/drawing/2010/main" xmlns="" w="9525">
+                <a14:hiddenLine xmlns="" xmlns:a14="http://schemas.microsoft.com/office/drawing/2010/main" w="9525">
                   <a:solidFill>
                     <a:srgbClr val="000000"/>
                   </a:solidFill>
@@ -2443,7 +2443,7 @@
             </a:ln>
             <a:extLst>
               <a:ext uri="{91240B29-F687-4f45-9708-019B960494DF}">
-                <a14:hiddenLine xmlns:a14="http://schemas.microsoft.com/office/drawing/2010/main" xmlns="" w="9525">
+                <a14:hiddenLine xmlns="" xmlns:a14="http://schemas.microsoft.com/office/drawing/2010/main" w="9525">
                   <a:solidFill>
                     <a:srgbClr val="000000"/>
                   </a:solidFill>
@@ -2505,7 +2505,7 @@
             </a:ln>
             <a:extLst>
               <a:ext uri="{91240B29-F687-4f45-9708-019B960494DF}">
-                <a14:hiddenLine xmlns:a14="http://schemas.microsoft.com/office/drawing/2010/main" xmlns="" w="9525">
+                <a14:hiddenLine xmlns="" xmlns:a14="http://schemas.microsoft.com/office/drawing/2010/main" w="9525">
                   <a:solidFill>
                     <a:srgbClr val="000000"/>
                   </a:solidFill>
@@ -2567,7 +2567,7 @@
             </a:ln>
             <a:extLst>
               <a:ext uri="{91240B29-F687-4f45-9708-019B960494DF}">
-                <a14:hiddenLine xmlns:a14="http://schemas.microsoft.com/office/drawing/2010/main" xmlns="" w="9525">
+                <a14:hiddenLine xmlns="" xmlns:a14="http://schemas.microsoft.com/office/drawing/2010/main" w="9525">
                   <a:solidFill>
                     <a:srgbClr val="000000"/>
                   </a:solidFill>
@@ -2657,7 +2657,7 @@
             </a:ln>
             <a:extLst>
               <a:ext uri="{91240B29-F687-4f45-9708-019B960494DF}">
-                <a14:hiddenLine xmlns:a14="http://schemas.microsoft.com/office/drawing/2010/main" xmlns="" w="9525">
+                <a14:hiddenLine xmlns="" xmlns:a14="http://schemas.microsoft.com/office/drawing/2010/main" w="9525">
                   <a:solidFill>
                     <a:srgbClr val="000000"/>
                   </a:solidFill>
@@ -2725,7 +2725,7 @@
             </a:ln>
             <a:extLst>
               <a:ext uri="{91240B29-F687-4f45-9708-019B960494DF}">
-                <a14:hiddenLine xmlns:a14="http://schemas.microsoft.com/office/drawing/2010/main" xmlns="" w="9525">
+                <a14:hiddenLine xmlns="" xmlns:a14="http://schemas.microsoft.com/office/drawing/2010/main" w="9525">
                   <a:solidFill>
                     <a:srgbClr val="000000"/>
                   </a:solidFill>
@@ -2787,7 +2787,7 @@
             </a:ln>
             <a:extLst>
               <a:ext uri="{91240B29-F687-4f45-9708-019B960494DF}">
-                <a14:hiddenLine xmlns:a14="http://schemas.microsoft.com/office/drawing/2010/main" xmlns="" w="9525">
+                <a14:hiddenLine xmlns="" xmlns:a14="http://schemas.microsoft.com/office/drawing/2010/main" w="9525">
                   <a:solidFill>
                     <a:srgbClr val="000000"/>
                   </a:solidFill>
@@ -2877,7 +2877,7 @@
             </a:ln>
             <a:extLst>
               <a:ext uri="{91240B29-F687-4f45-9708-019B960494DF}">
-                <a14:hiddenLine xmlns:a14="http://schemas.microsoft.com/office/drawing/2010/main" xmlns="" w="9525">
+                <a14:hiddenLine xmlns="" xmlns:a14="http://schemas.microsoft.com/office/drawing/2010/main" w="9525">
                   <a:solidFill>
                     <a:srgbClr val="000000"/>
                   </a:solidFill>
@@ -2939,7 +2939,7 @@
             </a:ln>
             <a:extLst>
               <a:ext uri="{91240B29-F687-4f45-9708-019B960494DF}">
-                <a14:hiddenLine xmlns:a14="http://schemas.microsoft.com/office/drawing/2010/main" xmlns="" w="9525">
+                <a14:hiddenLine xmlns="" xmlns:a14="http://schemas.microsoft.com/office/drawing/2010/main" w="9525">
                   <a:solidFill>
                     <a:srgbClr val="000000"/>
                   </a:solidFill>
@@ -3029,7 +3029,7 @@
             </a:ln>
             <a:extLst>
               <a:ext uri="{91240B29-F687-4f45-9708-019B960494DF}">
-                <a14:hiddenLine xmlns:a14="http://schemas.microsoft.com/office/drawing/2010/main" xmlns="" w="9525">
+                <a14:hiddenLine xmlns="" xmlns:a14="http://schemas.microsoft.com/office/drawing/2010/main" w="9525">
                   <a:solidFill>
                     <a:srgbClr val="000000"/>
                   </a:solidFill>
@@ -3091,7 +3091,7 @@
             </a:ln>
             <a:extLst>
               <a:ext uri="{91240B29-F687-4f45-9708-019B960494DF}">
-                <a14:hiddenLine xmlns:a14="http://schemas.microsoft.com/office/drawing/2010/main" xmlns="" w="9525">
+                <a14:hiddenLine xmlns="" xmlns:a14="http://schemas.microsoft.com/office/drawing/2010/main" w="9525">
                   <a:solidFill>
                     <a:srgbClr val="000000"/>
                   </a:solidFill>
@@ -3181,7 +3181,7 @@
             </a:ln>
             <a:extLst>
               <a:ext uri="{91240B29-F687-4f45-9708-019B960494DF}">
-                <a14:hiddenLine xmlns:a14="http://schemas.microsoft.com/office/drawing/2010/main" xmlns="" w="9525">
+                <a14:hiddenLine xmlns="" xmlns:a14="http://schemas.microsoft.com/office/drawing/2010/main" w="9525">
                   <a:solidFill>
                     <a:srgbClr val="000000"/>
                   </a:solidFill>
@@ -3215,7 +3215,7 @@
             </a:ln>
             <a:extLst>
               <a:ext uri="{91240B29-F687-4f45-9708-019B960494DF}">
-                <a14:hiddenLine xmlns:a14="http://schemas.microsoft.com/office/drawing/2010/main" xmlns="" w="9525">
+                <a14:hiddenLine xmlns="" xmlns:a14="http://schemas.microsoft.com/office/drawing/2010/main" w="9525">
                   <a:solidFill>
                     <a:srgbClr val="000000"/>
                   </a:solidFill>
@@ -3280,7 +3280,7 @@
             </a:ln>
             <a:extLst>
               <a:ext uri="{91240B29-F687-4f45-9708-019B960494DF}">
-                <a14:hiddenLine xmlns:a14="http://schemas.microsoft.com/office/drawing/2010/main" xmlns="" w="9525">
+                <a14:hiddenLine xmlns="" xmlns:a14="http://schemas.microsoft.com/office/drawing/2010/main" w="9525">
                   <a:solidFill>
                     <a:srgbClr val="000000"/>
                   </a:solidFill>
@@ -3370,7 +3370,7 @@
             </a:ln>
             <a:extLst>
               <a:ext uri="{91240B29-F687-4f45-9708-019B960494DF}">
-                <a14:hiddenLine xmlns:a14="http://schemas.microsoft.com/office/drawing/2010/main" xmlns="" w="9525">
+                <a14:hiddenLine xmlns="" xmlns:a14="http://schemas.microsoft.com/office/drawing/2010/main" w="9525">
                   <a:solidFill>
                     <a:srgbClr val="000000"/>
                   </a:solidFill>
@@ -3432,7 +3432,7 @@
             </a:ln>
             <a:extLst>
               <a:ext uri="{91240B29-F687-4f45-9708-019B960494DF}">
-                <a14:hiddenLine xmlns:a14="http://schemas.microsoft.com/office/drawing/2010/main" xmlns="" w="9525">
+                <a14:hiddenLine xmlns="" xmlns:a14="http://schemas.microsoft.com/office/drawing/2010/main" w="9525">
                   <a:solidFill>
                     <a:srgbClr val="000000"/>
                   </a:solidFill>
@@ -3522,7 +3522,7 @@
             </a:ln>
             <a:extLst>
               <a:ext uri="{91240B29-F687-4f45-9708-019B960494DF}">
-                <a14:hiddenLine xmlns:a14="http://schemas.microsoft.com/office/drawing/2010/main" xmlns="" w="9525">
+                <a14:hiddenLine xmlns="" xmlns:a14="http://schemas.microsoft.com/office/drawing/2010/main" w="9525">
                   <a:solidFill>
                     <a:srgbClr val="000000"/>
                   </a:solidFill>
@@ -3612,7 +3612,7 @@
             </a:ln>
             <a:extLst>
               <a:ext uri="{91240B29-F687-4f45-9708-019B960494DF}">
-                <a14:hiddenLine xmlns:a14="http://schemas.microsoft.com/office/drawing/2010/main" xmlns="" w="9525">
+                <a14:hiddenLine xmlns="" xmlns:a14="http://schemas.microsoft.com/office/drawing/2010/main" w="9525">
                   <a:solidFill>
                     <a:srgbClr val="000000"/>
                   </a:solidFill>
@@ -3677,7 +3677,7 @@
             </a:ln>
             <a:extLst>
               <a:ext uri="{91240B29-F687-4f45-9708-019B960494DF}">
-                <a14:hiddenLine xmlns:a14="http://schemas.microsoft.com/office/drawing/2010/main" xmlns="" w="9525">
+                <a14:hiddenLine xmlns="" xmlns:a14="http://schemas.microsoft.com/office/drawing/2010/main" w="9525">
                   <a:solidFill>
                     <a:srgbClr val="000000"/>
                   </a:solidFill>
@@ -3739,7 +3739,7 @@
             </a:ln>
             <a:extLst>
               <a:ext uri="{91240B29-F687-4f45-9708-019B960494DF}">
-                <a14:hiddenLine xmlns:a14="http://schemas.microsoft.com/office/drawing/2010/main" xmlns="" w="9525">
+                <a14:hiddenLine xmlns="" xmlns:a14="http://schemas.microsoft.com/office/drawing/2010/main" w="9525">
                   <a:solidFill>
                     <a:srgbClr val="000000"/>
                   </a:solidFill>
@@ -3829,7 +3829,7 @@
             </a:ln>
             <a:extLst>
               <a:ext uri="{91240B29-F687-4f45-9708-019B960494DF}">
-                <a14:hiddenLine xmlns:a14="http://schemas.microsoft.com/office/drawing/2010/main" xmlns="" w="9525">
+                <a14:hiddenLine xmlns="" xmlns:a14="http://schemas.microsoft.com/office/drawing/2010/main" w="9525">
                   <a:solidFill>
                     <a:srgbClr val="000000"/>
                   </a:solidFill>
@@ -3919,7 +3919,7 @@
             </a:ln>
             <a:extLst>
               <a:ext uri="{91240B29-F687-4f45-9708-019B960494DF}">
-                <a14:hiddenLine xmlns:a14="http://schemas.microsoft.com/office/drawing/2010/main" xmlns="" w="9525">
+                <a14:hiddenLine xmlns="" xmlns:a14="http://schemas.microsoft.com/office/drawing/2010/main" w="9525">
                   <a:solidFill>
                     <a:srgbClr val="000000"/>
                   </a:solidFill>
@@ -3981,7 +3981,7 @@
             </a:ln>
             <a:extLst>
               <a:ext uri="{91240B29-F687-4f45-9708-019B960494DF}">
-                <a14:hiddenLine xmlns:a14="http://schemas.microsoft.com/office/drawing/2010/main" xmlns="" w="9525">
+                <a14:hiddenLine xmlns="" xmlns:a14="http://schemas.microsoft.com/office/drawing/2010/main" w="9525">
                   <a:solidFill>
                     <a:srgbClr val="000000"/>
                   </a:solidFill>
@@ -4101,7 +4101,7 @@
             </a:ln>
             <a:extLst>
               <a:ext uri="{91240B29-F687-4f45-9708-019B960494DF}">
-                <a14:hiddenLine xmlns:a14="http://schemas.microsoft.com/office/drawing/2010/main" xmlns="" w="9525">
+                <a14:hiddenLine xmlns="" xmlns:a14="http://schemas.microsoft.com/office/drawing/2010/main" w="9525">
                   <a:solidFill>
                     <a:srgbClr val="000000"/>
                   </a:solidFill>
@@ -4169,7 +4169,7 @@
             </a:ln>
             <a:extLst>
               <a:ext uri="{91240B29-F687-4f45-9708-019B960494DF}">
-                <a14:hiddenLine xmlns:a14="http://schemas.microsoft.com/office/drawing/2010/main" xmlns="" w="9525">
+                <a14:hiddenLine xmlns="" xmlns:a14="http://schemas.microsoft.com/office/drawing/2010/main" w="9525">
                   <a:solidFill>
                     <a:srgbClr val="000000"/>
                   </a:solidFill>
@@ -4259,7 +4259,7 @@
             </a:ln>
             <a:extLst>
               <a:ext uri="{91240B29-F687-4f45-9708-019B960494DF}">
-                <a14:hiddenLine xmlns:a14="http://schemas.microsoft.com/office/drawing/2010/main" xmlns="" w="9525">
+                <a14:hiddenLine xmlns="" xmlns:a14="http://schemas.microsoft.com/office/drawing/2010/main" w="9525">
                   <a:solidFill>
                     <a:srgbClr val="000000"/>
                   </a:solidFill>
@@ -9066,7 +9066,7 @@
           <a:noFill/>
           <a:extLst>
             <a:ext uri="{909E8E84-426E-40dd-AFC4-6F175D3DCCD1}">
-              <a14:hiddenFill xmlns:a14="http://schemas.microsoft.com/office/drawing/2010/main" xmlns="">
+              <a14:hiddenFill xmlns="" xmlns:a14="http://schemas.microsoft.com/office/drawing/2010/main">
                 <a:solidFill>
                   <a:srgbClr val="FFFFFF"/>
                 </a:solidFill>
@@ -9140,7 +9140,7 @@
               </a:ln>
               <a:extLst>
                 <a:ext uri="{91240B29-F687-4f45-9708-019B960494DF}">
-                  <a14:hiddenLine xmlns:a14="http://schemas.microsoft.com/office/drawing/2010/main" xmlns="" w="9525">
+                  <a14:hiddenLine xmlns="" xmlns:a14="http://schemas.microsoft.com/office/drawing/2010/main" w="9525">
                     <a:solidFill>
                       <a:srgbClr val="000000"/>
                     </a:solidFill>
@@ -9230,7 +9230,7 @@
               </a:ln>
               <a:extLst>
                 <a:ext uri="{91240B29-F687-4f45-9708-019B960494DF}">
-                  <a14:hiddenLine xmlns:a14="http://schemas.microsoft.com/office/drawing/2010/main" xmlns="" w="9525">
+                  <a14:hiddenLine xmlns="" xmlns:a14="http://schemas.microsoft.com/office/drawing/2010/main" w="9525">
                     <a:solidFill>
                       <a:srgbClr val="000000"/>
                     </a:solidFill>
@@ -9320,7 +9320,7 @@
               </a:ln>
               <a:extLst>
                 <a:ext uri="{91240B29-F687-4f45-9708-019B960494DF}">
-                  <a14:hiddenLine xmlns:a14="http://schemas.microsoft.com/office/drawing/2010/main" xmlns="" w="9525">
+                  <a14:hiddenLine xmlns="" xmlns:a14="http://schemas.microsoft.com/office/drawing/2010/main" w="9525">
                     <a:solidFill>
                       <a:srgbClr val="000000"/>
                     </a:solidFill>
@@ -9382,7 +9382,7 @@
               </a:ln>
               <a:extLst>
                 <a:ext uri="{91240B29-F687-4f45-9708-019B960494DF}">
-                  <a14:hiddenLine xmlns:a14="http://schemas.microsoft.com/office/drawing/2010/main" xmlns="" w="9525">
+                  <a14:hiddenLine xmlns="" xmlns:a14="http://schemas.microsoft.com/office/drawing/2010/main" w="9525">
                     <a:solidFill>
                       <a:srgbClr val="000000"/>
                     </a:solidFill>
@@ -9472,7 +9472,7 @@
               </a:ln>
               <a:extLst>
                 <a:ext uri="{91240B29-F687-4f45-9708-019B960494DF}">
-                  <a14:hiddenLine xmlns:a14="http://schemas.microsoft.com/office/drawing/2010/main" xmlns="" w="9525">
+                  <a14:hiddenLine xmlns="" xmlns:a14="http://schemas.microsoft.com/office/drawing/2010/main" w="9525">
                     <a:solidFill>
                       <a:srgbClr val="000000"/>
                     </a:solidFill>
@@ -9534,7 +9534,7 @@
               </a:ln>
               <a:extLst>
                 <a:ext uri="{91240B29-F687-4f45-9708-019B960494DF}">
-                  <a14:hiddenLine xmlns:a14="http://schemas.microsoft.com/office/drawing/2010/main" xmlns="" w="9525">
+                  <a14:hiddenLine xmlns="" xmlns:a14="http://schemas.microsoft.com/office/drawing/2010/main" w="9525">
                     <a:solidFill>
                       <a:srgbClr val="000000"/>
                     </a:solidFill>
@@ -9596,7 +9596,7 @@
               </a:ln>
               <a:extLst>
                 <a:ext uri="{91240B29-F687-4f45-9708-019B960494DF}">
-                  <a14:hiddenLine xmlns:a14="http://schemas.microsoft.com/office/drawing/2010/main" xmlns="" w="9525">
+                  <a14:hiddenLine xmlns="" xmlns:a14="http://schemas.microsoft.com/office/drawing/2010/main" w="9525">
                     <a:solidFill>
                       <a:srgbClr val="000000"/>
                     </a:solidFill>
@@ -9686,7 +9686,7 @@
               </a:ln>
               <a:extLst>
                 <a:ext uri="{91240B29-F687-4f45-9708-019B960494DF}">
-                  <a14:hiddenLine xmlns:a14="http://schemas.microsoft.com/office/drawing/2010/main" xmlns="" w="9525">
+                  <a14:hiddenLine xmlns="" xmlns:a14="http://schemas.microsoft.com/office/drawing/2010/main" w="9525">
                     <a:solidFill>
                       <a:srgbClr val="000000"/>
                     </a:solidFill>
@@ -9776,7 +9776,7 @@
               </a:ln>
               <a:extLst>
                 <a:ext uri="{91240B29-F687-4f45-9708-019B960494DF}">
-                  <a14:hiddenLine xmlns:a14="http://schemas.microsoft.com/office/drawing/2010/main" xmlns="" w="9525">
+                  <a14:hiddenLine xmlns="" xmlns:a14="http://schemas.microsoft.com/office/drawing/2010/main" w="9525">
                     <a:solidFill>
                       <a:srgbClr val="000000"/>
                     </a:solidFill>
@@ -9838,7 +9838,7 @@
               </a:ln>
               <a:extLst>
                 <a:ext uri="{91240B29-F687-4f45-9708-019B960494DF}">
-                  <a14:hiddenLine xmlns:a14="http://schemas.microsoft.com/office/drawing/2010/main" xmlns="" w="9525">
+                  <a14:hiddenLine xmlns="" xmlns:a14="http://schemas.microsoft.com/office/drawing/2010/main" w="9525">
                     <a:solidFill>
                       <a:srgbClr val="000000"/>
                     </a:solidFill>
@@ -9948,7 +9948,7 @@
               </a:ln>
               <a:extLst>
                 <a:ext uri="{91240B29-F687-4f45-9708-019B960494DF}">
-                  <a14:hiddenLine xmlns:a14="http://schemas.microsoft.com/office/drawing/2010/main" xmlns="" w="9525">
+                  <a14:hiddenLine xmlns="" xmlns:a14="http://schemas.microsoft.com/office/drawing/2010/main" w="9525">
                     <a:solidFill>
                       <a:srgbClr val="000000"/>
                     </a:solidFill>
@@ -10032,7 +10032,7 @@
               </a:ln>
               <a:extLst>
                 <a:ext uri="{91240B29-F687-4f45-9708-019B960494DF}">
-                  <a14:hiddenLine xmlns:a14="http://schemas.microsoft.com/office/drawing/2010/main" xmlns="" w="9525">
+                  <a14:hiddenLine xmlns="" xmlns:a14="http://schemas.microsoft.com/office/drawing/2010/main" w="9525">
                     <a:solidFill>
                       <a:srgbClr val="000000"/>
                     </a:solidFill>
@@ -10094,7 +10094,7 @@
               </a:ln>
               <a:extLst>
                 <a:ext uri="{91240B29-F687-4f45-9708-019B960494DF}">
-                  <a14:hiddenLine xmlns:a14="http://schemas.microsoft.com/office/drawing/2010/main" xmlns="" w="9525">
+                  <a14:hiddenLine xmlns="" xmlns:a14="http://schemas.microsoft.com/office/drawing/2010/main" w="9525">
                     <a:solidFill>
                       <a:srgbClr val="000000"/>
                     </a:solidFill>
@@ -10156,7 +10156,7 @@
               </a:ln>
               <a:extLst>
                 <a:ext uri="{91240B29-F687-4f45-9708-019B960494DF}">
-                  <a14:hiddenLine xmlns:a14="http://schemas.microsoft.com/office/drawing/2010/main" xmlns="" w="9525">
+                  <a14:hiddenLine xmlns="" xmlns:a14="http://schemas.microsoft.com/office/drawing/2010/main" w="9525">
                     <a:solidFill>
                       <a:srgbClr val="000000"/>
                     </a:solidFill>
@@ -10246,7 +10246,7 @@
               </a:ln>
               <a:extLst>
                 <a:ext uri="{91240B29-F687-4f45-9708-019B960494DF}">
-                  <a14:hiddenLine xmlns:a14="http://schemas.microsoft.com/office/drawing/2010/main" xmlns="" w="9525">
+                  <a14:hiddenLine xmlns="" xmlns:a14="http://schemas.microsoft.com/office/drawing/2010/main" w="9525">
                     <a:solidFill>
                       <a:srgbClr val="000000"/>
                     </a:solidFill>
@@ -10280,7 +10280,7 @@
               </a:ln>
               <a:extLst>
                 <a:ext uri="{91240B29-F687-4f45-9708-019B960494DF}">
-                  <a14:hiddenLine xmlns:a14="http://schemas.microsoft.com/office/drawing/2010/main" xmlns="" w="9525">
+                  <a14:hiddenLine xmlns="" xmlns:a14="http://schemas.microsoft.com/office/drawing/2010/main" w="9525">
                     <a:solidFill>
                       <a:srgbClr val="000000"/>
                     </a:solidFill>
@@ -10345,7 +10345,7 @@
               </a:ln>
               <a:extLst>
                 <a:ext uri="{91240B29-F687-4f45-9708-019B960494DF}">
-                  <a14:hiddenLine xmlns:a14="http://schemas.microsoft.com/office/drawing/2010/main" xmlns="" w="9525">
+                  <a14:hiddenLine xmlns="" xmlns:a14="http://schemas.microsoft.com/office/drawing/2010/main" w="9525">
                     <a:solidFill>
                       <a:srgbClr val="000000"/>
                     </a:solidFill>
@@ -10435,7 +10435,7 @@
               </a:ln>
               <a:extLst>
                 <a:ext uri="{91240B29-F687-4f45-9708-019B960494DF}">
-                  <a14:hiddenLine xmlns:a14="http://schemas.microsoft.com/office/drawing/2010/main" xmlns="" w="9525">
+                  <a14:hiddenLine xmlns="" xmlns:a14="http://schemas.microsoft.com/office/drawing/2010/main" w="9525">
                     <a:solidFill>
                       <a:srgbClr val="000000"/>
                     </a:solidFill>
@@ -10497,7 +10497,7 @@
               </a:ln>
               <a:extLst>
                 <a:ext uri="{91240B29-F687-4f45-9708-019B960494DF}">
-                  <a14:hiddenLine xmlns:a14="http://schemas.microsoft.com/office/drawing/2010/main" xmlns="" w="9525">
+                  <a14:hiddenLine xmlns="" xmlns:a14="http://schemas.microsoft.com/office/drawing/2010/main" w="9525">
                     <a:solidFill>
                       <a:srgbClr val="000000"/>
                     </a:solidFill>
@@ -10587,7 +10587,7 @@
               </a:ln>
               <a:extLst>
                 <a:ext uri="{91240B29-F687-4f45-9708-019B960494DF}">
-                  <a14:hiddenLine xmlns:a14="http://schemas.microsoft.com/office/drawing/2010/main" xmlns="" w="9525">
+                  <a14:hiddenLine xmlns="" xmlns:a14="http://schemas.microsoft.com/office/drawing/2010/main" w="9525">
                     <a:solidFill>
                       <a:srgbClr val="000000"/>
                     </a:solidFill>
@@ -10652,7 +10652,7 @@
               </a:ln>
               <a:extLst>
                 <a:ext uri="{91240B29-F687-4f45-9708-019B960494DF}">
-                  <a14:hiddenLine xmlns:a14="http://schemas.microsoft.com/office/drawing/2010/main" xmlns="" w="9525">
+                  <a14:hiddenLine xmlns="" xmlns:a14="http://schemas.microsoft.com/office/drawing/2010/main" w="9525">
                     <a:solidFill>
                       <a:srgbClr val="000000"/>
                     </a:solidFill>
@@ -10714,7 +10714,7 @@
               </a:ln>
               <a:extLst>
                 <a:ext uri="{91240B29-F687-4f45-9708-019B960494DF}">
-                  <a14:hiddenLine xmlns:a14="http://schemas.microsoft.com/office/drawing/2010/main" xmlns="" w="9525">
+                  <a14:hiddenLine xmlns="" xmlns:a14="http://schemas.microsoft.com/office/drawing/2010/main" w="9525">
                     <a:solidFill>
                       <a:srgbClr val="000000"/>
                     </a:solidFill>
@@ -10804,7 +10804,7 @@
               </a:ln>
               <a:extLst>
                 <a:ext uri="{91240B29-F687-4f45-9708-019B960494DF}">
-                  <a14:hiddenLine xmlns:a14="http://schemas.microsoft.com/office/drawing/2010/main" xmlns="" w="9525">
+                  <a14:hiddenLine xmlns="" xmlns:a14="http://schemas.microsoft.com/office/drawing/2010/main" w="9525">
                     <a:solidFill>
                       <a:srgbClr val="000000"/>
                     </a:solidFill>
@@ -10894,7 +10894,7 @@
               </a:ln>
               <a:extLst>
                 <a:ext uri="{91240B29-F687-4f45-9708-019B960494DF}">
-                  <a14:hiddenLine xmlns:a14="http://schemas.microsoft.com/office/drawing/2010/main" xmlns="" w="9525">
+                  <a14:hiddenLine xmlns="" xmlns:a14="http://schemas.microsoft.com/office/drawing/2010/main" w="9525">
                     <a:solidFill>
                       <a:srgbClr val="000000"/>
                     </a:solidFill>
@@ -10959,7 +10959,7 @@
               </a:ln>
               <a:extLst>
                 <a:ext uri="{91240B29-F687-4f45-9708-019B960494DF}">
-                  <a14:hiddenLine xmlns:a14="http://schemas.microsoft.com/office/drawing/2010/main" xmlns="" w="9525">
+                  <a14:hiddenLine xmlns="" xmlns:a14="http://schemas.microsoft.com/office/drawing/2010/main" w="9525">
                     <a:solidFill>
                       <a:srgbClr val="000000"/>
                     </a:solidFill>
@@ -11079,7 +11079,7 @@
               </a:ln>
               <a:extLst>
                 <a:ext uri="{91240B29-F687-4f45-9708-019B960494DF}">
-                  <a14:hiddenLine xmlns:a14="http://schemas.microsoft.com/office/drawing/2010/main" xmlns="" w="9525">
+                  <a14:hiddenLine xmlns="" xmlns:a14="http://schemas.microsoft.com/office/drawing/2010/main" w="9525">
                     <a:solidFill>
                       <a:srgbClr val="000000"/>
                     </a:solidFill>
@@ -11177,7 +11177,7 @@
               </a:ln>
               <a:extLst>
                 <a:ext uri="{91240B29-F687-4f45-9708-019B960494DF}">
-                  <a14:hiddenLine xmlns:a14="http://schemas.microsoft.com/office/drawing/2010/main" xmlns="" w="9525">
+                  <a14:hiddenLine xmlns="" xmlns:a14="http://schemas.microsoft.com/office/drawing/2010/main" w="9525">
                     <a:solidFill>
                       <a:srgbClr val="000000"/>
                     </a:solidFill>
@@ -11292,7 +11292,7 @@
               </a:ln>
               <a:extLst>
                 <a:ext uri="{91240B29-F687-4f45-9708-019B960494DF}">
-                  <a14:hiddenLine xmlns:a14="http://schemas.microsoft.com/office/drawing/2010/main" xmlns="" w="9525">
+                  <a14:hiddenLine xmlns="" xmlns:a14="http://schemas.microsoft.com/office/drawing/2010/main" w="9525">
                     <a:solidFill>
                       <a:srgbClr val="000000"/>
                     </a:solidFill>
@@ -11382,7 +11382,7 @@
               </a:ln>
               <a:extLst>
                 <a:ext uri="{91240B29-F687-4f45-9708-019B960494DF}">
-                  <a14:hiddenLine xmlns:a14="http://schemas.microsoft.com/office/drawing/2010/main" xmlns="" w="9525">
+                  <a14:hiddenLine xmlns="" xmlns:a14="http://schemas.microsoft.com/office/drawing/2010/main" w="9525">
                     <a:solidFill>
                       <a:srgbClr val="000000"/>
                     </a:solidFill>
@@ -11447,7 +11447,7 @@
               </a:ln>
               <a:extLst>
                 <a:ext uri="{91240B29-F687-4f45-9708-019B960494DF}">
-                  <a14:hiddenLine xmlns:a14="http://schemas.microsoft.com/office/drawing/2010/main" xmlns="" w="9525">
+                  <a14:hiddenLine xmlns="" xmlns:a14="http://schemas.microsoft.com/office/drawing/2010/main" w="9525">
                     <a:solidFill>
                       <a:srgbClr val="000000"/>
                     </a:solidFill>
@@ -11537,7 +11537,7 @@
               </a:ln>
               <a:extLst>
                 <a:ext uri="{91240B29-F687-4f45-9708-019B960494DF}">
-                  <a14:hiddenLine xmlns:a14="http://schemas.microsoft.com/office/drawing/2010/main" xmlns="" w="9525">
+                  <a14:hiddenLine xmlns="" xmlns:a14="http://schemas.microsoft.com/office/drawing/2010/main" w="9525">
                     <a:solidFill>
                       <a:srgbClr val="000000"/>
                     </a:solidFill>
@@ -11605,7 +11605,7 @@
               </a:ln>
               <a:extLst>
                 <a:ext uri="{91240B29-F687-4f45-9708-019B960494DF}">
-                  <a14:hiddenLine xmlns:a14="http://schemas.microsoft.com/office/drawing/2010/main" xmlns="" w="9525">
+                  <a14:hiddenLine xmlns="" xmlns:a14="http://schemas.microsoft.com/office/drawing/2010/main" w="9525">
                     <a:solidFill>
                       <a:srgbClr val="000000"/>
                     </a:solidFill>
@@ -11695,7 +11695,7 @@
               </a:ln>
               <a:extLst>
                 <a:ext uri="{91240B29-F687-4f45-9708-019B960494DF}">
-                  <a14:hiddenLine xmlns:a14="http://schemas.microsoft.com/office/drawing/2010/main" xmlns="" w="9525">
+                  <a14:hiddenLine xmlns="" xmlns:a14="http://schemas.microsoft.com/office/drawing/2010/main" w="9525">
                     <a:solidFill>
                       <a:srgbClr val="000000"/>
                     </a:solidFill>
@@ -11763,7 +11763,7 @@
               </a:ln>
               <a:extLst>
                 <a:ext uri="{91240B29-F687-4f45-9708-019B960494DF}">
-                  <a14:hiddenLine xmlns:a14="http://schemas.microsoft.com/office/drawing/2010/main" xmlns="" w="9525">
+                  <a14:hiddenLine xmlns="" xmlns:a14="http://schemas.microsoft.com/office/drawing/2010/main" w="9525">
                     <a:solidFill>
                       <a:srgbClr val="000000"/>
                     </a:solidFill>
@@ -11853,7 +11853,7 @@
               </a:ln>
               <a:extLst>
                 <a:ext uri="{91240B29-F687-4f45-9708-019B960494DF}">
-                  <a14:hiddenLine xmlns:a14="http://schemas.microsoft.com/office/drawing/2010/main" xmlns="" w="9525">
+                  <a14:hiddenLine xmlns="" xmlns:a14="http://schemas.microsoft.com/office/drawing/2010/main" w="9525">
                     <a:solidFill>
                       <a:srgbClr val="000000"/>
                     </a:solidFill>
@@ -11887,7 +11887,7 @@
               </a:ln>
               <a:extLst>
                 <a:ext uri="{91240B29-F687-4f45-9708-019B960494DF}">
-                  <a14:hiddenLine xmlns:a14="http://schemas.microsoft.com/office/drawing/2010/main" xmlns="" w="9525">
+                  <a14:hiddenLine xmlns="" xmlns:a14="http://schemas.microsoft.com/office/drawing/2010/main" w="9525">
                     <a:solidFill>
                       <a:srgbClr val="000000"/>
                     </a:solidFill>
@@ -12607,7 +12607,7 @@
             </a:ln>
             <a:extLst>
               <a:ext uri="{91240B29-F687-4f45-9708-019B960494DF}">
-                <a14:hiddenLine xmlns="" xmlns:a16="http://schemas.microsoft.com/office/drawing/2014/main" xmlns:p14="http://schemas.microsoft.com/office/powerpoint/2010/main" xmlns:a14="http://schemas.microsoft.com/office/drawing/2010/main" w="9525">
+                <a14:hiddenLine xmlns:a14="http://schemas.microsoft.com/office/drawing/2010/main" xmlns:p14="http://schemas.microsoft.com/office/powerpoint/2010/main" xmlns:a16="http://schemas.microsoft.com/office/drawing/2014/main" xmlns="" w="9525">
                   <a:solidFill>
                     <a:srgbClr val="000000"/>
                   </a:solidFill>
@@ -12712,7 +12712,7 @@
             </a:ln>
             <a:extLst>
               <a:ext uri="{91240B29-F687-4f45-9708-019B960494DF}">
-                <a14:hiddenLine xmlns="" xmlns:a16="http://schemas.microsoft.com/office/drawing/2014/main" xmlns:p14="http://schemas.microsoft.com/office/powerpoint/2010/main" xmlns:a14="http://schemas.microsoft.com/office/drawing/2010/main" w="9525">
+                <a14:hiddenLine xmlns:a14="http://schemas.microsoft.com/office/drawing/2010/main" xmlns:p14="http://schemas.microsoft.com/office/powerpoint/2010/main" xmlns:a16="http://schemas.microsoft.com/office/drawing/2014/main" xmlns="" w="9525">
                   <a:solidFill>
                     <a:srgbClr val="000000"/>
                   </a:solidFill>
@@ -12817,7 +12817,7 @@
             </a:ln>
             <a:extLst>
               <a:ext uri="{91240B29-F687-4f45-9708-019B960494DF}">
-                <a14:hiddenLine xmlns="" xmlns:a16="http://schemas.microsoft.com/office/drawing/2014/main" xmlns:p14="http://schemas.microsoft.com/office/powerpoint/2010/main" xmlns:a14="http://schemas.microsoft.com/office/drawing/2010/main" w="9525">
+                <a14:hiddenLine xmlns:a14="http://schemas.microsoft.com/office/drawing/2010/main" xmlns:p14="http://schemas.microsoft.com/office/powerpoint/2010/main" xmlns:a16="http://schemas.microsoft.com/office/drawing/2014/main" xmlns="" w="9525">
                   <a:solidFill>
                     <a:srgbClr val="000000"/>
                   </a:solidFill>
@@ -12866,7 +12866,7 @@
             </a:ln>
             <a:extLst>
               <a:ext uri="{91240B29-F687-4f45-9708-019B960494DF}">
-                <a14:hiddenLine xmlns="" xmlns:a16="http://schemas.microsoft.com/office/drawing/2014/main" xmlns:p14="http://schemas.microsoft.com/office/powerpoint/2010/main" xmlns:a14="http://schemas.microsoft.com/office/drawing/2010/main" w="9525">
+                <a14:hiddenLine xmlns:a14="http://schemas.microsoft.com/office/drawing/2010/main" xmlns:p14="http://schemas.microsoft.com/office/powerpoint/2010/main" xmlns:a16="http://schemas.microsoft.com/office/drawing/2014/main" xmlns="" w="9525">
                   <a:solidFill>
                     <a:srgbClr val="000000"/>
                   </a:solidFill>
@@ -12971,7 +12971,7 @@
             </a:ln>
             <a:extLst>
               <a:ext uri="{91240B29-F687-4f45-9708-019B960494DF}">
-                <a14:hiddenLine xmlns="" xmlns:a16="http://schemas.microsoft.com/office/drawing/2014/main" xmlns:p14="http://schemas.microsoft.com/office/powerpoint/2010/main" xmlns:a14="http://schemas.microsoft.com/office/drawing/2010/main" w="9525">
+                <a14:hiddenLine xmlns:a14="http://schemas.microsoft.com/office/drawing/2010/main" xmlns:p14="http://schemas.microsoft.com/office/powerpoint/2010/main" xmlns:a16="http://schemas.microsoft.com/office/drawing/2014/main" xmlns="" w="9525">
                   <a:solidFill>
                     <a:srgbClr val="000000"/>
                   </a:solidFill>
@@ -13048,7 +13048,7 @@
             </a:ln>
             <a:extLst>
               <a:ext uri="{91240B29-F687-4f45-9708-019B960494DF}">
-                <a14:hiddenLine xmlns="" xmlns:a16="http://schemas.microsoft.com/office/drawing/2014/main" xmlns:p14="http://schemas.microsoft.com/office/powerpoint/2010/main" xmlns:a14="http://schemas.microsoft.com/office/drawing/2010/main" w="9525">
+                <a14:hiddenLine xmlns:a14="http://schemas.microsoft.com/office/drawing/2010/main" xmlns:p14="http://schemas.microsoft.com/office/powerpoint/2010/main" xmlns:a16="http://schemas.microsoft.com/office/drawing/2014/main" xmlns="" w="9525">
                   <a:solidFill>
                     <a:srgbClr val="000000"/>
                   </a:solidFill>
@@ -13125,7 +13125,7 @@
             </a:ln>
             <a:extLst>
               <a:ext uri="{91240B29-F687-4f45-9708-019B960494DF}">
-                <a14:hiddenLine xmlns="" xmlns:a16="http://schemas.microsoft.com/office/drawing/2014/main" xmlns:p14="http://schemas.microsoft.com/office/powerpoint/2010/main" xmlns:a14="http://schemas.microsoft.com/office/drawing/2010/main" w="9525">
+                <a14:hiddenLine xmlns:a14="http://schemas.microsoft.com/office/drawing/2010/main" xmlns:p14="http://schemas.microsoft.com/office/powerpoint/2010/main" xmlns:a16="http://schemas.microsoft.com/office/drawing/2014/main" xmlns="" w="9525">
                   <a:solidFill>
                     <a:srgbClr val="000000"/>
                   </a:solidFill>
@@ -13230,7 +13230,7 @@
             </a:ln>
             <a:extLst>
               <a:ext uri="{91240B29-F687-4f45-9708-019B960494DF}">
-                <a14:hiddenLine xmlns="" xmlns:a16="http://schemas.microsoft.com/office/drawing/2014/main" xmlns:p14="http://schemas.microsoft.com/office/powerpoint/2010/main" xmlns:a14="http://schemas.microsoft.com/office/drawing/2010/main" w="9525">
+                <a14:hiddenLine xmlns:a14="http://schemas.microsoft.com/office/drawing/2010/main" xmlns:p14="http://schemas.microsoft.com/office/powerpoint/2010/main" xmlns:a16="http://schemas.microsoft.com/office/drawing/2014/main" xmlns="" w="9525">
                   <a:solidFill>
                     <a:srgbClr val="000000"/>
                   </a:solidFill>
@@ -13307,7 +13307,7 @@
             </a:ln>
             <a:extLst>
               <a:ext uri="{91240B29-F687-4f45-9708-019B960494DF}">
-                <a14:hiddenLine xmlns="" xmlns:a16="http://schemas.microsoft.com/office/drawing/2014/main" xmlns:p14="http://schemas.microsoft.com/office/powerpoint/2010/main" xmlns:a14="http://schemas.microsoft.com/office/drawing/2010/main" w="9525">
+                <a14:hiddenLine xmlns:a14="http://schemas.microsoft.com/office/drawing/2010/main" xmlns:p14="http://schemas.microsoft.com/office/powerpoint/2010/main" xmlns:a16="http://schemas.microsoft.com/office/drawing/2014/main" xmlns="" w="9525">
                   <a:solidFill>
                     <a:srgbClr val="000000"/>
                   </a:solidFill>
@@ -13384,7 +13384,7 @@
             </a:ln>
             <a:extLst>
               <a:ext uri="{91240B29-F687-4f45-9708-019B960494DF}">
-                <a14:hiddenLine xmlns="" xmlns:a16="http://schemas.microsoft.com/office/drawing/2014/main" xmlns:p14="http://schemas.microsoft.com/office/powerpoint/2010/main" xmlns:a14="http://schemas.microsoft.com/office/drawing/2010/main" w="9525">
+                <a14:hiddenLine xmlns:a14="http://schemas.microsoft.com/office/drawing/2010/main" xmlns:p14="http://schemas.microsoft.com/office/powerpoint/2010/main" xmlns:a16="http://schemas.microsoft.com/office/drawing/2014/main" xmlns="" w="9525">
                   <a:solidFill>
                     <a:srgbClr val="000000"/>
                   </a:solidFill>
@@ -13489,7 +13489,7 @@
             </a:ln>
             <a:extLst>
               <a:ext uri="{91240B29-F687-4f45-9708-019B960494DF}">
-                <a14:hiddenLine xmlns="" xmlns:a16="http://schemas.microsoft.com/office/drawing/2014/main" xmlns:p14="http://schemas.microsoft.com/office/powerpoint/2010/main" xmlns:a14="http://schemas.microsoft.com/office/drawing/2010/main" w="9525">
+                <a14:hiddenLine xmlns:a14="http://schemas.microsoft.com/office/drawing/2010/main" xmlns:p14="http://schemas.microsoft.com/office/powerpoint/2010/main" xmlns:a16="http://schemas.microsoft.com/office/drawing/2014/main" xmlns="" w="9525">
                   <a:solidFill>
                     <a:srgbClr val="000000"/>
                   </a:solidFill>
@@ -13594,7 +13594,7 @@
             </a:ln>
             <a:extLst>
               <a:ext uri="{91240B29-F687-4f45-9708-019B960494DF}">
-                <a14:hiddenLine xmlns="" xmlns:a16="http://schemas.microsoft.com/office/drawing/2014/main" xmlns:p14="http://schemas.microsoft.com/office/powerpoint/2010/main" xmlns:a14="http://schemas.microsoft.com/office/drawing/2010/main" w="9525">
+                <a14:hiddenLine xmlns:a14="http://schemas.microsoft.com/office/drawing/2010/main" xmlns:p14="http://schemas.microsoft.com/office/powerpoint/2010/main" xmlns:a16="http://schemas.microsoft.com/office/drawing/2014/main" xmlns="" w="9525">
                   <a:solidFill>
                     <a:srgbClr val="000000"/>
                   </a:solidFill>
@@ -13671,7 +13671,7 @@
             </a:ln>
             <a:extLst>
               <a:ext uri="{91240B29-F687-4f45-9708-019B960494DF}">
-                <a14:hiddenLine xmlns="" xmlns:a16="http://schemas.microsoft.com/office/drawing/2014/main" xmlns:p14="http://schemas.microsoft.com/office/powerpoint/2010/main" xmlns:a14="http://schemas.microsoft.com/office/drawing/2010/main" w="9525">
+                <a14:hiddenLine xmlns:a14="http://schemas.microsoft.com/office/drawing/2010/main" xmlns:p14="http://schemas.microsoft.com/office/powerpoint/2010/main" xmlns:a16="http://schemas.microsoft.com/office/drawing/2014/main" xmlns="" w="9525">
                   <a:solidFill>
                     <a:srgbClr val="000000"/>
                   </a:solidFill>
@@ -13796,7 +13796,7 @@
             </a:ln>
             <a:extLst>
               <a:ext uri="{91240B29-F687-4f45-9708-019B960494DF}">
-                <a14:hiddenLine xmlns="" xmlns:a16="http://schemas.microsoft.com/office/drawing/2014/main" xmlns:p14="http://schemas.microsoft.com/office/powerpoint/2010/main" xmlns:a14="http://schemas.microsoft.com/office/drawing/2010/main" w="9525">
+                <a14:hiddenLine xmlns:a14="http://schemas.microsoft.com/office/drawing/2010/main" xmlns:p14="http://schemas.microsoft.com/office/powerpoint/2010/main" xmlns:a16="http://schemas.microsoft.com/office/drawing/2014/main" xmlns="" w="9525">
                   <a:solidFill>
                     <a:srgbClr val="000000"/>
                   </a:solidFill>
@@ -13873,7 +13873,7 @@
             </a:ln>
             <a:extLst>
               <a:ext uri="{91240B29-F687-4f45-9708-019B960494DF}">
-                <a14:hiddenLine xmlns="" xmlns:a16="http://schemas.microsoft.com/office/drawing/2014/main" xmlns:p14="http://schemas.microsoft.com/office/powerpoint/2010/main" xmlns:a14="http://schemas.microsoft.com/office/drawing/2010/main" w="9525">
+                <a14:hiddenLine xmlns:a14="http://schemas.microsoft.com/office/drawing/2010/main" xmlns:p14="http://schemas.microsoft.com/office/powerpoint/2010/main" xmlns:a16="http://schemas.microsoft.com/office/drawing/2014/main" xmlns="" w="9525">
                   <a:solidFill>
                     <a:srgbClr val="000000"/>
                   </a:solidFill>
@@ -13978,7 +13978,7 @@
             </a:ln>
             <a:extLst>
               <a:ext uri="{91240B29-F687-4f45-9708-019B960494DF}">
-                <a14:hiddenLine xmlns="" xmlns:a16="http://schemas.microsoft.com/office/drawing/2014/main" xmlns:p14="http://schemas.microsoft.com/office/powerpoint/2010/main" xmlns:a14="http://schemas.microsoft.com/office/drawing/2010/main" w="9525">
+                <a14:hiddenLine xmlns:a14="http://schemas.microsoft.com/office/drawing/2010/main" xmlns:p14="http://schemas.microsoft.com/office/powerpoint/2010/main" xmlns:a16="http://schemas.microsoft.com/office/drawing/2014/main" xmlns="" w="9525">
                   <a:solidFill>
                     <a:srgbClr val="000000"/>
                   </a:solidFill>
@@ -14083,7 +14083,7 @@
             </a:ln>
             <a:extLst>
               <a:ext uri="{91240B29-F687-4f45-9708-019B960494DF}">
-                <a14:hiddenLine xmlns="" xmlns:a16="http://schemas.microsoft.com/office/drawing/2014/main" xmlns:p14="http://schemas.microsoft.com/office/powerpoint/2010/main" xmlns:a14="http://schemas.microsoft.com/office/drawing/2010/main" w="9525">
+                <a14:hiddenLine xmlns:a14="http://schemas.microsoft.com/office/drawing/2010/main" xmlns:p14="http://schemas.microsoft.com/office/powerpoint/2010/main" xmlns:a16="http://schemas.microsoft.com/office/drawing/2014/main" xmlns="" w="9525">
                   <a:solidFill>
                     <a:srgbClr val="000000"/>
                   </a:solidFill>
@@ -14160,7 +14160,7 @@
             </a:ln>
             <a:extLst>
               <a:ext uri="{91240B29-F687-4f45-9708-019B960494DF}">
-                <a14:hiddenLine xmlns="" xmlns:a16="http://schemas.microsoft.com/office/drawing/2014/main" xmlns:p14="http://schemas.microsoft.com/office/powerpoint/2010/main" xmlns:a14="http://schemas.microsoft.com/office/drawing/2010/main" w="9525">
+                <a14:hiddenLine xmlns:a14="http://schemas.microsoft.com/office/drawing/2010/main" xmlns:p14="http://schemas.microsoft.com/office/powerpoint/2010/main" xmlns:a16="http://schemas.microsoft.com/office/drawing/2014/main" xmlns="" w="9525">
                   <a:solidFill>
                     <a:srgbClr val="000000"/>
                   </a:solidFill>
@@ -14265,7 +14265,7 @@
             </a:ln>
             <a:extLst>
               <a:ext uri="{91240B29-F687-4f45-9708-019B960494DF}">
-                <a14:hiddenLine xmlns="" xmlns:a16="http://schemas.microsoft.com/office/drawing/2014/main" xmlns:p14="http://schemas.microsoft.com/office/powerpoint/2010/main" xmlns:a14="http://schemas.microsoft.com/office/drawing/2010/main" w="9525">
+                <a14:hiddenLine xmlns:a14="http://schemas.microsoft.com/office/drawing/2010/main" xmlns:p14="http://schemas.microsoft.com/office/powerpoint/2010/main" xmlns:a16="http://schemas.microsoft.com/office/drawing/2014/main" xmlns="" w="9525">
                   <a:solidFill>
                     <a:srgbClr val="000000"/>
                   </a:solidFill>
@@ -14370,7 +14370,7 @@
             </a:ln>
             <a:extLst>
               <a:ext uri="{91240B29-F687-4f45-9708-019B960494DF}">
-                <a14:hiddenLine xmlns="" xmlns:a16="http://schemas.microsoft.com/office/drawing/2014/main" xmlns:p14="http://schemas.microsoft.com/office/powerpoint/2010/main" xmlns:a14="http://schemas.microsoft.com/office/drawing/2010/main" w="9525">
+                <a14:hiddenLine xmlns:a14="http://schemas.microsoft.com/office/drawing/2010/main" xmlns:p14="http://schemas.microsoft.com/office/powerpoint/2010/main" xmlns:a16="http://schemas.microsoft.com/office/drawing/2014/main" xmlns="" w="9525">
                   <a:solidFill>
                     <a:srgbClr val="000000"/>
                   </a:solidFill>
@@ -14441,7 +14441,7 @@
             </a:ln>
             <a:extLst>
               <a:ext uri="{91240B29-F687-4f45-9708-019B960494DF}">
-                <a14:hiddenLine xmlns="" xmlns:a16="http://schemas.microsoft.com/office/drawing/2014/main" xmlns:p14="http://schemas.microsoft.com/office/powerpoint/2010/main" xmlns:a14="http://schemas.microsoft.com/office/drawing/2010/main" w="9525">
+                <a14:hiddenLine xmlns:a14="http://schemas.microsoft.com/office/drawing/2010/main" xmlns:p14="http://schemas.microsoft.com/office/powerpoint/2010/main" xmlns:a16="http://schemas.microsoft.com/office/drawing/2014/main" xmlns="" w="9525">
                   <a:solidFill>
                     <a:srgbClr val="000000"/>
                   </a:solidFill>
@@ -14546,7 +14546,7 @@
             </a:ln>
             <a:extLst>
               <a:ext uri="{91240B29-F687-4f45-9708-019B960494DF}">
-                <a14:hiddenLine xmlns="" xmlns:a16="http://schemas.microsoft.com/office/drawing/2014/main" xmlns:p14="http://schemas.microsoft.com/office/powerpoint/2010/main" xmlns:a14="http://schemas.microsoft.com/office/drawing/2010/main" w="9525">
+                <a14:hiddenLine xmlns:a14="http://schemas.microsoft.com/office/drawing/2010/main" xmlns:p14="http://schemas.microsoft.com/office/powerpoint/2010/main" xmlns:a16="http://schemas.microsoft.com/office/drawing/2014/main" xmlns="" w="9525">
                   <a:solidFill>
                     <a:srgbClr val="000000"/>
                   </a:solidFill>
@@ -14617,7 +14617,7 @@
             </a:ln>
             <a:extLst>
               <a:ext uri="{91240B29-F687-4f45-9708-019B960494DF}">
-                <a14:hiddenLine xmlns="" xmlns:a16="http://schemas.microsoft.com/office/drawing/2014/main" xmlns:p14="http://schemas.microsoft.com/office/powerpoint/2010/main" xmlns:a14="http://schemas.microsoft.com/office/drawing/2010/main" w="9525">
+                <a14:hiddenLine xmlns:a14="http://schemas.microsoft.com/office/drawing/2010/main" xmlns:p14="http://schemas.microsoft.com/office/powerpoint/2010/main" xmlns:a16="http://schemas.microsoft.com/office/drawing/2014/main" xmlns="" w="9525">
                   <a:solidFill>
                     <a:srgbClr val="000000"/>
                   </a:solidFill>
@@ -14722,7 +14722,7 @@
             </a:ln>
             <a:extLst>
               <a:ext uri="{91240B29-F687-4f45-9708-019B960494DF}">
-                <a14:hiddenLine xmlns="" xmlns:a16="http://schemas.microsoft.com/office/drawing/2014/main" xmlns:p14="http://schemas.microsoft.com/office/powerpoint/2010/main" xmlns:a14="http://schemas.microsoft.com/office/drawing/2010/main" w="9525">
+                <a14:hiddenLine xmlns:a14="http://schemas.microsoft.com/office/drawing/2010/main" xmlns:p14="http://schemas.microsoft.com/office/powerpoint/2010/main" xmlns:a16="http://schemas.microsoft.com/office/drawing/2014/main" xmlns="" w="9525">
                   <a:solidFill>
                     <a:srgbClr val="000000"/>
                   </a:solidFill>
@@ -14805,7 +14805,7 @@
             </a:ln>
             <a:extLst>
               <a:ext uri="{91240B29-F687-4f45-9708-019B960494DF}">
-                <a14:hiddenLine xmlns="" xmlns:a16="http://schemas.microsoft.com/office/drawing/2014/main" xmlns:p14="http://schemas.microsoft.com/office/powerpoint/2010/main" xmlns:a14="http://schemas.microsoft.com/office/drawing/2010/main" w="9525">
+                <a14:hiddenLine xmlns:a14="http://schemas.microsoft.com/office/drawing/2010/main" xmlns:p14="http://schemas.microsoft.com/office/powerpoint/2010/main" xmlns:a16="http://schemas.microsoft.com/office/drawing/2014/main" xmlns="" w="9525">
                   <a:solidFill>
                     <a:srgbClr val="000000"/>
                   </a:solidFill>
@@ -14910,7 +14910,7 @@
             </a:ln>
             <a:extLst>
               <a:ext uri="{91240B29-F687-4f45-9708-019B960494DF}">
-                <a14:hiddenLine xmlns="" xmlns:a16="http://schemas.microsoft.com/office/drawing/2014/main" xmlns:p14="http://schemas.microsoft.com/office/powerpoint/2010/main" xmlns:a14="http://schemas.microsoft.com/office/drawing/2010/main" w="9525">
+                <a14:hiddenLine xmlns:a14="http://schemas.microsoft.com/office/drawing/2010/main" xmlns:p14="http://schemas.microsoft.com/office/powerpoint/2010/main" xmlns:a16="http://schemas.microsoft.com/office/drawing/2014/main" xmlns="" w="9525">
                   <a:solidFill>
                     <a:srgbClr val="000000"/>
                   </a:solidFill>
@@ -14993,7 +14993,7 @@
             </a:ln>
             <a:extLst>
               <a:ext uri="{91240B29-F687-4f45-9708-019B960494DF}">
-                <a14:hiddenLine xmlns="" xmlns:a16="http://schemas.microsoft.com/office/drawing/2014/main" xmlns:p14="http://schemas.microsoft.com/office/powerpoint/2010/main" xmlns:a14="http://schemas.microsoft.com/office/drawing/2010/main" w="9525">
+                <a14:hiddenLine xmlns:a14="http://schemas.microsoft.com/office/drawing/2010/main" xmlns:p14="http://schemas.microsoft.com/office/powerpoint/2010/main" xmlns:a16="http://schemas.microsoft.com/office/drawing/2014/main" xmlns="" w="9525">
                   <a:solidFill>
                     <a:srgbClr val="000000"/>
                   </a:solidFill>
@@ -15098,7 +15098,7 @@
             </a:ln>
             <a:extLst>
               <a:ext uri="{91240B29-F687-4f45-9708-019B960494DF}">
-                <a14:hiddenLine xmlns="" xmlns:a16="http://schemas.microsoft.com/office/drawing/2014/main" xmlns:p14="http://schemas.microsoft.com/office/powerpoint/2010/main" xmlns:a14="http://schemas.microsoft.com/office/drawing/2010/main" w="9525">
+                <a14:hiddenLine xmlns:a14="http://schemas.microsoft.com/office/drawing/2010/main" xmlns:p14="http://schemas.microsoft.com/office/powerpoint/2010/main" xmlns:a16="http://schemas.microsoft.com/office/drawing/2014/main" xmlns="" w="9525">
                   <a:solidFill>
                     <a:srgbClr val="000000"/>
                   </a:solidFill>
@@ -15147,7 +15147,7 @@
             </a:ln>
             <a:extLst>
               <a:ext uri="{91240B29-F687-4f45-9708-019B960494DF}">
-                <a14:hiddenLine xmlns="" xmlns:a16="http://schemas.microsoft.com/office/drawing/2014/main" xmlns:p14="http://schemas.microsoft.com/office/powerpoint/2010/main" xmlns:a14="http://schemas.microsoft.com/office/drawing/2010/main" w="9525">
+                <a14:hiddenLine xmlns:a14="http://schemas.microsoft.com/office/drawing/2010/main" xmlns:p14="http://schemas.microsoft.com/office/powerpoint/2010/main" xmlns:a16="http://schemas.microsoft.com/office/drawing/2014/main" xmlns="" w="9525">
                   <a:solidFill>
                     <a:srgbClr val="000000"/>
                   </a:solidFill>
@@ -15252,7 +15252,7 @@
             </a:ln>
             <a:extLst>
               <a:ext uri="{91240B29-F687-4f45-9708-019B960494DF}">
-                <a14:hiddenLine xmlns="" xmlns:a16="http://schemas.microsoft.com/office/drawing/2014/main" xmlns:p14="http://schemas.microsoft.com/office/powerpoint/2010/main" xmlns:a14="http://schemas.microsoft.com/office/drawing/2010/main" w="9525">
+                <a14:hiddenLine xmlns:a14="http://schemas.microsoft.com/office/drawing/2010/main" xmlns:p14="http://schemas.microsoft.com/office/powerpoint/2010/main" xmlns:a16="http://schemas.microsoft.com/office/drawing/2014/main" xmlns="" w="9525">
                   <a:solidFill>
                     <a:srgbClr val="000000"/>
                   </a:solidFill>
@@ -15329,7 +15329,7 @@
             </a:ln>
             <a:extLst>
               <a:ext uri="{91240B29-F687-4f45-9708-019B960494DF}">
-                <a14:hiddenLine xmlns="" xmlns:a16="http://schemas.microsoft.com/office/drawing/2014/main" xmlns:p14="http://schemas.microsoft.com/office/powerpoint/2010/main" xmlns:a14="http://schemas.microsoft.com/office/drawing/2010/main" w="9525">
+                <a14:hiddenLine xmlns:a14="http://schemas.microsoft.com/office/drawing/2010/main" xmlns:p14="http://schemas.microsoft.com/office/powerpoint/2010/main" xmlns:a16="http://schemas.microsoft.com/office/drawing/2014/main" xmlns="" w="9525">
                   <a:solidFill>
                     <a:srgbClr val="000000"/>
                   </a:solidFill>
@@ -15406,7 +15406,7 @@
             </a:ln>
             <a:extLst>
               <a:ext uri="{91240B29-F687-4f45-9708-019B960494DF}">
-                <a14:hiddenLine xmlns="" xmlns:a16="http://schemas.microsoft.com/office/drawing/2014/main" xmlns:p14="http://schemas.microsoft.com/office/powerpoint/2010/main" xmlns:a14="http://schemas.microsoft.com/office/drawing/2010/main" w="9525">
+                <a14:hiddenLine xmlns:a14="http://schemas.microsoft.com/office/drawing/2010/main" xmlns:p14="http://schemas.microsoft.com/office/powerpoint/2010/main" xmlns:a16="http://schemas.microsoft.com/office/drawing/2014/main" xmlns="" w="9525">
                   <a:solidFill>
                     <a:srgbClr val="000000"/>
                   </a:solidFill>
@@ -15511,7 +15511,7 @@
             </a:ln>
             <a:extLst>
               <a:ext uri="{91240B29-F687-4f45-9708-019B960494DF}">
-                <a14:hiddenLine xmlns="" xmlns:a16="http://schemas.microsoft.com/office/drawing/2014/main" xmlns:p14="http://schemas.microsoft.com/office/powerpoint/2010/main" xmlns:a14="http://schemas.microsoft.com/office/drawing/2010/main" w="9525">
+                <a14:hiddenLine xmlns:a14="http://schemas.microsoft.com/office/drawing/2010/main" xmlns:p14="http://schemas.microsoft.com/office/powerpoint/2010/main" xmlns:a16="http://schemas.microsoft.com/office/drawing/2014/main" xmlns="" w="9525">
                   <a:solidFill>
                     <a:srgbClr val="000000"/>
                   </a:solidFill>
@@ -15594,7 +15594,7 @@
             </a:ln>
             <a:extLst>
               <a:ext uri="{91240B29-F687-4f45-9708-019B960494DF}">
-                <a14:hiddenLine xmlns="" xmlns:a16="http://schemas.microsoft.com/office/drawing/2014/main" xmlns:p14="http://schemas.microsoft.com/office/powerpoint/2010/main" xmlns:a14="http://schemas.microsoft.com/office/drawing/2010/main" w="9525">
+                <a14:hiddenLine xmlns:a14="http://schemas.microsoft.com/office/drawing/2010/main" xmlns:p14="http://schemas.microsoft.com/office/powerpoint/2010/main" xmlns:a16="http://schemas.microsoft.com/office/drawing/2014/main" xmlns="" w="9525">
                   <a:solidFill>
                     <a:srgbClr val="000000"/>
                   </a:solidFill>
@@ -15671,7 +15671,7 @@
             </a:ln>
             <a:extLst>
               <a:ext uri="{91240B29-F687-4f45-9708-019B960494DF}">
-                <a14:hiddenLine xmlns="" xmlns:a16="http://schemas.microsoft.com/office/drawing/2014/main" xmlns:p14="http://schemas.microsoft.com/office/powerpoint/2010/main" xmlns:a14="http://schemas.microsoft.com/office/drawing/2010/main" w="9525">
+                <a14:hiddenLine xmlns:a14="http://schemas.microsoft.com/office/drawing/2010/main" xmlns:p14="http://schemas.microsoft.com/office/powerpoint/2010/main" xmlns:a16="http://schemas.microsoft.com/office/drawing/2014/main" xmlns="" w="9525">
                   <a:solidFill>
                     <a:srgbClr val="000000"/>
                   </a:solidFill>
@@ -15776,7 +15776,7 @@
             </a:ln>
             <a:extLst>
               <a:ext uri="{91240B29-F687-4f45-9708-019B960494DF}">
-                <a14:hiddenLine xmlns="" xmlns:a16="http://schemas.microsoft.com/office/drawing/2014/main" xmlns:p14="http://schemas.microsoft.com/office/powerpoint/2010/main" xmlns:a14="http://schemas.microsoft.com/office/drawing/2010/main" w="9525">
+                <a14:hiddenLine xmlns:a14="http://schemas.microsoft.com/office/drawing/2010/main" xmlns:p14="http://schemas.microsoft.com/office/powerpoint/2010/main" xmlns:a16="http://schemas.microsoft.com/office/drawing/2014/main" xmlns="" w="9525">
                   <a:solidFill>
                     <a:srgbClr val="000000"/>
                   </a:solidFill>
@@ -15853,7 +15853,7 @@
             </a:ln>
             <a:extLst>
               <a:ext uri="{91240B29-F687-4f45-9708-019B960494DF}">
-                <a14:hiddenLine xmlns="" xmlns:a16="http://schemas.microsoft.com/office/drawing/2014/main" xmlns:p14="http://schemas.microsoft.com/office/powerpoint/2010/main" xmlns:a14="http://schemas.microsoft.com/office/drawing/2010/main" w="9525">
+                <a14:hiddenLine xmlns:a14="http://schemas.microsoft.com/office/drawing/2010/main" xmlns:p14="http://schemas.microsoft.com/office/powerpoint/2010/main" xmlns:a16="http://schemas.microsoft.com/office/drawing/2014/main" xmlns="" w="9525">
                   <a:solidFill>
                     <a:srgbClr val="000000"/>
                   </a:solidFill>
@@ -15958,7 +15958,7 @@
             </a:ln>
             <a:extLst>
               <a:ext uri="{91240B29-F687-4f45-9708-019B960494DF}">
-                <a14:hiddenLine xmlns="" xmlns:a16="http://schemas.microsoft.com/office/drawing/2014/main" xmlns:p14="http://schemas.microsoft.com/office/powerpoint/2010/main" xmlns:a14="http://schemas.microsoft.com/office/drawing/2010/main" w="9525">
+                <a14:hiddenLine xmlns:a14="http://schemas.microsoft.com/office/drawing/2010/main" xmlns:p14="http://schemas.microsoft.com/office/powerpoint/2010/main" xmlns:a16="http://schemas.microsoft.com/office/drawing/2014/main" xmlns="" w="9525">
                   <a:solidFill>
                     <a:srgbClr val="000000"/>
                   </a:solidFill>
@@ -16035,7 +16035,7 @@
             </a:ln>
             <a:extLst>
               <a:ext uri="{91240B29-F687-4f45-9708-019B960494DF}">
-                <a14:hiddenLine xmlns="" xmlns:a16="http://schemas.microsoft.com/office/drawing/2014/main" xmlns:p14="http://schemas.microsoft.com/office/powerpoint/2010/main" xmlns:a14="http://schemas.microsoft.com/office/drawing/2010/main" w="9525">
+                <a14:hiddenLine xmlns:a14="http://schemas.microsoft.com/office/drawing/2010/main" xmlns:p14="http://schemas.microsoft.com/office/powerpoint/2010/main" xmlns:a16="http://schemas.microsoft.com/office/drawing/2014/main" xmlns="" w="9525">
                   <a:solidFill>
                     <a:srgbClr val="000000"/>
                   </a:solidFill>
@@ -16140,7 +16140,7 @@
             </a:ln>
             <a:extLst>
               <a:ext uri="{91240B29-F687-4f45-9708-019B960494DF}">
-                <a14:hiddenLine xmlns="" xmlns:a16="http://schemas.microsoft.com/office/drawing/2014/main" xmlns:p14="http://schemas.microsoft.com/office/powerpoint/2010/main" xmlns:a14="http://schemas.microsoft.com/office/drawing/2010/main" w="9525">
+                <a14:hiddenLine xmlns:a14="http://schemas.microsoft.com/office/drawing/2010/main" xmlns:p14="http://schemas.microsoft.com/office/powerpoint/2010/main" xmlns:a16="http://schemas.microsoft.com/office/drawing/2014/main" xmlns="" w="9525">
                   <a:solidFill>
                     <a:srgbClr val="000000"/>
                   </a:solidFill>
@@ -16189,7 +16189,7 @@
             </a:ln>
             <a:extLst>
               <a:ext uri="{91240B29-F687-4f45-9708-019B960494DF}">
-                <a14:hiddenLine xmlns="" xmlns:a16="http://schemas.microsoft.com/office/drawing/2014/main" xmlns:p14="http://schemas.microsoft.com/office/powerpoint/2010/main" xmlns:a14="http://schemas.microsoft.com/office/drawing/2010/main" w="9525">
+                <a14:hiddenLine xmlns:a14="http://schemas.microsoft.com/office/drawing/2010/main" xmlns:p14="http://schemas.microsoft.com/office/powerpoint/2010/main" xmlns:a16="http://schemas.microsoft.com/office/drawing/2014/main" xmlns="" w="9525">
                   <a:solidFill>
                     <a:srgbClr val="000000"/>
                   </a:solidFill>
@@ -16269,7 +16269,7 @@
             </a:ln>
             <a:extLst>
               <a:ext uri="{91240B29-F687-4f45-9708-019B960494DF}">
-                <a14:hiddenLine xmlns="" xmlns:a16="http://schemas.microsoft.com/office/drawing/2014/main" xmlns:p14="http://schemas.microsoft.com/office/powerpoint/2010/main" xmlns:a14="http://schemas.microsoft.com/office/drawing/2010/main" w="9525">
+                <a14:hiddenLine xmlns:a14="http://schemas.microsoft.com/office/drawing/2010/main" xmlns:p14="http://schemas.microsoft.com/office/powerpoint/2010/main" xmlns:a16="http://schemas.microsoft.com/office/drawing/2014/main" xmlns="" w="9525">
                   <a:solidFill>
                     <a:srgbClr val="000000"/>
                   </a:solidFill>
@@ -16374,7 +16374,7 @@
             </a:ln>
             <a:extLst>
               <a:ext uri="{91240B29-F687-4f45-9708-019B960494DF}">
-                <a14:hiddenLine xmlns="" xmlns:a16="http://schemas.microsoft.com/office/drawing/2014/main" xmlns:p14="http://schemas.microsoft.com/office/powerpoint/2010/main" xmlns:a14="http://schemas.microsoft.com/office/drawing/2010/main" w="9525">
+                <a14:hiddenLine xmlns:a14="http://schemas.microsoft.com/office/drawing/2010/main" xmlns:p14="http://schemas.microsoft.com/office/powerpoint/2010/main" xmlns:a16="http://schemas.microsoft.com/office/drawing/2014/main" xmlns="" w="9525">
                   <a:solidFill>
                     <a:srgbClr val="000000"/>
                   </a:solidFill>
@@ -16451,7 +16451,7 @@
             </a:ln>
             <a:extLst>
               <a:ext uri="{91240B29-F687-4f45-9708-019B960494DF}">
-                <a14:hiddenLine xmlns="" xmlns:a16="http://schemas.microsoft.com/office/drawing/2014/main" xmlns:p14="http://schemas.microsoft.com/office/powerpoint/2010/main" xmlns:a14="http://schemas.microsoft.com/office/drawing/2010/main" w="9525">
+                <a14:hiddenLine xmlns:a14="http://schemas.microsoft.com/office/drawing/2010/main" xmlns:p14="http://schemas.microsoft.com/office/powerpoint/2010/main" xmlns:a16="http://schemas.microsoft.com/office/drawing/2014/main" xmlns="" w="9525">
                   <a:solidFill>
                     <a:srgbClr val="000000"/>
                   </a:solidFill>
@@ -16556,7 +16556,7 @@
             </a:ln>
             <a:extLst>
               <a:ext uri="{91240B29-F687-4f45-9708-019B960494DF}">
-                <a14:hiddenLine xmlns="" xmlns:a16="http://schemas.microsoft.com/office/drawing/2014/main" xmlns:p14="http://schemas.microsoft.com/office/powerpoint/2010/main" xmlns:a14="http://schemas.microsoft.com/office/drawing/2010/main" w="9525">
+                <a14:hiddenLine xmlns:a14="http://schemas.microsoft.com/office/drawing/2010/main" xmlns:p14="http://schemas.microsoft.com/office/powerpoint/2010/main" xmlns:a16="http://schemas.microsoft.com/office/drawing/2014/main" xmlns="" w="9525">
                   <a:solidFill>
                     <a:srgbClr val="000000"/>
                   </a:solidFill>
@@ -16661,7 +16661,7 @@
             </a:ln>
             <a:extLst>
               <a:ext uri="{91240B29-F687-4f45-9708-019B960494DF}">
-                <a14:hiddenLine xmlns="" xmlns:a16="http://schemas.microsoft.com/office/drawing/2014/main" xmlns:p14="http://schemas.microsoft.com/office/powerpoint/2010/main" xmlns:a14="http://schemas.microsoft.com/office/drawing/2010/main" w="9525">
+                <a14:hiddenLine xmlns:a14="http://schemas.microsoft.com/office/drawing/2010/main" xmlns:p14="http://schemas.microsoft.com/office/powerpoint/2010/main" xmlns:a16="http://schemas.microsoft.com/office/drawing/2014/main" xmlns="" w="9525">
                   <a:solidFill>
                     <a:srgbClr val="000000"/>
                   </a:solidFill>
@@ -16741,7 +16741,7 @@
             </a:ln>
             <a:extLst>
               <a:ext uri="{91240B29-F687-4f45-9708-019B960494DF}">
-                <a14:hiddenLine xmlns="" xmlns:a16="http://schemas.microsoft.com/office/drawing/2014/main" xmlns:p14="http://schemas.microsoft.com/office/powerpoint/2010/main" xmlns:a14="http://schemas.microsoft.com/office/drawing/2010/main" w="9525">
+                <a14:hiddenLine xmlns:a14="http://schemas.microsoft.com/office/drawing/2010/main" xmlns:p14="http://schemas.microsoft.com/office/powerpoint/2010/main" xmlns:a16="http://schemas.microsoft.com/office/drawing/2014/main" xmlns="" w="9525">
                   <a:solidFill>
                     <a:srgbClr val="000000"/>
                   </a:solidFill>
@@ -16818,7 +16818,7 @@
             </a:ln>
             <a:extLst>
               <a:ext uri="{91240B29-F687-4f45-9708-019B960494DF}">
-                <a14:hiddenLine xmlns="" xmlns:a16="http://schemas.microsoft.com/office/drawing/2014/main" xmlns:p14="http://schemas.microsoft.com/office/powerpoint/2010/main" xmlns:a14="http://schemas.microsoft.com/office/drawing/2010/main" w="9525">
+                <a14:hiddenLine xmlns:a14="http://schemas.microsoft.com/office/drawing/2010/main" xmlns:p14="http://schemas.microsoft.com/office/powerpoint/2010/main" xmlns:a16="http://schemas.microsoft.com/office/drawing/2014/main" xmlns="" w="9525">
                   <a:solidFill>
                     <a:srgbClr val="000000"/>
                   </a:solidFill>
@@ -16923,7 +16923,7 @@
             </a:ln>
             <a:extLst>
               <a:ext uri="{91240B29-F687-4f45-9708-019B960494DF}">
-                <a14:hiddenLine xmlns="" xmlns:a16="http://schemas.microsoft.com/office/drawing/2014/main" xmlns:p14="http://schemas.microsoft.com/office/powerpoint/2010/main" xmlns:a14="http://schemas.microsoft.com/office/drawing/2010/main" w="9525">
+                <a14:hiddenLine xmlns:a14="http://schemas.microsoft.com/office/drawing/2010/main" xmlns:p14="http://schemas.microsoft.com/office/powerpoint/2010/main" xmlns:a16="http://schemas.microsoft.com/office/drawing/2014/main" xmlns="" w="9525">
                   <a:solidFill>
                     <a:srgbClr val="000000"/>
                   </a:solidFill>
@@ -17028,7 +17028,7 @@
             </a:ln>
             <a:extLst>
               <a:ext uri="{91240B29-F687-4f45-9708-019B960494DF}">
-                <a14:hiddenLine xmlns="" xmlns:a16="http://schemas.microsoft.com/office/drawing/2014/main" xmlns:p14="http://schemas.microsoft.com/office/powerpoint/2010/main" xmlns:a14="http://schemas.microsoft.com/office/drawing/2010/main" w="9525">
+                <a14:hiddenLine xmlns:a14="http://schemas.microsoft.com/office/drawing/2010/main" xmlns:p14="http://schemas.microsoft.com/office/powerpoint/2010/main" xmlns:a16="http://schemas.microsoft.com/office/drawing/2014/main" xmlns="" w="9525">
                   <a:solidFill>
                     <a:srgbClr val="000000"/>
                   </a:solidFill>
@@ -17105,7 +17105,7 @@
             </a:ln>
             <a:extLst>
               <a:ext uri="{91240B29-F687-4f45-9708-019B960494DF}">
-                <a14:hiddenLine xmlns="" xmlns:a16="http://schemas.microsoft.com/office/drawing/2014/main" xmlns:p14="http://schemas.microsoft.com/office/powerpoint/2010/main" xmlns:a14="http://schemas.microsoft.com/office/drawing/2010/main" w="9525">
+                <a14:hiddenLine xmlns:a14="http://schemas.microsoft.com/office/drawing/2010/main" xmlns:p14="http://schemas.microsoft.com/office/powerpoint/2010/main" xmlns:a16="http://schemas.microsoft.com/office/drawing/2014/main" xmlns="" w="9525">
                   <a:solidFill>
                     <a:srgbClr val="000000"/>
                   </a:solidFill>
@@ -17240,7 +17240,7 @@
             </a:ln>
             <a:extLst>
               <a:ext uri="{91240B29-F687-4f45-9708-019B960494DF}">
-                <a14:hiddenLine xmlns="" xmlns:a16="http://schemas.microsoft.com/office/drawing/2014/main" xmlns:p14="http://schemas.microsoft.com/office/powerpoint/2010/main" xmlns:a14="http://schemas.microsoft.com/office/drawing/2010/main" w="9525">
+                <a14:hiddenLine xmlns:a14="http://schemas.microsoft.com/office/drawing/2010/main" xmlns:p14="http://schemas.microsoft.com/office/powerpoint/2010/main" xmlns:a16="http://schemas.microsoft.com/office/drawing/2014/main" xmlns="" w="9525">
                   <a:solidFill>
                     <a:srgbClr val="000000"/>
                   </a:solidFill>
@@ -17323,7 +17323,7 @@
             </a:ln>
             <a:extLst>
               <a:ext uri="{91240B29-F687-4f45-9708-019B960494DF}">
-                <a14:hiddenLine xmlns="" xmlns:a16="http://schemas.microsoft.com/office/drawing/2014/main" xmlns:p14="http://schemas.microsoft.com/office/powerpoint/2010/main" xmlns:a14="http://schemas.microsoft.com/office/drawing/2010/main" w="9525">
+                <a14:hiddenLine xmlns:a14="http://schemas.microsoft.com/office/drawing/2010/main" xmlns:p14="http://schemas.microsoft.com/office/powerpoint/2010/main" xmlns:a16="http://schemas.microsoft.com/office/drawing/2014/main" xmlns="" w="9525">
                   <a:solidFill>
                     <a:srgbClr val="000000"/>
                   </a:solidFill>
@@ -17428,7 +17428,7 @@
             </a:ln>
             <a:extLst>
               <a:ext uri="{91240B29-F687-4f45-9708-019B960494DF}">
-                <a14:hiddenLine xmlns="" xmlns:a16="http://schemas.microsoft.com/office/drawing/2014/main" xmlns:p14="http://schemas.microsoft.com/office/powerpoint/2010/main" xmlns:a14="http://schemas.microsoft.com/office/drawing/2010/main" w="9525">
+                <a14:hiddenLine xmlns:a14="http://schemas.microsoft.com/office/drawing/2010/main" xmlns:p14="http://schemas.microsoft.com/office/powerpoint/2010/main" xmlns:a16="http://schemas.microsoft.com/office/drawing/2014/main" xmlns="" w="9525">
                   <a:solidFill>
                     <a:srgbClr val="000000"/>
                   </a:solidFill>
@@ -17496,7 +17496,7 @@
           <a:noFill/>
           <a:extLst>
             <a:ext uri="{909E8E84-426E-40dd-AFC4-6F175D3DCCD1}">
-              <a14:hiddenFill xmlns="" xmlns:a16="http://schemas.microsoft.com/office/drawing/2014/main" xmlns:p14="http://schemas.microsoft.com/office/powerpoint/2010/main" xmlns:a14="http://schemas.microsoft.com/office/drawing/2010/main">
+              <a14:hiddenFill xmlns:a14="http://schemas.microsoft.com/office/drawing/2010/main" xmlns:p14="http://schemas.microsoft.com/office/powerpoint/2010/main" xmlns:a16="http://schemas.microsoft.com/office/drawing/2014/main" xmlns="">
                 <a:solidFill>
                   <a:srgbClr val="FFFFFF"/>
                 </a:solidFill>
@@ -18725,7 +18725,22 @@
           <a:bodyPr/>
           <a:lstStyle/>
           <a:p>
-            <a:endParaRPr lang="en-US" dirty="0"/>
+            <a:r>
+              <a:rPr lang="en-US" dirty="0"/>
+              <a:t>Collected Data </a:t>
+            </a:r>
+          </a:p>
+          <a:p>
+            <a:r>
+              <a:rPr lang="en-US" dirty="0"/>
+              <a:t>Created and Populated the Database</a:t>
+            </a:r>
+          </a:p>
+          <a:p>
+            <a:r>
+              <a:rPr lang="en-US" dirty="0"/>
+              <a:t>Assisted with visualizations</a:t>
+            </a:r>
           </a:p>
         </p:txBody>
       </p:sp>

--- a/Mibrary.pptx
+++ b/Mibrary.pptx
@@ -173,7 +173,7 @@
           <a:noFill/>
           <a:extLst>
             <a:ext uri="{909E8E84-426E-40dd-AFC4-6F175D3DCCD1}">
-              <a14:hiddenFill xmlns="" xmlns:a14="http://schemas.microsoft.com/office/drawing/2010/main">
+              <a14:hiddenFill xmlns:a14="http://schemas.microsoft.com/office/drawing/2010/main" xmlns="">
                 <a:solidFill>
                   <a:srgbClr val="FFFFFF"/>
                 </a:solidFill>
@@ -233,7 +233,7 @@
             </a:ln>
             <a:extLst>
               <a:ext uri="{91240B29-F687-4f45-9708-019B960494DF}">
-                <a14:hiddenLine xmlns="" xmlns:a14="http://schemas.microsoft.com/office/drawing/2010/main" w="9525">
+                <a14:hiddenLine xmlns:a14="http://schemas.microsoft.com/office/drawing/2010/main" xmlns="" w="9525">
                   <a:solidFill>
                     <a:srgbClr val="000000"/>
                   </a:solidFill>
@@ -323,7 +323,7 @@
             </a:ln>
             <a:extLst>
               <a:ext uri="{91240B29-F687-4f45-9708-019B960494DF}">
-                <a14:hiddenLine xmlns="" xmlns:a14="http://schemas.microsoft.com/office/drawing/2010/main" w="9525">
+                <a14:hiddenLine xmlns:a14="http://schemas.microsoft.com/office/drawing/2010/main" xmlns="" w="9525">
                   <a:solidFill>
                     <a:srgbClr val="000000"/>
                   </a:solidFill>
@@ -413,7 +413,7 @@
             </a:ln>
             <a:extLst>
               <a:ext uri="{91240B29-F687-4f45-9708-019B960494DF}">
-                <a14:hiddenLine xmlns="" xmlns:a14="http://schemas.microsoft.com/office/drawing/2010/main" w="9525">
+                <a14:hiddenLine xmlns:a14="http://schemas.microsoft.com/office/drawing/2010/main" xmlns="" w="9525">
                   <a:solidFill>
                     <a:srgbClr val="000000"/>
                   </a:solidFill>
@@ -447,7 +447,7 @@
             </a:ln>
             <a:extLst>
               <a:ext uri="{91240B29-F687-4f45-9708-019B960494DF}">
-                <a14:hiddenLine xmlns="" xmlns:a14="http://schemas.microsoft.com/office/drawing/2010/main" w="9525">
+                <a14:hiddenLine xmlns:a14="http://schemas.microsoft.com/office/drawing/2010/main" xmlns="" w="9525">
                   <a:solidFill>
                     <a:srgbClr val="000000"/>
                   </a:solidFill>
@@ -537,7 +537,7 @@
             </a:ln>
             <a:extLst>
               <a:ext uri="{91240B29-F687-4f45-9708-019B960494DF}">
-                <a14:hiddenLine xmlns="" xmlns:a14="http://schemas.microsoft.com/office/drawing/2010/main" w="9525">
+                <a14:hiddenLine xmlns:a14="http://schemas.microsoft.com/office/drawing/2010/main" xmlns="" w="9525">
                   <a:solidFill>
                     <a:srgbClr val="000000"/>
                   </a:solidFill>
@@ -599,7 +599,7 @@
             </a:ln>
             <a:extLst>
               <a:ext uri="{91240B29-F687-4f45-9708-019B960494DF}">
-                <a14:hiddenLine xmlns="" xmlns:a14="http://schemas.microsoft.com/office/drawing/2010/main" w="9525">
+                <a14:hiddenLine xmlns:a14="http://schemas.microsoft.com/office/drawing/2010/main" xmlns="" w="9525">
                   <a:solidFill>
                     <a:srgbClr val="000000"/>
                   </a:solidFill>
@@ -661,7 +661,7 @@
             </a:ln>
             <a:extLst>
               <a:ext uri="{91240B29-F687-4f45-9708-019B960494DF}">
-                <a14:hiddenLine xmlns="" xmlns:a14="http://schemas.microsoft.com/office/drawing/2010/main" w="9525">
+                <a14:hiddenLine xmlns:a14="http://schemas.microsoft.com/office/drawing/2010/main" xmlns="" w="9525">
                   <a:solidFill>
                     <a:srgbClr val="000000"/>
                   </a:solidFill>
@@ -751,7 +751,7 @@
             </a:ln>
             <a:extLst>
               <a:ext uri="{91240B29-F687-4f45-9708-019B960494DF}">
-                <a14:hiddenLine xmlns="" xmlns:a14="http://schemas.microsoft.com/office/drawing/2010/main" w="9525">
+                <a14:hiddenLine xmlns:a14="http://schemas.microsoft.com/office/drawing/2010/main" xmlns="" w="9525">
                   <a:solidFill>
                     <a:srgbClr val="000000"/>
                   </a:solidFill>
@@ -813,7 +813,7 @@
             </a:ln>
             <a:extLst>
               <a:ext uri="{91240B29-F687-4f45-9708-019B960494DF}">
-                <a14:hiddenLine xmlns="" xmlns:a14="http://schemas.microsoft.com/office/drawing/2010/main" w="9525">
+                <a14:hiddenLine xmlns:a14="http://schemas.microsoft.com/office/drawing/2010/main" xmlns="" w="9525">
                   <a:solidFill>
                     <a:srgbClr val="000000"/>
                   </a:solidFill>
@@ -875,7 +875,7 @@
             </a:ln>
             <a:extLst>
               <a:ext uri="{91240B29-F687-4f45-9708-019B960494DF}">
-                <a14:hiddenLine xmlns="" xmlns:a14="http://schemas.microsoft.com/office/drawing/2010/main" w="9525">
+                <a14:hiddenLine xmlns:a14="http://schemas.microsoft.com/office/drawing/2010/main" xmlns="" w="9525">
                   <a:solidFill>
                     <a:srgbClr val="000000"/>
                   </a:solidFill>
@@ -965,7 +965,7 @@
             </a:ln>
             <a:extLst>
               <a:ext uri="{91240B29-F687-4f45-9708-019B960494DF}">
-                <a14:hiddenLine xmlns="" xmlns:a14="http://schemas.microsoft.com/office/drawing/2010/main" w="9525">
+                <a14:hiddenLine xmlns:a14="http://schemas.microsoft.com/office/drawing/2010/main" xmlns="" w="9525">
                   <a:solidFill>
                     <a:srgbClr val="000000"/>
                   </a:solidFill>
@@ -1055,7 +1055,7 @@
             </a:ln>
             <a:extLst>
               <a:ext uri="{91240B29-F687-4f45-9708-019B960494DF}">
-                <a14:hiddenLine xmlns="" xmlns:a14="http://schemas.microsoft.com/office/drawing/2010/main" w="9525">
+                <a14:hiddenLine xmlns:a14="http://schemas.microsoft.com/office/drawing/2010/main" xmlns="" w="9525">
                   <a:solidFill>
                     <a:srgbClr val="000000"/>
                   </a:solidFill>
@@ -1117,7 +1117,7 @@
             </a:ln>
             <a:extLst>
               <a:ext uri="{91240B29-F687-4f45-9708-019B960494DF}">
-                <a14:hiddenLine xmlns="" xmlns:a14="http://schemas.microsoft.com/office/drawing/2010/main" w="9525">
+                <a14:hiddenLine xmlns:a14="http://schemas.microsoft.com/office/drawing/2010/main" xmlns="" w="9525">
                   <a:solidFill>
                     <a:srgbClr val="000000"/>
                   </a:solidFill>
@@ -1227,7 +1227,7 @@
             </a:ln>
             <a:extLst>
               <a:ext uri="{91240B29-F687-4f45-9708-019B960494DF}">
-                <a14:hiddenLine xmlns="" xmlns:a14="http://schemas.microsoft.com/office/drawing/2010/main" w="9525">
+                <a14:hiddenLine xmlns:a14="http://schemas.microsoft.com/office/drawing/2010/main" xmlns="" w="9525">
                   <a:solidFill>
                     <a:srgbClr val="000000"/>
                   </a:solidFill>
@@ -1289,7 +1289,7 @@
             </a:ln>
             <a:extLst>
               <a:ext uri="{91240B29-F687-4f45-9708-019B960494DF}">
-                <a14:hiddenLine xmlns="" xmlns:a14="http://schemas.microsoft.com/office/drawing/2010/main" w="9525">
+                <a14:hiddenLine xmlns:a14="http://schemas.microsoft.com/office/drawing/2010/main" xmlns="" w="9525">
                   <a:solidFill>
                     <a:srgbClr val="000000"/>
                   </a:solidFill>
@@ -1379,7 +1379,7 @@
             </a:ln>
             <a:extLst>
               <a:ext uri="{91240B29-F687-4f45-9708-019B960494DF}">
-                <a14:hiddenLine xmlns="" xmlns:a14="http://schemas.microsoft.com/office/drawing/2010/main" w="9525">
+                <a14:hiddenLine xmlns:a14="http://schemas.microsoft.com/office/drawing/2010/main" xmlns="" w="9525">
                   <a:solidFill>
                     <a:srgbClr val="000000"/>
                   </a:solidFill>
@@ -1469,7 +1469,7 @@
             </a:ln>
             <a:extLst>
               <a:ext uri="{91240B29-F687-4f45-9708-019B960494DF}">
-                <a14:hiddenLine xmlns="" xmlns:a14="http://schemas.microsoft.com/office/drawing/2010/main" w="9525">
+                <a14:hiddenLine xmlns:a14="http://schemas.microsoft.com/office/drawing/2010/main" xmlns="" w="9525">
                   <a:solidFill>
                     <a:srgbClr val="000000"/>
                   </a:solidFill>
@@ -1531,7 +1531,7 @@
             </a:ln>
             <a:extLst>
               <a:ext uri="{91240B29-F687-4f45-9708-019B960494DF}">
-                <a14:hiddenLine xmlns="" xmlns:a14="http://schemas.microsoft.com/office/drawing/2010/main" w="9525">
+                <a14:hiddenLine xmlns:a14="http://schemas.microsoft.com/office/drawing/2010/main" xmlns="" w="9525">
                   <a:solidFill>
                     <a:srgbClr val="000000"/>
                   </a:solidFill>
@@ -1621,7 +1621,7 @@
             </a:ln>
             <a:extLst>
               <a:ext uri="{91240B29-F687-4f45-9708-019B960494DF}">
-                <a14:hiddenLine xmlns="" xmlns:a14="http://schemas.microsoft.com/office/drawing/2010/main" w="9525">
+                <a14:hiddenLine xmlns:a14="http://schemas.microsoft.com/office/drawing/2010/main" xmlns="" w="9525">
                   <a:solidFill>
                     <a:srgbClr val="000000"/>
                   </a:solidFill>
@@ -1711,7 +1711,7 @@
             </a:ln>
             <a:extLst>
               <a:ext uri="{91240B29-F687-4f45-9708-019B960494DF}">
-                <a14:hiddenLine xmlns="" xmlns:a14="http://schemas.microsoft.com/office/drawing/2010/main" w="9525">
+                <a14:hiddenLine xmlns:a14="http://schemas.microsoft.com/office/drawing/2010/main" xmlns="" w="9525">
                   <a:solidFill>
                     <a:srgbClr val="000000"/>
                   </a:solidFill>
@@ -1767,7 +1767,7 @@
             </a:ln>
             <a:extLst>
               <a:ext uri="{91240B29-F687-4f45-9708-019B960494DF}">
-                <a14:hiddenLine xmlns="" xmlns:a14="http://schemas.microsoft.com/office/drawing/2010/main" w="9525">
+                <a14:hiddenLine xmlns:a14="http://schemas.microsoft.com/office/drawing/2010/main" xmlns="" w="9525">
                   <a:solidFill>
                     <a:srgbClr val="000000"/>
                   </a:solidFill>
@@ -1857,7 +1857,7 @@
             </a:ln>
             <a:extLst>
               <a:ext uri="{91240B29-F687-4f45-9708-019B960494DF}">
-                <a14:hiddenLine xmlns="" xmlns:a14="http://schemas.microsoft.com/office/drawing/2010/main" w="9525">
+                <a14:hiddenLine xmlns:a14="http://schemas.microsoft.com/office/drawing/2010/main" xmlns="" w="9525">
                   <a:solidFill>
                     <a:srgbClr val="000000"/>
                   </a:solidFill>
@@ -1913,7 +1913,7 @@
             </a:ln>
             <a:extLst>
               <a:ext uri="{91240B29-F687-4f45-9708-019B960494DF}">
-                <a14:hiddenLine xmlns="" xmlns:a14="http://schemas.microsoft.com/office/drawing/2010/main" w="9525">
+                <a14:hiddenLine xmlns:a14="http://schemas.microsoft.com/office/drawing/2010/main" xmlns="" w="9525">
                   <a:solidFill>
                     <a:srgbClr val="000000"/>
                   </a:solidFill>
@@ -2003,7 +2003,7 @@
             </a:ln>
             <a:extLst>
               <a:ext uri="{91240B29-F687-4f45-9708-019B960494DF}">
-                <a14:hiddenLine xmlns="" xmlns:a14="http://schemas.microsoft.com/office/drawing/2010/main" w="9525">
+                <a14:hiddenLine xmlns:a14="http://schemas.microsoft.com/office/drawing/2010/main" xmlns="" w="9525">
                   <a:solidFill>
                     <a:srgbClr val="000000"/>
                   </a:solidFill>
@@ -2071,7 +2071,7 @@
             </a:ln>
             <a:extLst>
               <a:ext uri="{91240B29-F687-4f45-9708-019B960494DF}">
-                <a14:hiddenLine xmlns="" xmlns:a14="http://schemas.microsoft.com/office/drawing/2010/main" w="9525">
+                <a14:hiddenLine xmlns:a14="http://schemas.microsoft.com/office/drawing/2010/main" xmlns="" w="9525">
                   <a:solidFill>
                     <a:srgbClr val="000000"/>
                   </a:solidFill>
@@ -2161,7 +2161,7 @@
             </a:ln>
             <a:extLst>
               <a:ext uri="{91240B29-F687-4f45-9708-019B960494DF}">
-                <a14:hiddenLine xmlns="" xmlns:a14="http://schemas.microsoft.com/office/drawing/2010/main" w="9525">
+                <a14:hiddenLine xmlns:a14="http://schemas.microsoft.com/office/drawing/2010/main" xmlns="" w="9525">
                   <a:solidFill>
                     <a:srgbClr val="000000"/>
                   </a:solidFill>
@@ -2229,7 +2229,7 @@
             </a:ln>
             <a:extLst>
               <a:ext uri="{91240B29-F687-4f45-9708-019B960494DF}">
-                <a14:hiddenLine xmlns="" xmlns:a14="http://schemas.microsoft.com/office/drawing/2010/main" w="9525">
+                <a14:hiddenLine xmlns:a14="http://schemas.microsoft.com/office/drawing/2010/main" xmlns="" w="9525">
                   <a:solidFill>
                     <a:srgbClr val="000000"/>
                   </a:solidFill>
@@ -2319,7 +2319,7 @@
             </a:ln>
             <a:extLst>
               <a:ext uri="{91240B29-F687-4f45-9708-019B960494DF}">
-                <a14:hiddenLine xmlns="" xmlns:a14="http://schemas.microsoft.com/office/drawing/2010/main" w="9525">
+                <a14:hiddenLine xmlns:a14="http://schemas.microsoft.com/office/drawing/2010/main" xmlns="" w="9525">
                   <a:solidFill>
                     <a:srgbClr val="000000"/>
                   </a:solidFill>
@@ -2353,7 +2353,7 @@
             </a:ln>
             <a:extLst>
               <a:ext uri="{91240B29-F687-4f45-9708-019B960494DF}">
-                <a14:hiddenLine xmlns="" xmlns:a14="http://schemas.microsoft.com/office/drawing/2010/main" w="9525">
+                <a14:hiddenLine xmlns:a14="http://schemas.microsoft.com/office/drawing/2010/main" xmlns="" w="9525">
                   <a:solidFill>
                     <a:srgbClr val="000000"/>
                   </a:solidFill>
@@ -2443,7 +2443,7 @@
             </a:ln>
             <a:extLst>
               <a:ext uri="{91240B29-F687-4f45-9708-019B960494DF}">
-                <a14:hiddenLine xmlns="" xmlns:a14="http://schemas.microsoft.com/office/drawing/2010/main" w="9525">
+                <a14:hiddenLine xmlns:a14="http://schemas.microsoft.com/office/drawing/2010/main" xmlns="" w="9525">
                   <a:solidFill>
                     <a:srgbClr val="000000"/>
                   </a:solidFill>
@@ -2505,7 +2505,7 @@
             </a:ln>
             <a:extLst>
               <a:ext uri="{91240B29-F687-4f45-9708-019B960494DF}">
-                <a14:hiddenLine xmlns="" xmlns:a14="http://schemas.microsoft.com/office/drawing/2010/main" w="9525">
+                <a14:hiddenLine xmlns:a14="http://schemas.microsoft.com/office/drawing/2010/main" xmlns="" w="9525">
                   <a:solidFill>
                     <a:srgbClr val="000000"/>
                   </a:solidFill>
@@ -2567,7 +2567,7 @@
             </a:ln>
             <a:extLst>
               <a:ext uri="{91240B29-F687-4f45-9708-019B960494DF}">
-                <a14:hiddenLine xmlns="" xmlns:a14="http://schemas.microsoft.com/office/drawing/2010/main" w="9525">
+                <a14:hiddenLine xmlns:a14="http://schemas.microsoft.com/office/drawing/2010/main" xmlns="" w="9525">
                   <a:solidFill>
                     <a:srgbClr val="000000"/>
                   </a:solidFill>
@@ -2657,7 +2657,7 @@
             </a:ln>
             <a:extLst>
               <a:ext uri="{91240B29-F687-4f45-9708-019B960494DF}">
-                <a14:hiddenLine xmlns="" xmlns:a14="http://schemas.microsoft.com/office/drawing/2010/main" w="9525">
+                <a14:hiddenLine xmlns:a14="http://schemas.microsoft.com/office/drawing/2010/main" xmlns="" w="9525">
                   <a:solidFill>
                     <a:srgbClr val="000000"/>
                   </a:solidFill>
@@ -2725,7 +2725,7 @@
             </a:ln>
             <a:extLst>
               <a:ext uri="{91240B29-F687-4f45-9708-019B960494DF}">
-                <a14:hiddenLine xmlns="" xmlns:a14="http://schemas.microsoft.com/office/drawing/2010/main" w="9525">
+                <a14:hiddenLine xmlns:a14="http://schemas.microsoft.com/office/drawing/2010/main" xmlns="" w="9525">
                   <a:solidFill>
                     <a:srgbClr val="000000"/>
                   </a:solidFill>
@@ -2787,7 +2787,7 @@
             </a:ln>
             <a:extLst>
               <a:ext uri="{91240B29-F687-4f45-9708-019B960494DF}">
-                <a14:hiddenLine xmlns="" xmlns:a14="http://schemas.microsoft.com/office/drawing/2010/main" w="9525">
+                <a14:hiddenLine xmlns:a14="http://schemas.microsoft.com/office/drawing/2010/main" xmlns="" w="9525">
                   <a:solidFill>
                     <a:srgbClr val="000000"/>
                   </a:solidFill>
@@ -2877,7 +2877,7 @@
             </a:ln>
             <a:extLst>
               <a:ext uri="{91240B29-F687-4f45-9708-019B960494DF}">
-                <a14:hiddenLine xmlns="" xmlns:a14="http://schemas.microsoft.com/office/drawing/2010/main" w="9525">
+                <a14:hiddenLine xmlns:a14="http://schemas.microsoft.com/office/drawing/2010/main" xmlns="" w="9525">
                   <a:solidFill>
                     <a:srgbClr val="000000"/>
                   </a:solidFill>
@@ -2939,7 +2939,7 @@
             </a:ln>
             <a:extLst>
               <a:ext uri="{91240B29-F687-4f45-9708-019B960494DF}">
-                <a14:hiddenLine xmlns="" xmlns:a14="http://schemas.microsoft.com/office/drawing/2010/main" w="9525">
+                <a14:hiddenLine xmlns:a14="http://schemas.microsoft.com/office/drawing/2010/main" xmlns="" w="9525">
                   <a:solidFill>
                     <a:srgbClr val="000000"/>
                   </a:solidFill>
@@ -3029,7 +3029,7 @@
             </a:ln>
             <a:extLst>
               <a:ext uri="{91240B29-F687-4f45-9708-019B960494DF}">
-                <a14:hiddenLine xmlns="" xmlns:a14="http://schemas.microsoft.com/office/drawing/2010/main" w="9525">
+                <a14:hiddenLine xmlns:a14="http://schemas.microsoft.com/office/drawing/2010/main" xmlns="" w="9525">
                   <a:solidFill>
                     <a:srgbClr val="000000"/>
                   </a:solidFill>
@@ -3091,7 +3091,7 @@
             </a:ln>
             <a:extLst>
               <a:ext uri="{91240B29-F687-4f45-9708-019B960494DF}">
-                <a14:hiddenLine xmlns="" xmlns:a14="http://schemas.microsoft.com/office/drawing/2010/main" w="9525">
+                <a14:hiddenLine xmlns:a14="http://schemas.microsoft.com/office/drawing/2010/main" xmlns="" w="9525">
                   <a:solidFill>
                     <a:srgbClr val="000000"/>
                   </a:solidFill>
@@ -3181,7 +3181,7 @@
             </a:ln>
             <a:extLst>
               <a:ext uri="{91240B29-F687-4f45-9708-019B960494DF}">
-                <a14:hiddenLine xmlns="" xmlns:a14="http://schemas.microsoft.com/office/drawing/2010/main" w="9525">
+                <a14:hiddenLine xmlns:a14="http://schemas.microsoft.com/office/drawing/2010/main" xmlns="" w="9525">
                   <a:solidFill>
                     <a:srgbClr val="000000"/>
                   </a:solidFill>
@@ -3215,7 +3215,7 @@
             </a:ln>
             <a:extLst>
               <a:ext uri="{91240B29-F687-4f45-9708-019B960494DF}">
-                <a14:hiddenLine xmlns="" xmlns:a14="http://schemas.microsoft.com/office/drawing/2010/main" w="9525">
+                <a14:hiddenLine xmlns:a14="http://schemas.microsoft.com/office/drawing/2010/main" xmlns="" w="9525">
                   <a:solidFill>
                     <a:srgbClr val="000000"/>
                   </a:solidFill>
@@ -3280,7 +3280,7 @@
             </a:ln>
             <a:extLst>
               <a:ext uri="{91240B29-F687-4f45-9708-019B960494DF}">
-                <a14:hiddenLine xmlns="" xmlns:a14="http://schemas.microsoft.com/office/drawing/2010/main" w="9525">
+                <a14:hiddenLine xmlns:a14="http://schemas.microsoft.com/office/drawing/2010/main" xmlns="" w="9525">
                   <a:solidFill>
                     <a:srgbClr val="000000"/>
                   </a:solidFill>
@@ -3370,7 +3370,7 @@
             </a:ln>
             <a:extLst>
               <a:ext uri="{91240B29-F687-4f45-9708-019B960494DF}">
-                <a14:hiddenLine xmlns="" xmlns:a14="http://schemas.microsoft.com/office/drawing/2010/main" w="9525">
+                <a14:hiddenLine xmlns:a14="http://schemas.microsoft.com/office/drawing/2010/main" xmlns="" w="9525">
                   <a:solidFill>
                     <a:srgbClr val="000000"/>
                   </a:solidFill>
@@ -3432,7 +3432,7 @@
             </a:ln>
             <a:extLst>
               <a:ext uri="{91240B29-F687-4f45-9708-019B960494DF}">
-                <a14:hiddenLine xmlns="" xmlns:a14="http://schemas.microsoft.com/office/drawing/2010/main" w="9525">
+                <a14:hiddenLine xmlns:a14="http://schemas.microsoft.com/office/drawing/2010/main" xmlns="" w="9525">
                   <a:solidFill>
                     <a:srgbClr val="000000"/>
                   </a:solidFill>
@@ -3522,7 +3522,7 @@
             </a:ln>
             <a:extLst>
               <a:ext uri="{91240B29-F687-4f45-9708-019B960494DF}">
-                <a14:hiddenLine xmlns="" xmlns:a14="http://schemas.microsoft.com/office/drawing/2010/main" w="9525">
+                <a14:hiddenLine xmlns:a14="http://schemas.microsoft.com/office/drawing/2010/main" xmlns="" w="9525">
                   <a:solidFill>
                     <a:srgbClr val="000000"/>
                   </a:solidFill>
@@ -3612,7 +3612,7 @@
             </a:ln>
             <a:extLst>
               <a:ext uri="{91240B29-F687-4f45-9708-019B960494DF}">
-                <a14:hiddenLine xmlns="" xmlns:a14="http://schemas.microsoft.com/office/drawing/2010/main" w="9525">
+                <a14:hiddenLine xmlns:a14="http://schemas.microsoft.com/office/drawing/2010/main" xmlns="" w="9525">
                   <a:solidFill>
                     <a:srgbClr val="000000"/>
                   </a:solidFill>
@@ -3677,7 +3677,7 @@
             </a:ln>
             <a:extLst>
               <a:ext uri="{91240B29-F687-4f45-9708-019B960494DF}">
-                <a14:hiddenLine xmlns="" xmlns:a14="http://schemas.microsoft.com/office/drawing/2010/main" w="9525">
+                <a14:hiddenLine xmlns:a14="http://schemas.microsoft.com/office/drawing/2010/main" xmlns="" w="9525">
                   <a:solidFill>
                     <a:srgbClr val="000000"/>
                   </a:solidFill>
@@ -3739,7 +3739,7 @@
             </a:ln>
             <a:extLst>
               <a:ext uri="{91240B29-F687-4f45-9708-019B960494DF}">
-                <a14:hiddenLine xmlns="" xmlns:a14="http://schemas.microsoft.com/office/drawing/2010/main" w="9525">
+                <a14:hiddenLine xmlns:a14="http://schemas.microsoft.com/office/drawing/2010/main" xmlns="" w="9525">
                   <a:solidFill>
                     <a:srgbClr val="000000"/>
                   </a:solidFill>
@@ -3829,7 +3829,7 @@
             </a:ln>
             <a:extLst>
               <a:ext uri="{91240B29-F687-4f45-9708-019B960494DF}">
-                <a14:hiddenLine xmlns="" xmlns:a14="http://schemas.microsoft.com/office/drawing/2010/main" w="9525">
+                <a14:hiddenLine xmlns:a14="http://schemas.microsoft.com/office/drawing/2010/main" xmlns="" w="9525">
                   <a:solidFill>
                     <a:srgbClr val="000000"/>
                   </a:solidFill>
@@ -3919,7 +3919,7 @@
             </a:ln>
             <a:extLst>
               <a:ext uri="{91240B29-F687-4f45-9708-019B960494DF}">
-                <a14:hiddenLine xmlns="" xmlns:a14="http://schemas.microsoft.com/office/drawing/2010/main" w="9525">
+                <a14:hiddenLine xmlns:a14="http://schemas.microsoft.com/office/drawing/2010/main" xmlns="" w="9525">
                   <a:solidFill>
                     <a:srgbClr val="000000"/>
                   </a:solidFill>
@@ -3981,7 +3981,7 @@
             </a:ln>
             <a:extLst>
               <a:ext uri="{91240B29-F687-4f45-9708-019B960494DF}">
-                <a14:hiddenLine xmlns="" xmlns:a14="http://schemas.microsoft.com/office/drawing/2010/main" w="9525">
+                <a14:hiddenLine xmlns:a14="http://schemas.microsoft.com/office/drawing/2010/main" xmlns="" w="9525">
                   <a:solidFill>
                     <a:srgbClr val="000000"/>
                   </a:solidFill>
@@ -4101,7 +4101,7 @@
             </a:ln>
             <a:extLst>
               <a:ext uri="{91240B29-F687-4f45-9708-019B960494DF}">
-                <a14:hiddenLine xmlns="" xmlns:a14="http://schemas.microsoft.com/office/drawing/2010/main" w="9525">
+                <a14:hiddenLine xmlns:a14="http://schemas.microsoft.com/office/drawing/2010/main" xmlns="" w="9525">
                   <a:solidFill>
                     <a:srgbClr val="000000"/>
                   </a:solidFill>
@@ -4169,7 +4169,7 @@
             </a:ln>
             <a:extLst>
               <a:ext uri="{91240B29-F687-4f45-9708-019B960494DF}">
-                <a14:hiddenLine xmlns="" xmlns:a14="http://schemas.microsoft.com/office/drawing/2010/main" w="9525">
+                <a14:hiddenLine xmlns:a14="http://schemas.microsoft.com/office/drawing/2010/main" xmlns="" w="9525">
                   <a:solidFill>
                     <a:srgbClr val="000000"/>
                   </a:solidFill>
@@ -4259,7 +4259,7 @@
             </a:ln>
             <a:extLst>
               <a:ext uri="{91240B29-F687-4f45-9708-019B960494DF}">
-                <a14:hiddenLine xmlns="" xmlns:a14="http://schemas.microsoft.com/office/drawing/2010/main" w="9525">
+                <a14:hiddenLine xmlns:a14="http://schemas.microsoft.com/office/drawing/2010/main" xmlns="" w="9525">
                   <a:solidFill>
                     <a:srgbClr val="000000"/>
                   </a:solidFill>
@@ -9066,7 +9066,7 @@
           <a:noFill/>
           <a:extLst>
             <a:ext uri="{909E8E84-426E-40dd-AFC4-6F175D3DCCD1}">
-              <a14:hiddenFill xmlns="" xmlns:a14="http://schemas.microsoft.com/office/drawing/2010/main">
+              <a14:hiddenFill xmlns:a14="http://schemas.microsoft.com/office/drawing/2010/main" xmlns="">
                 <a:solidFill>
                   <a:srgbClr val="FFFFFF"/>
                 </a:solidFill>
@@ -9140,7 +9140,7 @@
               </a:ln>
               <a:extLst>
                 <a:ext uri="{91240B29-F687-4f45-9708-019B960494DF}">
-                  <a14:hiddenLine xmlns="" xmlns:a14="http://schemas.microsoft.com/office/drawing/2010/main" w="9525">
+                  <a14:hiddenLine xmlns:a14="http://schemas.microsoft.com/office/drawing/2010/main" xmlns="" w="9525">
                     <a:solidFill>
                       <a:srgbClr val="000000"/>
                     </a:solidFill>
@@ -9230,7 +9230,7 @@
               </a:ln>
               <a:extLst>
                 <a:ext uri="{91240B29-F687-4f45-9708-019B960494DF}">
-                  <a14:hiddenLine xmlns="" xmlns:a14="http://schemas.microsoft.com/office/drawing/2010/main" w="9525">
+                  <a14:hiddenLine xmlns:a14="http://schemas.microsoft.com/office/drawing/2010/main" xmlns="" w="9525">
                     <a:solidFill>
                       <a:srgbClr val="000000"/>
                     </a:solidFill>
@@ -9320,7 +9320,7 @@
               </a:ln>
               <a:extLst>
                 <a:ext uri="{91240B29-F687-4f45-9708-019B960494DF}">
-                  <a14:hiddenLine xmlns="" xmlns:a14="http://schemas.microsoft.com/office/drawing/2010/main" w="9525">
+                  <a14:hiddenLine xmlns:a14="http://schemas.microsoft.com/office/drawing/2010/main" xmlns="" w="9525">
                     <a:solidFill>
                       <a:srgbClr val="000000"/>
                     </a:solidFill>
@@ -9382,7 +9382,7 @@
               </a:ln>
               <a:extLst>
                 <a:ext uri="{91240B29-F687-4f45-9708-019B960494DF}">
-                  <a14:hiddenLine xmlns="" xmlns:a14="http://schemas.microsoft.com/office/drawing/2010/main" w="9525">
+                  <a14:hiddenLine xmlns:a14="http://schemas.microsoft.com/office/drawing/2010/main" xmlns="" w="9525">
                     <a:solidFill>
                       <a:srgbClr val="000000"/>
                     </a:solidFill>
@@ -9472,7 +9472,7 @@
               </a:ln>
               <a:extLst>
                 <a:ext uri="{91240B29-F687-4f45-9708-019B960494DF}">
-                  <a14:hiddenLine xmlns="" xmlns:a14="http://schemas.microsoft.com/office/drawing/2010/main" w="9525">
+                  <a14:hiddenLine xmlns:a14="http://schemas.microsoft.com/office/drawing/2010/main" xmlns="" w="9525">
                     <a:solidFill>
                       <a:srgbClr val="000000"/>
                     </a:solidFill>
@@ -9534,7 +9534,7 @@
               </a:ln>
               <a:extLst>
                 <a:ext uri="{91240B29-F687-4f45-9708-019B960494DF}">
-                  <a14:hiddenLine xmlns="" xmlns:a14="http://schemas.microsoft.com/office/drawing/2010/main" w="9525">
+                  <a14:hiddenLine xmlns:a14="http://schemas.microsoft.com/office/drawing/2010/main" xmlns="" w="9525">
                     <a:solidFill>
                       <a:srgbClr val="000000"/>
                     </a:solidFill>
@@ -9596,7 +9596,7 @@
               </a:ln>
               <a:extLst>
                 <a:ext uri="{91240B29-F687-4f45-9708-019B960494DF}">
-                  <a14:hiddenLine xmlns="" xmlns:a14="http://schemas.microsoft.com/office/drawing/2010/main" w="9525">
+                  <a14:hiddenLine xmlns:a14="http://schemas.microsoft.com/office/drawing/2010/main" xmlns="" w="9525">
                     <a:solidFill>
                       <a:srgbClr val="000000"/>
                     </a:solidFill>
@@ -9686,7 +9686,7 @@
               </a:ln>
               <a:extLst>
                 <a:ext uri="{91240B29-F687-4f45-9708-019B960494DF}">
-                  <a14:hiddenLine xmlns="" xmlns:a14="http://schemas.microsoft.com/office/drawing/2010/main" w="9525">
+                  <a14:hiddenLine xmlns:a14="http://schemas.microsoft.com/office/drawing/2010/main" xmlns="" w="9525">
                     <a:solidFill>
                       <a:srgbClr val="000000"/>
                     </a:solidFill>
@@ -9776,7 +9776,7 @@
               </a:ln>
               <a:extLst>
                 <a:ext uri="{91240B29-F687-4f45-9708-019B960494DF}">
-                  <a14:hiddenLine xmlns="" xmlns:a14="http://schemas.microsoft.com/office/drawing/2010/main" w="9525">
+                  <a14:hiddenLine xmlns:a14="http://schemas.microsoft.com/office/drawing/2010/main" xmlns="" w="9525">
                     <a:solidFill>
                       <a:srgbClr val="000000"/>
                     </a:solidFill>
@@ -9838,7 +9838,7 @@
               </a:ln>
               <a:extLst>
                 <a:ext uri="{91240B29-F687-4f45-9708-019B960494DF}">
-                  <a14:hiddenLine xmlns="" xmlns:a14="http://schemas.microsoft.com/office/drawing/2010/main" w="9525">
+                  <a14:hiddenLine xmlns:a14="http://schemas.microsoft.com/office/drawing/2010/main" xmlns="" w="9525">
                     <a:solidFill>
                       <a:srgbClr val="000000"/>
                     </a:solidFill>
@@ -9948,7 +9948,7 @@
               </a:ln>
               <a:extLst>
                 <a:ext uri="{91240B29-F687-4f45-9708-019B960494DF}">
-                  <a14:hiddenLine xmlns="" xmlns:a14="http://schemas.microsoft.com/office/drawing/2010/main" w="9525">
+                  <a14:hiddenLine xmlns:a14="http://schemas.microsoft.com/office/drawing/2010/main" xmlns="" w="9525">
                     <a:solidFill>
                       <a:srgbClr val="000000"/>
                     </a:solidFill>
@@ -10032,7 +10032,7 @@
               </a:ln>
               <a:extLst>
                 <a:ext uri="{91240B29-F687-4f45-9708-019B960494DF}">
-                  <a14:hiddenLine xmlns="" xmlns:a14="http://schemas.microsoft.com/office/drawing/2010/main" w="9525">
+                  <a14:hiddenLine xmlns:a14="http://schemas.microsoft.com/office/drawing/2010/main" xmlns="" w="9525">
                     <a:solidFill>
                       <a:srgbClr val="000000"/>
                     </a:solidFill>
@@ -10094,7 +10094,7 @@
               </a:ln>
               <a:extLst>
                 <a:ext uri="{91240B29-F687-4f45-9708-019B960494DF}">
-                  <a14:hiddenLine xmlns="" xmlns:a14="http://schemas.microsoft.com/office/drawing/2010/main" w="9525">
+                  <a14:hiddenLine xmlns:a14="http://schemas.microsoft.com/office/drawing/2010/main" xmlns="" w="9525">
                     <a:solidFill>
                       <a:srgbClr val="000000"/>
                     </a:solidFill>
@@ -10156,7 +10156,7 @@
               </a:ln>
               <a:extLst>
                 <a:ext uri="{91240B29-F687-4f45-9708-019B960494DF}">
-                  <a14:hiddenLine xmlns="" xmlns:a14="http://schemas.microsoft.com/office/drawing/2010/main" w="9525">
+                  <a14:hiddenLine xmlns:a14="http://schemas.microsoft.com/office/drawing/2010/main" xmlns="" w="9525">
                     <a:solidFill>
                       <a:srgbClr val="000000"/>
                     </a:solidFill>
@@ -10246,7 +10246,7 @@
               </a:ln>
               <a:extLst>
                 <a:ext uri="{91240B29-F687-4f45-9708-019B960494DF}">
-                  <a14:hiddenLine xmlns="" xmlns:a14="http://schemas.microsoft.com/office/drawing/2010/main" w="9525">
+                  <a14:hiddenLine xmlns:a14="http://schemas.microsoft.com/office/drawing/2010/main" xmlns="" w="9525">
                     <a:solidFill>
                       <a:srgbClr val="000000"/>
                     </a:solidFill>
@@ -10280,7 +10280,7 @@
               </a:ln>
               <a:extLst>
                 <a:ext uri="{91240B29-F687-4f45-9708-019B960494DF}">
-                  <a14:hiddenLine xmlns="" xmlns:a14="http://schemas.microsoft.com/office/drawing/2010/main" w="9525">
+                  <a14:hiddenLine xmlns:a14="http://schemas.microsoft.com/office/drawing/2010/main" xmlns="" w="9525">
                     <a:solidFill>
                       <a:srgbClr val="000000"/>
                     </a:solidFill>
@@ -10345,7 +10345,7 @@
               </a:ln>
               <a:extLst>
                 <a:ext uri="{91240B29-F687-4f45-9708-019B960494DF}">
-                  <a14:hiddenLine xmlns="" xmlns:a14="http://schemas.microsoft.com/office/drawing/2010/main" w="9525">
+                  <a14:hiddenLine xmlns:a14="http://schemas.microsoft.com/office/drawing/2010/main" xmlns="" w="9525">
                     <a:solidFill>
                       <a:srgbClr val="000000"/>
                     </a:solidFill>
@@ -10435,7 +10435,7 @@
               </a:ln>
               <a:extLst>
                 <a:ext uri="{91240B29-F687-4f45-9708-019B960494DF}">
-                  <a14:hiddenLine xmlns="" xmlns:a14="http://schemas.microsoft.com/office/drawing/2010/main" w="9525">
+                  <a14:hiddenLine xmlns:a14="http://schemas.microsoft.com/office/drawing/2010/main" xmlns="" w="9525">
                     <a:solidFill>
                       <a:srgbClr val="000000"/>
                     </a:solidFill>
@@ -10497,7 +10497,7 @@
               </a:ln>
               <a:extLst>
                 <a:ext uri="{91240B29-F687-4f45-9708-019B960494DF}">
-                  <a14:hiddenLine xmlns="" xmlns:a14="http://schemas.microsoft.com/office/drawing/2010/main" w="9525">
+                  <a14:hiddenLine xmlns:a14="http://schemas.microsoft.com/office/drawing/2010/main" xmlns="" w="9525">
                     <a:solidFill>
                       <a:srgbClr val="000000"/>
                     </a:solidFill>
@@ -10587,7 +10587,7 @@
               </a:ln>
               <a:extLst>
                 <a:ext uri="{91240B29-F687-4f45-9708-019B960494DF}">
-                  <a14:hiddenLine xmlns="" xmlns:a14="http://schemas.microsoft.com/office/drawing/2010/main" w="9525">
+                  <a14:hiddenLine xmlns:a14="http://schemas.microsoft.com/office/drawing/2010/main" xmlns="" w="9525">
                     <a:solidFill>
                       <a:srgbClr val="000000"/>
                     </a:solidFill>
@@ -10652,7 +10652,7 @@
               </a:ln>
               <a:extLst>
                 <a:ext uri="{91240B29-F687-4f45-9708-019B960494DF}">
-                  <a14:hiddenLine xmlns="" xmlns:a14="http://schemas.microsoft.com/office/drawing/2010/main" w="9525">
+                  <a14:hiddenLine xmlns:a14="http://schemas.microsoft.com/office/drawing/2010/main" xmlns="" w="9525">
                     <a:solidFill>
                       <a:srgbClr val="000000"/>
                     </a:solidFill>
@@ -10714,7 +10714,7 @@
               </a:ln>
               <a:extLst>
                 <a:ext uri="{91240B29-F687-4f45-9708-019B960494DF}">
-                  <a14:hiddenLine xmlns="" xmlns:a14="http://schemas.microsoft.com/office/drawing/2010/main" w="9525">
+                  <a14:hiddenLine xmlns:a14="http://schemas.microsoft.com/office/drawing/2010/main" xmlns="" w="9525">
                     <a:solidFill>
                       <a:srgbClr val="000000"/>
                     </a:solidFill>
@@ -10804,7 +10804,7 @@
               </a:ln>
               <a:extLst>
                 <a:ext uri="{91240B29-F687-4f45-9708-019B960494DF}">
-                  <a14:hiddenLine xmlns="" xmlns:a14="http://schemas.microsoft.com/office/drawing/2010/main" w="9525">
+                  <a14:hiddenLine xmlns:a14="http://schemas.microsoft.com/office/drawing/2010/main" xmlns="" w="9525">
                     <a:solidFill>
                       <a:srgbClr val="000000"/>
                     </a:solidFill>
@@ -10894,7 +10894,7 @@
               </a:ln>
               <a:extLst>
                 <a:ext uri="{91240B29-F687-4f45-9708-019B960494DF}">
-                  <a14:hiddenLine xmlns="" xmlns:a14="http://schemas.microsoft.com/office/drawing/2010/main" w="9525">
+                  <a14:hiddenLine xmlns:a14="http://schemas.microsoft.com/office/drawing/2010/main" xmlns="" w="9525">
                     <a:solidFill>
                       <a:srgbClr val="000000"/>
                     </a:solidFill>
@@ -10959,7 +10959,7 @@
               </a:ln>
               <a:extLst>
                 <a:ext uri="{91240B29-F687-4f45-9708-019B960494DF}">
-                  <a14:hiddenLine xmlns="" xmlns:a14="http://schemas.microsoft.com/office/drawing/2010/main" w="9525">
+                  <a14:hiddenLine xmlns:a14="http://schemas.microsoft.com/office/drawing/2010/main" xmlns="" w="9525">
                     <a:solidFill>
                       <a:srgbClr val="000000"/>
                     </a:solidFill>
@@ -11079,7 +11079,7 @@
               </a:ln>
               <a:extLst>
                 <a:ext uri="{91240B29-F687-4f45-9708-019B960494DF}">
-                  <a14:hiddenLine xmlns="" xmlns:a14="http://schemas.microsoft.com/office/drawing/2010/main" w="9525">
+                  <a14:hiddenLine xmlns:a14="http://schemas.microsoft.com/office/drawing/2010/main" xmlns="" w="9525">
                     <a:solidFill>
                       <a:srgbClr val="000000"/>
                     </a:solidFill>
@@ -11177,7 +11177,7 @@
               </a:ln>
               <a:extLst>
                 <a:ext uri="{91240B29-F687-4f45-9708-019B960494DF}">
-                  <a14:hiddenLine xmlns="" xmlns:a14="http://schemas.microsoft.com/office/drawing/2010/main" w="9525">
+                  <a14:hiddenLine xmlns:a14="http://schemas.microsoft.com/office/drawing/2010/main" xmlns="" w="9525">
                     <a:solidFill>
                       <a:srgbClr val="000000"/>
                     </a:solidFill>
@@ -11292,7 +11292,7 @@
               </a:ln>
               <a:extLst>
                 <a:ext uri="{91240B29-F687-4f45-9708-019B960494DF}">
-                  <a14:hiddenLine xmlns="" xmlns:a14="http://schemas.microsoft.com/office/drawing/2010/main" w="9525">
+                  <a14:hiddenLine xmlns:a14="http://schemas.microsoft.com/office/drawing/2010/main" xmlns="" w="9525">
                     <a:solidFill>
                       <a:srgbClr val="000000"/>
                     </a:solidFill>
@@ -11382,7 +11382,7 @@
               </a:ln>
               <a:extLst>
                 <a:ext uri="{91240B29-F687-4f45-9708-019B960494DF}">
-                  <a14:hiddenLine xmlns="" xmlns:a14="http://schemas.microsoft.com/office/drawing/2010/main" w="9525">
+                  <a14:hiddenLine xmlns:a14="http://schemas.microsoft.com/office/drawing/2010/main" xmlns="" w="9525">
                     <a:solidFill>
                       <a:srgbClr val="000000"/>
                     </a:solidFill>
@@ -11447,7 +11447,7 @@
               </a:ln>
               <a:extLst>
                 <a:ext uri="{91240B29-F687-4f45-9708-019B960494DF}">
-                  <a14:hiddenLine xmlns="" xmlns:a14="http://schemas.microsoft.com/office/drawing/2010/main" w="9525">
+                  <a14:hiddenLine xmlns:a14="http://schemas.microsoft.com/office/drawing/2010/main" xmlns="" w="9525">
                     <a:solidFill>
                       <a:srgbClr val="000000"/>
                     </a:solidFill>
@@ -11537,7 +11537,7 @@
               </a:ln>
               <a:extLst>
                 <a:ext uri="{91240B29-F687-4f45-9708-019B960494DF}">
-                  <a14:hiddenLine xmlns="" xmlns:a14="http://schemas.microsoft.com/office/drawing/2010/main" w="9525">
+                  <a14:hiddenLine xmlns:a14="http://schemas.microsoft.com/office/drawing/2010/main" xmlns="" w="9525">
                     <a:solidFill>
                       <a:srgbClr val="000000"/>
                     </a:solidFill>
@@ -11605,7 +11605,7 @@
               </a:ln>
               <a:extLst>
                 <a:ext uri="{91240B29-F687-4f45-9708-019B960494DF}">
-                  <a14:hiddenLine xmlns="" xmlns:a14="http://schemas.microsoft.com/office/drawing/2010/main" w="9525">
+                  <a14:hiddenLine xmlns:a14="http://schemas.microsoft.com/office/drawing/2010/main" xmlns="" w="9525">
                     <a:solidFill>
                       <a:srgbClr val="000000"/>
                     </a:solidFill>
@@ -11695,7 +11695,7 @@
               </a:ln>
               <a:extLst>
                 <a:ext uri="{91240B29-F687-4f45-9708-019B960494DF}">
-                  <a14:hiddenLine xmlns="" xmlns:a14="http://schemas.microsoft.com/office/drawing/2010/main" w="9525">
+                  <a14:hiddenLine xmlns:a14="http://schemas.microsoft.com/office/drawing/2010/main" xmlns="" w="9525">
                     <a:solidFill>
                       <a:srgbClr val="000000"/>
                     </a:solidFill>
@@ -11763,7 +11763,7 @@
               </a:ln>
               <a:extLst>
                 <a:ext uri="{91240B29-F687-4f45-9708-019B960494DF}">
-                  <a14:hiddenLine xmlns="" xmlns:a14="http://schemas.microsoft.com/office/drawing/2010/main" w="9525">
+                  <a14:hiddenLine xmlns:a14="http://schemas.microsoft.com/office/drawing/2010/main" xmlns="" w="9525">
                     <a:solidFill>
                       <a:srgbClr val="000000"/>
                     </a:solidFill>
@@ -11853,7 +11853,7 @@
               </a:ln>
               <a:extLst>
                 <a:ext uri="{91240B29-F687-4f45-9708-019B960494DF}">
-                  <a14:hiddenLine xmlns="" xmlns:a14="http://schemas.microsoft.com/office/drawing/2010/main" w="9525">
+                  <a14:hiddenLine xmlns:a14="http://schemas.microsoft.com/office/drawing/2010/main" xmlns="" w="9525">
                     <a:solidFill>
                       <a:srgbClr val="000000"/>
                     </a:solidFill>
@@ -11887,7 +11887,7 @@
               </a:ln>
               <a:extLst>
                 <a:ext uri="{91240B29-F687-4f45-9708-019B960494DF}">
-                  <a14:hiddenLine xmlns="" xmlns:a14="http://schemas.microsoft.com/office/drawing/2010/main" w="9525">
+                  <a14:hiddenLine xmlns:a14="http://schemas.microsoft.com/office/drawing/2010/main" xmlns="" w="9525">
                     <a:solidFill>
                       <a:srgbClr val="000000"/>
                     </a:solidFill>
@@ -12607,7 +12607,7 @@
             </a:ln>
             <a:extLst>
               <a:ext uri="{91240B29-F687-4f45-9708-019B960494DF}">
-                <a14:hiddenLine xmlns:a14="http://schemas.microsoft.com/office/drawing/2010/main" xmlns:p14="http://schemas.microsoft.com/office/powerpoint/2010/main" xmlns:a16="http://schemas.microsoft.com/office/drawing/2014/main" xmlns="" w="9525">
+                <a14:hiddenLine xmlns="" xmlns:a16="http://schemas.microsoft.com/office/drawing/2014/main" xmlns:p14="http://schemas.microsoft.com/office/powerpoint/2010/main" xmlns:a14="http://schemas.microsoft.com/office/drawing/2010/main" w="9525">
                   <a:solidFill>
                     <a:srgbClr val="000000"/>
                   </a:solidFill>
@@ -12712,7 +12712,7 @@
             </a:ln>
             <a:extLst>
               <a:ext uri="{91240B29-F687-4f45-9708-019B960494DF}">
-                <a14:hiddenLine xmlns:a14="http://schemas.microsoft.com/office/drawing/2010/main" xmlns:p14="http://schemas.microsoft.com/office/powerpoint/2010/main" xmlns:a16="http://schemas.microsoft.com/office/drawing/2014/main" xmlns="" w="9525">
+                <a14:hiddenLine xmlns="" xmlns:a16="http://schemas.microsoft.com/office/drawing/2014/main" xmlns:p14="http://schemas.microsoft.com/office/powerpoint/2010/main" xmlns:a14="http://schemas.microsoft.com/office/drawing/2010/main" w="9525">
                   <a:solidFill>
                     <a:srgbClr val="000000"/>
                   </a:solidFill>
@@ -12817,7 +12817,7 @@
             </a:ln>
             <a:extLst>
               <a:ext uri="{91240B29-F687-4f45-9708-019B960494DF}">
-                <a14:hiddenLine xmlns:a14="http://schemas.microsoft.com/office/drawing/2010/main" xmlns:p14="http://schemas.microsoft.com/office/powerpoint/2010/main" xmlns:a16="http://schemas.microsoft.com/office/drawing/2014/main" xmlns="" w="9525">
+                <a14:hiddenLine xmlns="" xmlns:a16="http://schemas.microsoft.com/office/drawing/2014/main" xmlns:p14="http://schemas.microsoft.com/office/powerpoint/2010/main" xmlns:a14="http://schemas.microsoft.com/office/drawing/2010/main" w="9525">
                   <a:solidFill>
                     <a:srgbClr val="000000"/>
                   </a:solidFill>
@@ -12866,7 +12866,7 @@
             </a:ln>
             <a:extLst>
               <a:ext uri="{91240B29-F687-4f45-9708-019B960494DF}">
-                <a14:hiddenLine xmlns:a14="http://schemas.microsoft.com/office/drawing/2010/main" xmlns:p14="http://schemas.microsoft.com/office/powerpoint/2010/main" xmlns:a16="http://schemas.microsoft.com/office/drawing/2014/main" xmlns="" w="9525">
+                <a14:hiddenLine xmlns="" xmlns:a16="http://schemas.microsoft.com/office/drawing/2014/main" xmlns:p14="http://schemas.microsoft.com/office/powerpoint/2010/main" xmlns:a14="http://schemas.microsoft.com/office/drawing/2010/main" w="9525">
                   <a:solidFill>
                     <a:srgbClr val="000000"/>
                   </a:solidFill>
@@ -12971,7 +12971,7 @@
             </a:ln>
             <a:extLst>
               <a:ext uri="{91240B29-F687-4f45-9708-019B960494DF}">
-                <a14:hiddenLine xmlns:a14="http://schemas.microsoft.com/office/drawing/2010/main" xmlns:p14="http://schemas.microsoft.com/office/powerpoint/2010/main" xmlns:a16="http://schemas.microsoft.com/office/drawing/2014/main" xmlns="" w="9525">
+                <a14:hiddenLine xmlns="" xmlns:a16="http://schemas.microsoft.com/office/drawing/2014/main" xmlns:p14="http://schemas.microsoft.com/office/powerpoint/2010/main" xmlns:a14="http://schemas.microsoft.com/office/drawing/2010/main" w="9525">
                   <a:solidFill>
                     <a:srgbClr val="000000"/>
                   </a:solidFill>
@@ -13048,7 +13048,7 @@
             </a:ln>
             <a:extLst>
               <a:ext uri="{91240B29-F687-4f45-9708-019B960494DF}">
-                <a14:hiddenLine xmlns:a14="http://schemas.microsoft.com/office/drawing/2010/main" xmlns:p14="http://schemas.microsoft.com/office/powerpoint/2010/main" xmlns:a16="http://schemas.microsoft.com/office/drawing/2014/main" xmlns="" w="9525">
+                <a14:hiddenLine xmlns="" xmlns:a16="http://schemas.microsoft.com/office/drawing/2014/main" xmlns:p14="http://schemas.microsoft.com/office/powerpoint/2010/main" xmlns:a14="http://schemas.microsoft.com/office/drawing/2010/main" w="9525">
                   <a:solidFill>
                     <a:srgbClr val="000000"/>
                   </a:solidFill>
@@ -13125,7 +13125,7 @@
             </a:ln>
             <a:extLst>
               <a:ext uri="{91240B29-F687-4f45-9708-019B960494DF}">
-                <a14:hiddenLine xmlns:a14="http://schemas.microsoft.com/office/drawing/2010/main" xmlns:p14="http://schemas.microsoft.com/office/powerpoint/2010/main" xmlns:a16="http://schemas.microsoft.com/office/drawing/2014/main" xmlns="" w="9525">
+                <a14:hiddenLine xmlns="" xmlns:a16="http://schemas.microsoft.com/office/drawing/2014/main" xmlns:p14="http://schemas.microsoft.com/office/powerpoint/2010/main" xmlns:a14="http://schemas.microsoft.com/office/drawing/2010/main" w="9525">
                   <a:solidFill>
                     <a:srgbClr val="000000"/>
                   </a:solidFill>
@@ -13230,7 +13230,7 @@
             </a:ln>
             <a:extLst>
               <a:ext uri="{91240B29-F687-4f45-9708-019B960494DF}">
-                <a14:hiddenLine xmlns:a14="http://schemas.microsoft.com/office/drawing/2010/main" xmlns:p14="http://schemas.microsoft.com/office/powerpoint/2010/main" xmlns:a16="http://schemas.microsoft.com/office/drawing/2014/main" xmlns="" w="9525">
+                <a14:hiddenLine xmlns="" xmlns:a16="http://schemas.microsoft.com/office/drawing/2014/main" xmlns:p14="http://schemas.microsoft.com/office/powerpoint/2010/main" xmlns:a14="http://schemas.microsoft.com/office/drawing/2010/main" w="9525">
                   <a:solidFill>
                     <a:srgbClr val="000000"/>
                   </a:solidFill>
@@ -13307,7 +13307,7 @@
             </a:ln>
             <a:extLst>
               <a:ext uri="{91240B29-F687-4f45-9708-019B960494DF}">
-                <a14:hiddenLine xmlns:a14="http://schemas.microsoft.com/office/drawing/2010/main" xmlns:p14="http://schemas.microsoft.com/office/powerpoint/2010/main" xmlns:a16="http://schemas.microsoft.com/office/drawing/2014/main" xmlns="" w="9525">
+                <a14:hiddenLine xmlns="" xmlns:a16="http://schemas.microsoft.com/office/drawing/2014/main" xmlns:p14="http://schemas.microsoft.com/office/powerpoint/2010/main" xmlns:a14="http://schemas.microsoft.com/office/drawing/2010/main" w="9525">
                   <a:solidFill>
                     <a:srgbClr val="000000"/>
                   </a:solidFill>
@@ -13384,7 +13384,7 @@
             </a:ln>
             <a:extLst>
               <a:ext uri="{91240B29-F687-4f45-9708-019B960494DF}">
-                <a14:hiddenLine xmlns:a14="http://schemas.microsoft.com/office/drawing/2010/main" xmlns:p14="http://schemas.microsoft.com/office/powerpoint/2010/main" xmlns:a16="http://schemas.microsoft.com/office/drawing/2014/main" xmlns="" w="9525">
+                <a14:hiddenLine xmlns="" xmlns:a16="http://schemas.microsoft.com/office/drawing/2014/main" xmlns:p14="http://schemas.microsoft.com/office/powerpoint/2010/main" xmlns:a14="http://schemas.microsoft.com/office/drawing/2010/main" w="9525">
                   <a:solidFill>
                     <a:srgbClr val="000000"/>
                   </a:solidFill>
@@ -13489,7 +13489,7 @@
             </a:ln>
             <a:extLst>
               <a:ext uri="{91240B29-F687-4f45-9708-019B960494DF}">
-                <a14:hiddenLine xmlns:a14="http://schemas.microsoft.com/office/drawing/2010/main" xmlns:p14="http://schemas.microsoft.com/office/powerpoint/2010/main" xmlns:a16="http://schemas.microsoft.com/office/drawing/2014/main" xmlns="" w="9525">
+                <a14:hiddenLine xmlns="" xmlns:a16="http://schemas.microsoft.com/office/drawing/2014/main" xmlns:p14="http://schemas.microsoft.com/office/powerpoint/2010/main" xmlns:a14="http://schemas.microsoft.com/office/drawing/2010/main" w="9525">
                   <a:solidFill>
                     <a:srgbClr val="000000"/>
                   </a:solidFill>
@@ -13594,7 +13594,7 @@
             </a:ln>
             <a:extLst>
               <a:ext uri="{91240B29-F687-4f45-9708-019B960494DF}">
-                <a14:hiddenLine xmlns:a14="http://schemas.microsoft.com/office/drawing/2010/main" xmlns:p14="http://schemas.microsoft.com/office/powerpoint/2010/main" xmlns:a16="http://schemas.microsoft.com/office/drawing/2014/main" xmlns="" w="9525">
+                <a14:hiddenLine xmlns="" xmlns:a16="http://schemas.microsoft.com/office/drawing/2014/main" xmlns:p14="http://schemas.microsoft.com/office/powerpoint/2010/main" xmlns:a14="http://schemas.microsoft.com/office/drawing/2010/main" w="9525">
                   <a:solidFill>
                     <a:srgbClr val="000000"/>
                   </a:solidFill>
@@ -13671,7 +13671,7 @@
             </a:ln>
             <a:extLst>
               <a:ext uri="{91240B29-F687-4f45-9708-019B960494DF}">
-                <a14:hiddenLine xmlns:a14="http://schemas.microsoft.com/office/drawing/2010/main" xmlns:p14="http://schemas.microsoft.com/office/powerpoint/2010/main" xmlns:a16="http://schemas.microsoft.com/office/drawing/2014/main" xmlns="" w="9525">
+                <a14:hiddenLine xmlns="" xmlns:a16="http://schemas.microsoft.com/office/drawing/2014/main" xmlns:p14="http://schemas.microsoft.com/office/powerpoint/2010/main" xmlns:a14="http://schemas.microsoft.com/office/drawing/2010/main" w="9525">
                   <a:solidFill>
                     <a:srgbClr val="000000"/>
                   </a:solidFill>
@@ -13796,7 +13796,7 @@
             </a:ln>
             <a:extLst>
               <a:ext uri="{91240B29-F687-4f45-9708-019B960494DF}">
-                <a14:hiddenLine xmlns:a14="http://schemas.microsoft.com/office/drawing/2010/main" xmlns:p14="http://schemas.microsoft.com/office/powerpoint/2010/main" xmlns:a16="http://schemas.microsoft.com/office/drawing/2014/main" xmlns="" w="9525">
+                <a14:hiddenLine xmlns="" xmlns:a16="http://schemas.microsoft.com/office/drawing/2014/main" xmlns:p14="http://schemas.microsoft.com/office/powerpoint/2010/main" xmlns:a14="http://schemas.microsoft.com/office/drawing/2010/main" w="9525">
                   <a:solidFill>
                     <a:srgbClr val="000000"/>
                   </a:solidFill>
@@ -13873,7 +13873,7 @@
             </a:ln>
             <a:extLst>
               <a:ext uri="{91240B29-F687-4f45-9708-019B960494DF}">
-                <a14:hiddenLine xmlns:a14="http://schemas.microsoft.com/office/drawing/2010/main" xmlns:p14="http://schemas.microsoft.com/office/powerpoint/2010/main" xmlns:a16="http://schemas.microsoft.com/office/drawing/2014/main" xmlns="" w="9525">
+                <a14:hiddenLine xmlns="" xmlns:a16="http://schemas.microsoft.com/office/drawing/2014/main" xmlns:p14="http://schemas.microsoft.com/office/powerpoint/2010/main" xmlns:a14="http://schemas.microsoft.com/office/drawing/2010/main" w="9525">
                   <a:solidFill>
                     <a:srgbClr val="000000"/>
                   </a:solidFill>
@@ -13978,7 +13978,7 @@
             </a:ln>
             <a:extLst>
               <a:ext uri="{91240B29-F687-4f45-9708-019B960494DF}">
-                <a14:hiddenLine xmlns:a14="http://schemas.microsoft.com/office/drawing/2010/main" xmlns:p14="http://schemas.microsoft.com/office/powerpoint/2010/main" xmlns:a16="http://schemas.microsoft.com/office/drawing/2014/main" xmlns="" w="9525">
+                <a14:hiddenLine xmlns="" xmlns:a16="http://schemas.microsoft.com/office/drawing/2014/main" xmlns:p14="http://schemas.microsoft.com/office/powerpoint/2010/main" xmlns:a14="http://schemas.microsoft.com/office/drawing/2010/main" w="9525">
                   <a:solidFill>
                     <a:srgbClr val="000000"/>
                   </a:solidFill>
@@ -14083,7 +14083,7 @@
             </a:ln>
             <a:extLst>
               <a:ext uri="{91240B29-F687-4f45-9708-019B960494DF}">
-                <a14:hiddenLine xmlns:a14="http://schemas.microsoft.com/office/drawing/2010/main" xmlns:p14="http://schemas.microsoft.com/office/powerpoint/2010/main" xmlns:a16="http://schemas.microsoft.com/office/drawing/2014/main" xmlns="" w="9525">
+                <a14:hiddenLine xmlns="" xmlns:a16="http://schemas.microsoft.com/office/drawing/2014/main" xmlns:p14="http://schemas.microsoft.com/office/powerpoint/2010/main" xmlns:a14="http://schemas.microsoft.com/office/drawing/2010/main" w="9525">
                   <a:solidFill>
                     <a:srgbClr val="000000"/>
                   </a:solidFill>
@@ -14160,7 +14160,7 @@
             </a:ln>
             <a:extLst>
               <a:ext uri="{91240B29-F687-4f45-9708-019B960494DF}">
-                <a14:hiddenLine xmlns:a14="http://schemas.microsoft.com/office/drawing/2010/main" xmlns:p14="http://schemas.microsoft.com/office/powerpoint/2010/main" xmlns:a16="http://schemas.microsoft.com/office/drawing/2014/main" xmlns="" w="9525">
+                <a14:hiddenLine xmlns="" xmlns:a16="http://schemas.microsoft.com/office/drawing/2014/main" xmlns:p14="http://schemas.microsoft.com/office/powerpoint/2010/main" xmlns:a14="http://schemas.microsoft.com/office/drawing/2010/main" w="9525">
                   <a:solidFill>
                     <a:srgbClr val="000000"/>
                   </a:solidFill>
@@ -14265,7 +14265,7 @@
             </a:ln>
             <a:extLst>
               <a:ext uri="{91240B29-F687-4f45-9708-019B960494DF}">
-                <a14:hiddenLine xmlns:a14="http://schemas.microsoft.com/office/drawing/2010/main" xmlns:p14="http://schemas.microsoft.com/office/powerpoint/2010/main" xmlns:a16="http://schemas.microsoft.com/office/drawing/2014/main" xmlns="" w="9525">
+                <a14:hiddenLine xmlns="" xmlns:a16="http://schemas.microsoft.com/office/drawing/2014/main" xmlns:p14="http://schemas.microsoft.com/office/powerpoint/2010/main" xmlns:a14="http://schemas.microsoft.com/office/drawing/2010/main" w="9525">
                   <a:solidFill>
                     <a:srgbClr val="000000"/>
                   </a:solidFill>
@@ -14370,7 +14370,7 @@
             </a:ln>
             <a:extLst>
               <a:ext uri="{91240B29-F687-4f45-9708-019B960494DF}">
-                <a14:hiddenLine xmlns:a14="http://schemas.microsoft.com/office/drawing/2010/main" xmlns:p14="http://schemas.microsoft.com/office/powerpoint/2010/main" xmlns:a16="http://schemas.microsoft.com/office/drawing/2014/main" xmlns="" w="9525">
+                <a14:hiddenLine xmlns="" xmlns:a16="http://schemas.microsoft.com/office/drawing/2014/main" xmlns:p14="http://schemas.microsoft.com/office/powerpoint/2010/main" xmlns:a14="http://schemas.microsoft.com/office/drawing/2010/main" w="9525">
                   <a:solidFill>
                     <a:srgbClr val="000000"/>
                   </a:solidFill>
@@ -14441,7 +14441,7 @@
             </a:ln>
             <a:extLst>
               <a:ext uri="{91240B29-F687-4f45-9708-019B960494DF}">
-                <a14:hiddenLine xmlns:a14="http://schemas.microsoft.com/office/drawing/2010/main" xmlns:p14="http://schemas.microsoft.com/office/powerpoint/2010/main" xmlns:a16="http://schemas.microsoft.com/office/drawing/2014/main" xmlns="" w="9525">
+                <a14:hiddenLine xmlns="" xmlns:a16="http://schemas.microsoft.com/office/drawing/2014/main" xmlns:p14="http://schemas.microsoft.com/office/powerpoint/2010/main" xmlns:a14="http://schemas.microsoft.com/office/drawing/2010/main" w="9525">
                   <a:solidFill>
                     <a:srgbClr val="000000"/>
                   </a:solidFill>
@@ -14546,7 +14546,7 @@
             </a:ln>
             <a:extLst>
               <a:ext uri="{91240B29-F687-4f45-9708-019B960494DF}">
-                <a14:hiddenLine xmlns:a14="http://schemas.microsoft.com/office/drawing/2010/main" xmlns:p14="http://schemas.microsoft.com/office/powerpoint/2010/main" xmlns:a16="http://schemas.microsoft.com/office/drawing/2014/main" xmlns="" w="9525">
+                <a14:hiddenLine xmlns="" xmlns:a16="http://schemas.microsoft.com/office/drawing/2014/main" xmlns:p14="http://schemas.microsoft.com/office/powerpoint/2010/main" xmlns:a14="http://schemas.microsoft.com/office/drawing/2010/main" w="9525">
                   <a:solidFill>
                     <a:srgbClr val="000000"/>
                   </a:solidFill>
@@ -14617,7 +14617,7 @@
             </a:ln>
             <a:extLst>
               <a:ext uri="{91240B29-F687-4f45-9708-019B960494DF}">
-                <a14:hiddenLine xmlns:a14="http://schemas.microsoft.com/office/drawing/2010/main" xmlns:p14="http://schemas.microsoft.com/office/powerpoint/2010/main" xmlns:a16="http://schemas.microsoft.com/office/drawing/2014/main" xmlns="" w="9525">
+                <a14:hiddenLine xmlns="" xmlns:a16="http://schemas.microsoft.com/office/drawing/2014/main" xmlns:p14="http://schemas.microsoft.com/office/powerpoint/2010/main" xmlns:a14="http://schemas.microsoft.com/office/drawing/2010/main" w="9525">
                   <a:solidFill>
                     <a:srgbClr val="000000"/>
                   </a:solidFill>
@@ -14722,7 +14722,7 @@
             </a:ln>
             <a:extLst>
               <a:ext uri="{91240B29-F687-4f45-9708-019B960494DF}">
-                <a14:hiddenLine xmlns:a14="http://schemas.microsoft.com/office/drawing/2010/main" xmlns:p14="http://schemas.microsoft.com/office/powerpoint/2010/main" xmlns:a16="http://schemas.microsoft.com/office/drawing/2014/main" xmlns="" w="9525">
+                <a14:hiddenLine xmlns="" xmlns:a16="http://schemas.microsoft.com/office/drawing/2014/main" xmlns:p14="http://schemas.microsoft.com/office/powerpoint/2010/main" xmlns:a14="http://schemas.microsoft.com/office/drawing/2010/main" w="9525">
                   <a:solidFill>
                     <a:srgbClr val="000000"/>
                   </a:solidFill>
@@ -14805,7 +14805,7 @@
             </a:ln>
             <a:extLst>
               <a:ext uri="{91240B29-F687-4f45-9708-019B960494DF}">
-                <a14:hiddenLine xmlns:a14="http://schemas.microsoft.com/office/drawing/2010/main" xmlns:p14="http://schemas.microsoft.com/office/powerpoint/2010/main" xmlns:a16="http://schemas.microsoft.com/office/drawing/2014/main" xmlns="" w="9525">
+                <a14:hiddenLine xmlns="" xmlns:a16="http://schemas.microsoft.com/office/drawing/2014/main" xmlns:p14="http://schemas.microsoft.com/office/powerpoint/2010/main" xmlns:a14="http://schemas.microsoft.com/office/drawing/2010/main" w="9525">
                   <a:solidFill>
                     <a:srgbClr val="000000"/>
                   </a:solidFill>
@@ -14910,7 +14910,7 @@
             </a:ln>
             <a:extLst>
               <a:ext uri="{91240B29-F687-4f45-9708-019B960494DF}">
-                <a14:hiddenLine xmlns:a14="http://schemas.microsoft.com/office/drawing/2010/main" xmlns:p14="http://schemas.microsoft.com/office/powerpoint/2010/main" xmlns:a16="http://schemas.microsoft.com/office/drawing/2014/main" xmlns="" w="9525">
+                <a14:hiddenLine xmlns="" xmlns:a16="http://schemas.microsoft.com/office/drawing/2014/main" xmlns:p14="http://schemas.microsoft.com/office/powerpoint/2010/main" xmlns:a14="http://schemas.microsoft.com/office/drawing/2010/main" w="9525">
                   <a:solidFill>
                     <a:srgbClr val="000000"/>
                   </a:solidFill>
@@ -14993,7 +14993,7 @@
             </a:ln>
             <a:extLst>
               <a:ext uri="{91240B29-F687-4f45-9708-019B960494DF}">
-                <a14:hiddenLine xmlns:a14="http://schemas.microsoft.com/office/drawing/2010/main" xmlns:p14="http://schemas.microsoft.com/office/powerpoint/2010/main" xmlns:a16="http://schemas.microsoft.com/office/drawing/2014/main" xmlns="" w="9525">
+                <a14:hiddenLine xmlns="" xmlns:a16="http://schemas.microsoft.com/office/drawing/2014/main" xmlns:p14="http://schemas.microsoft.com/office/powerpoint/2010/main" xmlns:a14="http://schemas.microsoft.com/office/drawing/2010/main" w="9525">
                   <a:solidFill>
                     <a:srgbClr val="000000"/>
                   </a:solidFill>
@@ -15098,7 +15098,7 @@
             </a:ln>
             <a:extLst>
               <a:ext uri="{91240B29-F687-4f45-9708-019B960494DF}">
-                <a14:hiddenLine xmlns:a14="http://schemas.microsoft.com/office/drawing/2010/main" xmlns:p14="http://schemas.microsoft.com/office/powerpoint/2010/main" xmlns:a16="http://schemas.microsoft.com/office/drawing/2014/main" xmlns="" w="9525">
+                <a14:hiddenLine xmlns="" xmlns:a16="http://schemas.microsoft.com/office/drawing/2014/main" xmlns:p14="http://schemas.microsoft.com/office/powerpoint/2010/main" xmlns:a14="http://schemas.microsoft.com/office/drawing/2010/main" w="9525">
                   <a:solidFill>
                     <a:srgbClr val="000000"/>
                   </a:solidFill>
@@ -15147,7 +15147,7 @@
             </a:ln>
             <a:extLst>
               <a:ext uri="{91240B29-F687-4f45-9708-019B960494DF}">
-                <a14:hiddenLine xmlns:a14="http://schemas.microsoft.com/office/drawing/2010/main" xmlns:p14="http://schemas.microsoft.com/office/powerpoint/2010/main" xmlns:a16="http://schemas.microsoft.com/office/drawing/2014/main" xmlns="" w="9525">
+                <a14:hiddenLine xmlns="" xmlns:a16="http://schemas.microsoft.com/office/drawing/2014/main" xmlns:p14="http://schemas.microsoft.com/office/powerpoint/2010/main" xmlns:a14="http://schemas.microsoft.com/office/drawing/2010/main" w="9525">
                   <a:solidFill>
                     <a:srgbClr val="000000"/>
                   </a:solidFill>
@@ -15252,7 +15252,7 @@
             </a:ln>
             <a:extLst>
               <a:ext uri="{91240B29-F687-4f45-9708-019B960494DF}">
-                <a14:hiddenLine xmlns:a14="http://schemas.microsoft.com/office/drawing/2010/main" xmlns:p14="http://schemas.microsoft.com/office/powerpoint/2010/main" xmlns:a16="http://schemas.microsoft.com/office/drawing/2014/main" xmlns="" w="9525">
+                <a14:hiddenLine xmlns="" xmlns:a16="http://schemas.microsoft.com/office/drawing/2014/main" xmlns:p14="http://schemas.microsoft.com/office/powerpoint/2010/main" xmlns:a14="http://schemas.microsoft.com/office/drawing/2010/main" w="9525">
                   <a:solidFill>
                     <a:srgbClr val="000000"/>
                   </a:solidFill>
@@ -15329,7 +15329,7 @@
             </a:ln>
             <a:extLst>
               <a:ext uri="{91240B29-F687-4f45-9708-019B960494DF}">
-                <a14:hiddenLine xmlns:a14="http://schemas.microsoft.com/office/drawing/2010/main" xmlns:p14="http://schemas.microsoft.com/office/powerpoint/2010/main" xmlns:a16="http://schemas.microsoft.com/office/drawing/2014/main" xmlns="" w="9525">
+                <a14:hiddenLine xmlns="" xmlns:a16="http://schemas.microsoft.com/office/drawing/2014/main" xmlns:p14="http://schemas.microsoft.com/office/powerpoint/2010/main" xmlns:a14="http://schemas.microsoft.com/office/drawing/2010/main" w="9525">
                   <a:solidFill>
                     <a:srgbClr val="000000"/>
                   </a:solidFill>
@@ -15406,7 +15406,7 @@
             </a:ln>
             <a:extLst>
               <a:ext uri="{91240B29-F687-4f45-9708-019B960494DF}">
-                <a14:hiddenLine xmlns:a14="http://schemas.microsoft.com/office/drawing/2010/main" xmlns:p14="http://schemas.microsoft.com/office/powerpoint/2010/main" xmlns:a16="http://schemas.microsoft.com/office/drawing/2014/main" xmlns="" w="9525">
+                <a14:hiddenLine xmlns="" xmlns:a16="http://schemas.microsoft.com/office/drawing/2014/main" xmlns:p14="http://schemas.microsoft.com/office/powerpoint/2010/main" xmlns:a14="http://schemas.microsoft.com/office/drawing/2010/main" w="9525">
                   <a:solidFill>
                     <a:srgbClr val="000000"/>
                   </a:solidFill>
@@ -15511,7 +15511,7 @@
             </a:ln>
             <a:extLst>
               <a:ext uri="{91240B29-F687-4f45-9708-019B960494DF}">
-                <a14:hiddenLine xmlns:a14="http://schemas.microsoft.com/office/drawing/2010/main" xmlns:p14="http://schemas.microsoft.com/office/powerpoint/2010/main" xmlns:a16="http://schemas.microsoft.com/office/drawing/2014/main" xmlns="" w="9525">
+                <a14:hiddenLine xmlns="" xmlns:a16="http://schemas.microsoft.com/office/drawing/2014/main" xmlns:p14="http://schemas.microsoft.com/office/powerpoint/2010/main" xmlns:a14="http://schemas.microsoft.com/office/drawing/2010/main" w="9525">
                   <a:solidFill>
                     <a:srgbClr val="000000"/>
                   </a:solidFill>
@@ -15594,7 +15594,7 @@
             </a:ln>
             <a:extLst>
               <a:ext uri="{91240B29-F687-4f45-9708-019B960494DF}">
-                <a14:hiddenLine xmlns:a14="http://schemas.microsoft.com/office/drawing/2010/main" xmlns:p14="http://schemas.microsoft.com/office/powerpoint/2010/main" xmlns:a16="http://schemas.microsoft.com/office/drawing/2014/main" xmlns="" w="9525">
+                <a14:hiddenLine xmlns="" xmlns:a16="http://schemas.microsoft.com/office/drawing/2014/main" xmlns:p14="http://schemas.microsoft.com/office/powerpoint/2010/main" xmlns:a14="http://schemas.microsoft.com/office/drawing/2010/main" w="9525">
                   <a:solidFill>
                     <a:srgbClr val="000000"/>
                   </a:solidFill>
@@ -15671,7 +15671,7 @@
             </a:ln>
             <a:extLst>
               <a:ext uri="{91240B29-F687-4f45-9708-019B960494DF}">
-                <a14:hiddenLine xmlns:a14="http://schemas.microsoft.com/office/drawing/2010/main" xmlns:p14="http://schemas.microsoft.com/office/powerpoint/2010/main" xmlns:a16="http://schemas.microsoft.com/office/drawing/2014/main" xmlns="" w="9525">
+                <a14:hiddenLine xmlns="" xmlns:a16="http://schemas.microsoft.com/office/drawing/2014/main" xmlns:p14="http://schemas.microsoft.com/office/powerpoint/2010/main" xmlns:a14="http://schemas.microsoft.com/office/drawing/2010/main" w="9525">
                   <a:solidFill>
                     <a:srgbClr val="000000"/>
                   </a:solidFill>
@@ -15776,7 +15776,7 @@
             </a:ln>
             <a:extLst>
               <a:ext uri="{91240B29-F687-4f45-9708-019B960494DF}">
-                <a14:hiddenLine xmlns:a14="http://schemas.microsoft.com/office/drawing/2010/main" xmlns:p14="http://schemas.microsoft.com/office/powerpoint/2010/main" xmlns:a16="http://schemas.microsoft.com/office/drawing/2014/main" xmlns="" w="9525">
+                <a14:hiddenLine xmlns="" xmlns:a16="http://schemas.microsoft.com/office/drawing/2014/main" xmlns:p14="http://schemas.microsoft.com/office/powerpoint/2010/main" xmlns:a14="http://schemas.microsoft.com/office/drawing/2010/main" w="9525">
                   <a:solidFill>
                     <a:srgbClr val="000000"/>
                   </a:solidFill>
@@ -15853,7 +15853,7 @@
             </a:ln>
             <a:extLst>
               <a:ext uri="{91240B29-F687-4f45-9708-019B960494DF}">
-                <a14:hiddenLine xmlns:a14="http://schemas.microsoft.com/office/drawing/2010/main" xmlns:p14="http://schemas.microsoft.com/office/powerpoint/2010/main" xmlns:a16="http://schemas.microsoft.com/office/drawing/2014/main" xmlns="" w="9525">
+                <a14:hiddenLine xmlns="" xmlns:a16="http://schemas.microsoft.com/office/drawing/2014/main" xmlns:p14="http://schemas.microsoft.com/office/powerpoint/2010/main" xmlns:a14="http://schemas.microsoft.com/office/drawing/2010/main" w="9525">
                   <a:solidFill>
                     <a:srgbClr val="000000"/>
                   </a:solidFill>
@@ -15958,7 +15958,7 @@
             </a:ln>
             <a:extLst>
               <a:ext uri="{91240B29-F687-4f45-9708-019B960494DF}">
-                <a14:hiddenLine xmlns:a14="http://schemas.microsoft.com/office/drawing/2010/main" xmlns:p14="http://schemas.microsoft.com/office/powerpoint/2010/main" xmlns:a16="http://schemas.microsoft.com/office/drawing/2014/main" xmlns="" w="9525">
+                <a14:hiddenLine xmlns="" xmlns:a16="http://schemas.microsoft.com/office/drawing/2014/main" xmlns:p14="http://schemas.microsoft.com/office/powerpoint/2010/main" xmlns:a14="http://schemas.microsoft.com/office/drawing/2010/main" w="9525">
                   <a:solidFill>
                     <a:srgbClr val="000000"/>
                   </a:solidFill>
@@ -16035,7 +16035,7 @@
             </a:ln>
             <a:extLst>
               <a:ext uri="{91240B29-F687-4f45-9708-019B960494DF}">
-                <a14:hiddenLine xmlns:a14="http://schemas.microsoft.com/office/drawing/2010/main" xmlns:p14="http://schemas.microsoft.com/office/powerpoint/2010/main" xmlns:a16="http://schemas.microsoft.com/office/drawing/2014/main" xmlns="" w="9525">
+                <a14:hiddenLine xmlns="" xmlns:a16="http://schemas.microsoft.com/office/drawing/2014/main" xmlns:p14="http://schemas.microsoft.com/office/powerpoint/2010/main" xmlns:a14="http://schemas.microsoft.com/office/drawing/2010/main" w="9525">
                   <a:solidFill>
                     <a:srgbClr val="000000"/>
                   </a:solidFill>
@@ -16140,7 +16140,7 @@
             </a:ln>
             <a:extLst>
               <a:ext uri="{91240B29-F687-4f45-9708-019B960494DF}">
-                <a14:hiddenLine xmlns:a14="http://schemas.microsoft.com/office/drawing/2010/main" xmlns:p14="http://schemas.microsoft.com/office/powerpoint/2010/main" xmlns:a16="http://schemas.microsoft.com/office/drawing/2014/main" xmlns="" w="9525">
+                <a14:hiddenLine xmlns="" xmlns:a16="http://schemas.microsoft.com/office/drawing/2014/main" xmlns:p14="http://schemas.microsoft.com/office/powerpoint/2010/main" xmlns:a14="http://schemas.microsoft.com/office/drawing/2010/main" w="9525">
                   <a:solidFill>
                     <a:srgbClr val="000000"/>
                   </a:solidFill>
@@ -16189,7 +16189,7 @@
             </a:ln>
             <a:extLst>
               <a:ext uri="{91240B29-F687-4f45-9708-019B960494DF}">
-                <a14:hiddenLine xmlns:a14="http://schemas.microsoft.com/office/drawing/2010/main" xmlns:p14="http://schemas.microsoft.com/office/powerpoint/2010/main" xmlns:a16="http://schemas.microsoft.com/office/drawing/2014/main" xmlns="" w="9525">
+                <a14:hiddenLine xmlns="" xmlns:a16="http://schemas.microsoft.com/office/drawing/2014/main" xmlns:p14="http://schemas.microsoft.com/office/powerpoint/2010/main" xmlns:a14="http://schemas.microsoft.com/office/drawing/2010/main" w="9525">
                   <a:solidFill>
                     <a:srgbClr val="000000"/>
                   </a:solidFill>
@@ -16269,7 +16269,7 @@
             </a:ln>
             <a:extLst>
               <a:ext uri="{91240B29-F687-4f45-9708-019B960494DF}">
-                <a14:hiddenLine xmlns:a14="http://schemas.microsoft.com/office/drawing/2010/main" xmlns:p14="http://schemas.microsoft.com/office/powerpoint/2010/main" xmlns:a16="http://schemas.microsoft.com/office/drawing/2014/main" xmlns="" w="9525">
+                <a14:hiddenLine xmlns="" xmlns:a16="http://schemas.microsoft.com/office/drawing/2014/main" xmlns:p14="http://schemas.microsoft.com/office/powerpoint/2010/main" xmlns:a14="http://schemas.microsoft.com/office/drawing/2010/main" w="9525">
                   <a:solidFill>
                     <a:srgbClr val="000000"/>
                   </a:solidFill>
@@ -16374,7 +16374,7 @@
             </a:ln>
             <a:extLst>
               <a:ext uri="{91240B29-F687-4f45-9708-019B960494DF}">
-                <a14:hiddenLine xmlns:a14="http://schemas.microsoft.com/office/drawing/2010/main" xmlns:p14="http://schemas.microsoft.com/office/powerpoint/2010/main" xmlns:a16="http://schemas.microsoft.com/office/drawing/2014/main" xmlns="" w="9525">
+                <a14:hiddenLine xmlns="" xmlns:a16="http://schemas.microsoft.com/office/drawing/2014/main" xmlns:p14="http://schemas.microsoft.com/office/powerpoint/2010/main" xmlns:a14="http://schemas.microsoft.com/office/drawing/2010/main" w="9525">
                   <a:solidFill>
                     <a:srgbClr val="000000"/>
                   </a:solidFill>
@@ -16451,7 +16451,7 @@
             </a:ln>
             <a:extLst>
               <a:ext uri="{91240B29-F687-4f45-9708-019B960494DF}">
-                <a14:hiddenLine xmlns:a14="http://schemas.microsoft.com/office/drawing/2010/main" xmlns:p14="http://schemas.microsoft.com/office/powerpoint/2010/main" xmlns:a16="http://schemas.microsoft.com/office/drawing/2014/main" xmlns="" w="9525">
+                <a14:hiddenLine xmlns="" xmlns:a16="http://schemas.microsoft.com/office/drawing/2014/main" xmlns:p14="http://schemas.microsoft.com/office/powerpoint/2010/main" xmlns:a14="http://schemas.microsoft.com/office/drawing/2010/main" w="9525">
                   <a:solidFill>
                     <a:srgbClr val="000000"/>
                   </a:solidFill>
@@ -16556,7 +16556,7 @@
             </a:ln>
             <a:extLst>
               <a:ext uri="{91240B29-F687-4f45-9708-019B960494DF}">
-                <a14:hiddenLine xmlns:a14="http://schemas.microsoft.com/office/drawing/2010/main" xmlns:p14="http://schemas.microsoft.com/office/powerpoint/2010/main" xmlns:a16="http://schemas.microsoft.com/office/drawing/2014/main" xmlns="" w="9525">
+                <a14:hiddenLine xmlns="" xmlns:a16="http://schemas.microsoft.com/office/drawing/2014/main" xmlns:p14="http://schemas.microsoft.com/office/powerpoint/2010/main" xmlns:a14="http://schemas.microsoft.com/office/drawing/2010/main" w="9525">
                   <a:solidFill>
                     <a:srgbClr val="000000"/>
                   </a:solidFill>
@@ -16661,7 +16661,7 @@
             </a:ln>
             <a:extLst>
               <a:ext uri="{91240B29-F687-4f45-9708-019B960494DF}">
-                <a14:hiddenLine xmlns:a14="http://schemas.microsoft.com/office/drawing/2010/main" xmlns:p14="http://schemas.microsoft.com/office/powerpoint/2010/main" xmlns:a16="http://schemas.microsoft.com/office/drawing/2014/main" xmlns="" w="9525">
+                <a14:hiddenLine xmlns="" xmlns:a16="http://schemas.microsoft.com/office/drawing/2014/main" xmlns:p14="http://schemas.microsoft.com/office/powerpoint/2010/main" xmlns:a14="http://schemas.microsoft.com/office/drawing/2010/main" w="9525">
                   <a:solidFill>
                     <a:srgbClr val="000000"/>
                   </a:solidFill>
@@ -16741,7 +16741,7 @@
             </a:ln>
             <a:extLst>
               <a:ext uri="{91240B29-F687-4f45-9708-019B960494DF}">
-                <a14:hiddenLine xmlns:a14="http://schemas.microsoft.com/office/drawing/2010/main" xmlns:p14="http://schemas.microsoft.com/office/powerpoint/2010/main" xmlns:a16="http://schemas.microsoft.com/office/drawing/2014/main" xmlns="" w="9525">
+                <a14:hiddenLine xmlns="" xmlns:a16="http://schemas.microsoft.com/office/drawing/2014/main" xmlns:p14="http://schemas.microsoft.com/office/powerpoint/2010/main" xmlns:a14="http://schemas.microsoft.com/office/drawing/2010/main" w="9525">
                   <a:solidFill>
                     <a:srgbClr val="000000"/>
                   </a:solidFill>
@@ -16818,7 +16818,7 @@
             </a:ln>
             <a:extLst>
               <a:ext uri="{91240B29-F687-4f45-9708-019B960494DF}">
-                <a14:hiddenLine xmlns:a14="http://schemas.microsoft.com/office/drawing/2010/main" xmlns:p14="http://schemas.microsoft.com/office/powerpoint/2010/main" xmlns:a16="http://schemas.microsoft.com/office/drawing/2014/main" xmlns="" w="9525">
+                <a14:hiddenLine xmlns="" xmlns:a16="http://schemas.microsoft.com/office/drawing/2014/main" xmlns:p14="http://schemas.microsoft.com/office/powerpoint/2010/main" xmlns:a14="http://schemas.microsoft.com/office/drawing/2010/main" w="9525">
                   <a:solidFill>
                     <a:srgbClr val="000000"/>
                   </a:solidFill>
@@ -16923,7 +16923,7 @@
             </a:ln>
             <a:extLst>
               <a:ext uri="{91240B29-F687-4f45-9708-019B960494DF}">
-                <a14:hiddenLine xmlns:a14="http://schemas.microsoft.com/office/drawing/2010/main" xmlns:p14="http://schemas.microsoft.com/office/powerpoint/2010/main" xmlns:a16="http://schemas.microsoft.com/office/drawing/2014/main" xmlns="" w="9525">
+                <a14:hiddenLine xmlns="" xmlns:a16="http://schemas.microsoft.com/office/drawing/2014/main" xmlns:p14="http://schemas.microsoft.com/office/powerpoint/2010/main" xmlns:a14="http://schemas.microsoft.com/office/drawing/2010/main" w="9525">
                   <a:solidFill>
                     <a:srgbClr val="000000"/>
                   </a:solidFill>
@@ -17028,7 +17028,7 @@
             </a:ln>
             <a:extLst>
               <a:ext uri="{91240B29-F687-4f45-9708-019B960494DF}">
-                <a14:hiddenLine xmlns:a14="http://schemas.microsoft.com/office/drawing/2010/main" xmlns:p14="http://schemas.microsoft.com/office/powerpoint/2010/main" xmlns:a16="http://schemas.microsoft.com/office/drawing/2014/main" xmlns="" w="9525">
+                <a14:hiddenLine xmlns="" xmlns:a16="http://schemas.microsoft.com/office/drawing/2014/main" xmlns:p14="http://schemas.microsoft.com/office/powerpoint/2010/main" xmlns:a14="http://schemas.microsoft.com/office/drawing/2010/main" w="9525">
                   <a:solidFill>
                     <a:srgbClr val="000000"/>
                   </a:solidFill>
@@ -17105,7 +17105,7 @@
             </a:ln>
             <a:extLst>
               <a:ext uri="{91240B29-F687-4f45-9708-019B960494DF}">
-                <a14:hiddenLine xmlns:a14="http://schemas.microsoft.com/office/drawing/2010/main" xmlns:p14="http://schemas.microsoft.com/office/powerpoint/2010/main" xmlns:a16="http://schemas.microsoft.com/office/drawing/2014/main" xmlns="" w="9525">
+                <a14:hiddenLine xmlns="" xmlns:a16="http://schemas.microsoft.com/office/drawing/2014/main" xmlns:p14="http://schemas.microsoft.com/office/powerpoint/2010/main" xmlns:a14="http://schemas.microsoft.com/office/drawing/2010/main" w="9525">
                   <a:solidFill>
                     <a:srgbClr val="000000"/>
                   </a:solidFill>
@@ -17240,7 +17240,7 @@
             </a:ln>
             <a:extLst>
               <a:ext uri="{91240B29-F687-4f45-9708-019B960494DF}">
-                <a14:hiddenLine xmlns:a14="http://schemas.microsoft.com/office/drawing/2010/main" xmlns:p14="http://schemas.microsoft.com/office/powerpoint/2010/main" xmlns:a16="http://schemas.microsoft.com/office/drawing/2014/main" xmlns="" w="9525">
+                <a14:hiddenLine xmlns="" xmlns:a16="http://schemas.microsoft.com/office/drawing/2014/main" xmlns:p14="http://schemas.microsoft.com/office/powerpoint/2010/main" xmlns:a14="http://schemas.microsoft.com/office/drawing/2010/main" w="9525">
                   <a:solidFill>
                     <a:srgbClr val="000000"/>
                   </a:solidFill>
@@ -17323,7 +17323,7 @@
             </a:ln>
             <a:extLst>
               <a:ext uri="{91240B29-F687-4f45-9708-019B960494DF}">
-                <a14:hiddenLine xmlns:a14="http://schemas.microsoft.com/office/drawing/2010/main" xmlns:p14="http://schemas.microsoft.com/office/powerpoint/2010/main" xmlns:a16="http://schemas.microsoft.com/office/drawing/2014/main" xmlns="" w="9525">
+                <a14:hiddenLine xmlns="" xmlns:a16="http://schemas.microsoft.com/office/drawing/2014/main" xmlns:p14="http://schemas.microsoft.com/office/powerpoint/2010/main" xmlns:a14="http://schemas.microsoft.com/office/drawing/2010/main" w="9525">
                   <a:solidFill>
                     <a:srgbClr val="000000"/>
                   </a:solidFill>
@@ -17428,7 +17428,7 @@
             </a:ln>
             <a:extLst>
               <a:ext uri="{91240B29-F687-4f45-9708-019B960494DF}">
-                <a14:hiddenLine xmlns:a14="http://schemas.microsoft.com/office/drawing/2010/main" xmlns:p14="http://schemas.microsoft.com/office/powerpoint/2010/main" xmlns:a16="http://schemas.microsoft.com/office/drawing/2014/main" xmlns="" w="9525">
+                <a14:hiddenLine xmlns="" xmlns:a16="http://schemas.microsoft.com/office/drawing/2014/main" xmlns:p14="http://schemas.microsoft.com/office/powerpoint/2010/main" xmlns:a14="http://schemas.microsoft.com/office/drawing/2010/main" w="9525">
                   <a:solidFill>
                     <a:srgbClr val="000000"/>
                   </a:solidFill>
@@ -17496,7 +17496,7 @@
           <a:noFill/>
           <a:extLst>
             <a:ext uri="{909E8E84-426E-40dd-AFC4-6F175D3DCCD1}">
-              <a14:hiddenFill xmlns:a14="http://schemas.microsoft.com/office/drawing/2010/main" xmlns:p14="http://schemas.microsoft.com/office/powerpoint/2010/main" xmlns:a16="http://schemas.microsoft.com/office/drawing/2014/main" xmlns="">
+              <a14:hiddenFill xmlns="" xmlns:a16="http://schemas.microsoft.com/office/drawing/2014/main" xmlns:p14="http://schemas.microsoft.com/office/powerpoint/2010/main" xmlns:a14="http://schemas.microsoft.com/office/drawing/2010/main">
                 <a:solidFill>
                   <a:srgbClr val="FFFFFF"/>
                 </a:solidFill>
@@ -18541,7 +18541,31 @@
           <a:bodyPr/>
           <a:lstStyle/>
           <a:p>
-            <a:endParaRPr lang="en-US" dirty="0"/>
+            <a:r>
+              <a:rPr lang="en-US" dirty="0"/>
+              <a:t>Backend</a:t>
+            </a:r>
+          </a:p>
+          <a:p>
+            <a:pPr lvl="1"/>
+            <a:r>
+              <a:rPr lang="en-US" dirty="0"/>
+              <a:t>Collect data from other API </a:t>
+            </a:r>
+          </a:p>
+          <a:p>
+            <a:pPr lvl="1"/>
+            <a:r>
+              <a:rPr lang="en-US" dirty="0"/>
+              <a:t>Unit tests for Postman</a:t>
+            </a:r>
+          </a:p>
+          <a:p>
+            <a:pPr lvl="1"/>
+            <a:r>
+              <a:rPr lang="en-US" dirty="0"/>
+              <a:t>GitLab Statistic</a:t>
+            </a:r>
           </a:p>
         </p:txBody>
       </p:sp>
@@ -18633,7 +18657,47 @@
           <a:bodyPr/>
           <a:lstStyle/>
           <a:p>
-            <a:endParaRPr lang="en-US" dirty="0"/>
+            <a:r>
+              <a:rPr lang="en-US" dirty="0"/>
+              <a:t>Backend</a:t>
+            </a:r>
+          </a:p>
+          <a:p>
+            <a:pPr lvl="1"/>
+            <a:r>
+              <a:rPr lang="en-US" dirty="0"/>
+              <a:t>Building </a:t>
+            </a:r>
+            <a:r>
+              <a:rPr lang="en-US" dirty="0" err="1"/>
+              <a:t>Mibrary</a:t>
+            </a:r>
+            <a:r>
+              <a:rPr lang="en-US" dirty="0"/>
+              <a:t> RESTful API</a:t>
+            </a:r>
+          </a:p>
+          <a:p>
+            <a:pPr lvl="1"/>
+            <a:r>
+              <a:rPr lang="en-US" dirty="0"/>
+              <a:t>Postman Documentation for </a:t>
+            </a:r>
+            <a:r>
+              <a:rPr lang="en-US" dirty="0" err="1"/>
+              <a:t>Mibrary</a:t>
+            </a:r>
+            <a:r>
+              <a:rPr lang="en-US" dirty="0"/>
+              <a:t> RESTful API</a:t>
+            </a:r>
+          </a:p>
+          <a:p>
+            <a:pPr lvl="1"/>
+            <a:r>
+              <a:rPr lang="en-US" dirty="0"/>
+              <a:t>UML </a:t>
+            </a:r>
           </a:p>
         </p:txBody>
       </p:sp>
